--- a/notes/images.pptx
+++ b/notes/images.pptx
@@ -14,6 +14,8 @@
     <p:sldId id="259" r:id="rId9"/>
     <p:sldId id="260" r:id="rId10"/>
     <p:sldId id="261" r:id="rId11"/>
+    <p:sldId id="262" r:id="rId12"/>
+    <p:sldId id="263" r:id="rId13"/>
   </p:sldIdLst>
   <p:sldSz cy="5143500" cx="9144000"/>
   <p:notesSz cx="6858000" cy="9144000"/>
@@ -1205,7 +1207,7 @@
       </p:grpSpPr>
       <p:sp>
         <p:nvSpPr>
-          <p:cNvPr id="147" name="Google Shape;147;g3265482bf26_1_99:notes"/>
+          <p:cNvPr id="147" name="Google Shape;147;g2d830b904a5_0_5:notes"/>
           <p:cNvSpPr/>
           <p:nvPr>
             <p:ph idx="2" type="sldImg"/>
@@ -1240,7 +1242,205 @@
       </p:sp>
       <p:sp>
         <p:nvSpPr>
-          <p:cNvPr id="148" name="Google Shape;148;g3265482bf26_1_99:notes"/>
+          <p:cNvPr id="148" name="Google Shape;148;g2d830b904a5_0_5:notes"/>
+          <p:cNvSpPr txBox="1"/>
+          <p:nvPr>
+            <p:ph idx="1" type="body"/>
+          </p:nvPr>
+        </p:nvSpPr>
+        <p:spPr>
+          <a:xfrm>
+            <a:off x="685800" y="4343400"/>
+            <a:ext cx="5486400" cy="4114800"/>
+          </a:xfrm>
+          <a:prstGeom prst="rect">
+            <a:avLst/>
+          </a:prstGeom>
+        </p:spPr>
+        <p:txBody>
+          <a:bodyPr anchorCtr="0" anchor="t" bIns="91425" lIns="91425" spcFirstLastPara="1" rIns="91425" wrap="square" tIns="91425">
+            <a:noAutofit/>
+          </a:bodyPr>
+          <a:lstStyle/>
+          <a:p>
+            <a:pPr indent="0" lvl="0" marL="0" rtl="0" algn="l">
+              <a:spcBef>
+                <a:spcPts val="0"/>
+              </a:spcBef>
+              <a:spcAft>
+                <a:spcPts val="0"/>
+              </a:spcAft>
+              <a:buNone/>
+            </a:pPr>
+            <a:r>
+              <a:t/>
+            </a:r>
+            <a:endParaRPr/>
+          </a:p>
+        </p:txBody>
+      </p:sp>
+    </p:spTree>
+  </p:cSld>
+  <p:clrMapOvr>
+    <a:masterClrMapping/>
+  </p:clrMapOvr>
+</p:notes>
+</file>
+
+<file path=ppt/notesSlides/notesSlide7.xml><?xml version="1.0" encoding="utf-8"?>
+<p:notes xmlns:a="http://schemas.openxmlformats.org/drawingml/2006/main" xmlns:r="http://schemas.openxmlformats.org/officeDocument/2006/relationships" xmlns:mc="http://schemas.openxmlformats.org/markup-compatibility/2006" xmlns:mv="urn:schemas-microsoft-com:mac:vml" xmlns:p="http://schemas.openxmlformats.org/presentationml/2006/main" xmlns:c="http://schemas.openxmlformats.org/drawingml/2006/chart" xmlns:dgm="http://schemas.openxmlformats.org/drawingml/2006/diagram" xmlns:o="urn:schemas-microsoft-com:office:office" xmlns:v="urn:schemas-microsoft-com:vml" xmlns:pvml="urn:schemas-microsoft-com:office:powerpoint" xmlns:com="http://schemas.openxmlformats.org/drawingml/2006/compatibility" xmlns:p14="http://schemas.microsoft.com/office/powerpoint/2010/main" xmlns:p15="http://schemas.microsoft.com/office/powerpoint/2012/main" xmlns:ahyp="http://schemas.microsoft.com/office/drawing/2018/hyperlinkcolor" showMasterPhAnim="0" showMasterSp="0">
+  <p:cSld>
+    <p:spTree>
+      <p:nvGrpSpPr>
+        <p:cNvPr id="152" name="Shape 152"/>
+        <p:cNvGrpSpPr/>
+        <p:nvPr/>
+      </p:nvGrpSpPr>
+      <p:grpSpPr>
+        <a:xfrm>
+          <a:off x="0" y="0"/>
+          <a:ext cx="0" cy="0"/>
+          <a:chOff x="0" y="0"/>
+          <a:chExt cx="0" cy="0"/>
+        </a:xfrm>
+      </p:grpSpPr>
+      <p:sp>
+        <p:nvSpPr>
+          <p:cNvPr id="153" name="Google Shape;153;g3265482bf26_1_99:notes"/>
+          <p:cNvSpPr/>
+          <p:nvPr>
+            <p:ph idx="2" type="sldImg"/>
+          </p:nvPr>
+        </p:nvSpPr>
+        <p:spPr>
+          <a:xfrm>
+            <a:off x="381300" y="685800"/>
+            <a:ext cx="6096000" cy="3429000"/>
+          </a:xfrm>
+          <a:custGeom>
+            <a:rect b="b" l="l" r="r" t="t"/>
+            <a:pathLst>
+              <a:path extrusionOk="0" h="120000" w="120000">
+                <a:moveTo>
+                  <a:pt x="0" y="0"/>
+                </a:moveTo>
+                <a:lnTo>
+                  <a:pt x="120000" y="0"/>
+                </a:lnTo>
+                <a:lnTo>
+                  <a:pt x="120000" y="120000"/>
+                </a:lnTo>
+                <a:lnTo>
+                  <a:pt x="0" y="120000"/>
+                </a:lnTo>
+                <a:close/>
+              </a:path>
+            </a:pathLst>
+          </a:custGeom>
+        </p:spPr>
+      </p:sp>
+      <p:sp>
+        <p:nvSpPr>
+          <p:cNvPr id="154" name="Google Shape;154;g3265482bf26_1_99:notes"/>
+          <p:cNvSpPr txBox="1"/>
+          <p:nvPr>
+            <p:ph idx="1" type="body"/>
+          </p:nvPr>
+        </p:nvSpPr>
+        <p:spPr>
+          <a:xfrm>
+            <a:off x="685800" y="4343400"/>
+            <a:ext cx="5486400" cy="4114800"/>
+          </a:xfrm>
+          <a:prstGeom prst="rect">
+            <a:avLst/>
+          </a:prstGeom>
+        </p:spPr>
+        <p:txBody>
+          <a:bodyPr anchorCtr="0" anchor="t" bIns="91425" lIns="91425" spcFirstLastPara="1" rIns="91425" wrap="square" tIns="91425">
+            <a:noAutofit/>
+          </a:bodyPr>
+          <a:lstStyle/>
+          <a:p>
+            <a:pPr indent="0" lvl="0" marL="0" rtl="0" algn="l">
+              <a:spcBef>
+                <a:spcPts val="0"/>
+              </a:spcBef>
+              <a:spcAft>
+                <a:spcPts val="0"/>
+              </a:spcAft>
+              <a:buNone/>
+            </a:pPr>
+            <a:r>
+              <a:t/>
+            </a:r>
+            <a:endParaRPr/>
+          </a:p>
+        </p:txBody>
+      </p:sp>
+    </p:spTree>
+  </p:cSld>
+  <p:clrMapOvr>
+    <a:masterClrMapping/>
+  </p:clrMapOvr>
+</p:notes>
+</file>
+
+<file path=ppt/notesSlides/notesSlide8.xml><?xml version="1.0" encoding="utf-8"?>
+<p:notes xmlns:a="http://schemas.openxmlformats.org/drawingml/2006/main" xmlns:r="http://schemas.openxmlformats.org/officeDocument/2006/relationships" xmlns:mc="http://schemas.openxmlformats.org/markup-compatibility/2006" xmlns:mv="urn:schemas-microsoft-com:mac:vml" xmlns:p="http://schemas.openxmlformats.org/presentationml/2006/main" xmlns:c="http://schemas.openxmlformats.org/drawingml/2006/chart" xmlns:dgm="http://schemas.openxmlformats.org/drawingml/2006/diagram" xmlns:o="urn:schemas-microsoft-com:office:office" xmlns:v="urn:schemas-microsoft-com:vml" xmlns:pvml="urn:schemas-microsoft-com:office:powerpoint" xmlns:com="http://schemas.openxmlformats.org/drawingml/2006/compatibility" xmlns:p14="http://schemas.microsoft.com/office/powerpoint/2010/main" xmlns:p15="http://schemas.microsoft.com/office/powerpoint/2012/main" xmlns:ahyp="http://schemas.microsoft.com/office/drawing/2018/hyperlinkcolor" showMasterPhAnim="0" showMasterSp="0">
+  <p:cSld>
+    <p:spTree>
+      <p:nvGrpSpPr>
+        <p:cNvPr id="196" name="Shape 196"/>
+        <p:cNvGrpSpPr/>
+        <p:nvPr/>
+      </p:nvGrpSpPr>
+      <p:grpSpPr>
+        <a:xfrm>
+          <a:off x="0" y="0"/>
+          <a:ext cx="0" cy="0"/>
+          <a:chOff x="0" y="0"/>
+          <a:chExt cx="0" cy="0"/>
+        </a:xfrm>
+      </p:grpSpPr>
+      <p:sp>
+        <p:nvSpPr>
+          <p:cNvPr id="197" name="Google Shape;197;g2d842d7e5a4_0_1:notes"/>
+          <p:cNvSpPr/>
+          <p:nvPr>
+            <p:ph idx="2" type="sldImg"/>
+          </p:nvPr>
+        </p:nvSpPr>
+        <p:spPr>
+          <a:xfrm>
+            <a:off x="381300" y="685800"/>
+            <a:ext cx="6096000" cy="3429000"/>
+          </a:xfrm>
+          <a:custGeom>
+            <a:rect b="b" l="l" r="r" t="t"/>
+            <a:pathLst>
+              <a:path extrusionOk="0" h="120000" w="120000">
+                <a:moveTo>
+                  <a:pt x="0" y="0"/>
+                </a:moveTo>
+                <a:lnTo>
+                  <a:pt x="120000" y="0"/>
+                </a:lnTo>
+                <a:lnTo>
+                  <a:pt x="120000" y="120000"/>
+                </a:lnTo>
+                <a:lnTo>
+                  <a:pt x="0" y="120000"/>
+                </a:lnTo>
+                <a:close/>
+              </a:path>
+            </a:pathLst>
+          </a:custGeom>
+        </p:spPr>
+      </p:sp>
+      <p:sp>
+        <p:nvSpPr>
+          <p:cNvPr id="198" name="Google Shape;198;g2d842d7e5a4_0_1:notes"/>
           <p:cNvSpPr txBox="1"/>
           <p:nvPr>
             <p:ph idx="1" type="body"/>
@@ -6359,7 +6559,7 @@
             <a:avLst/>
           </a:prstGeom>
           <a:solidFill>
-            <a:schemeClr val="lt1"/>
+            <a:srgbClr val="D9D9D9"/>
           </a:solidFill>
           <a:ln cap="flat" cmpd="sng" w="19050">
             <a:solidFill>
@@ -6466,7 +6666,7 @@
             <a:avLst/>
           </a:prstGeom>
           <a:solidFill>
-            <a:schemeClr val="lt1"/>
+            <a:srgbClr val="CCCCCC"/>
           </a:solidFill>
           <a:ln cap="flat" cmpd="sng" w="19050">
             <a:solidFill>
@@ -6573,7 +6773,7 @@
             <a:avLst/>
           </a:prstGeom>
           <a:solidFill>
-            <a:schemeClr val="lt1"/>
+            <a:srgbClr val="CCCCCC"/>
           </a:solidFill>
           <a:ln cap="flat" cmpd="sng" w="19050">
             <a:solidFill>
@@ -6730,7 +6930,7 @@
             <a:avLst/>
           </a:prstGeom>
           <a:solidFill>
-            <a:schemeClr val="lt1"/>
+            <a:srgbClr val="CCCCCC"/>
           </a:solidFill>
           <a:ln cap="flat" cmpd="sng" w="19050">
             <a:solidFill>
@@ -7040,7 +7240,7 @@
             <a:avLst/>
           </a:prstGeom>
           <a:solidFill>
-            <a:schemeClr val="lt1"/>
+            <a:srgbClr val="CCCCCC"/>
           </a:solidFill>
           <a:ln cap="flat" cmpd="sng" w="19050">
             <a:solidFill>
@@ -7147,7 +7347,7 @@
             <a:avLst/>
           </a:prstGeom>
           <a:solidFill>
-            <a:schemeClr val="lt1"/>
+            <a:srgbClr val="CCCCCC"/>
           </a:solidFill>
           <a:ln cap="flat" cmpd="sng" w="19050">
             <a:solidFill>
@@ -7254,7 +7454,7 @@
             <a:avLst/>
           </a:prstGeom>
           <a:solidFill>
-            <a:schemeClr val="lt1"/>
+            <a:srgbClr val="CCCCCC"/>
           </a:solidFill>
           <a:ln cap="flat" cmpd="sng" w="19050">
             <a:solidFill>
@@ -7411,7 +7611,7 @@
             <a:avLst/>
           </a:prstGeom>
           <a:solidFill>
-            <a:schemeClr val="lt1"/>
+            <a:srgbClr val="CCCCCC"/>
           </a:solidFill>
           <a:ln cap="flat" cmpd="sng" w="19050">
             <a:solidFill>
@@ -7973,7 +8173,7 @@
             <a:avLst/>
           </a:prstGeom>
           <a:solidFill>
-            <a:schemeClr val="lt1"/>
+            <a:srgbClr val="CCCCCC"/>
           </a:solidFill>
           <a:ln cap="flat" cmpd="sng" w="19050">
             <a:solidFill>
@@ -8151,7 +8351,7 @@
             <a:avLst/>
           </a:prstGeom>
           <a:solidFill>
-            <a:schemeClr val="lt1"/>
+            <a:srgbClr val="CCCCCC"/>
           </a:solidFill>
           <a:ln cap="flat" cmpd="sng" w="19050">
             <a:solidFill>
@@ -8331,7 +8531,7 @@
             <a:avLst/>
           </a:prstGeom>
           <a:solidFill>
-            <a:schemeClr val="lt1"/>
+            <a:srgbClr val="CCCCCC"/>
           </a:solidFill>
           <a:ln cap="flat" cmpd="sng" w="19050">
             <a:solidFill>
@@ -8507,7 +8707,7 @@
             <a:avLst/>
           </a:prstGeom>
           <a:solidFill>
-            <a:schemeClr val="lt1"/>
+            <a:srgbClr val="CCCCCC"/>
           </a:solidFill>
           <a:ln cap="flat" cmpd="sng" w="19050">
             <a:solidFill>
@@ -8928,7 +9128,7 @@
             <a:avLst/>
           </a:prstGeom>
           <a:solidFill>
-            <a:schemeClr val="lt1"/>
+            <a:srgbClr val="CCCCCC"/>
           </a:solidFill>
           <a:ln cap="flat" cmpd="sng" w="19050">
             <a:solidFill>
@@ -9500,7 +9700,7 @@
             <a:avLst/>
           </a:prstGeom>
           <a:solidFill>
-            <a:schemeClr val="lt1"/>
+            <a:srgbClr val="CCCCCC"/>
           </a:solidFill>
           <a:ln cap="flat" cmpd="sng" w="19050">
             <a:solidFill>
@@ -9661,1717 +9861,18 @@
       <p:sp>
         <p:nvSpPr>
           <p:cNvPr id="150" name="Google Shape;150;p18"/>
-          <p:cNvSpPr txBox="1"/>
-          <p:nvPr/>
-        </p:nvSpPr>
-        <p:spPr>
-          <a:xfrm>
-            <a:off x="1371600" y="421733"/>
-            <a:ext cx="793800" cy="183900"/>
-          </a:xfrm>
-          <a:prstGeom prst="rect">
-            <a:avLst/>
-          </a:prstGeom>
-          <a:noFill/>
-          <a:ln>
-            <a:noFill/>
-          </a:ln>
-        </p:spPr>
-        <p:txBody>
-          <a:bodyPr anchorCtr="0" anchor="t" bIns="91425" lIns="91425" spcFirstLastPara="1" rIns="91425" wrap="square" tIns="91425">
-            <a:noAutofit/>
-          </a:bodyPr>
-          <a:lstStyle/>
-          <a:p>
-            <a:pPr indent="0" lvl="0" marL="0" rtl="0" algn="ctr">
-              <a:spcBef>
-                <a:spcPts val="0"/>
-              </a:spcBef>
-              <a:spcAft>
-                <a:spcPts val="0"/>
-              </a:spcAft>
-              <a:buNone/>
-            </a:pPr>
-            <a:r>
-              <a:rPr b="1" lang="en" sz="1200">
-                <a:solidFill>
-                  <a:schemeClr val="dk2"/>
-                </a:solidFill>
-              </a:rPr>
-              <a:t>Query</a:t>
-            </a:r>
-            <a:endParaRPr b="1" sz="1200">
-              <a:solidFill>
-                <a:schemeClr val="dk2"/>
-              </a:solidFill>
-            </a:endParaRPr>
-          </a:p>
-          <a:p>
-            <a:pPr indent="0" lvl="0" marL="0" rtl="0" algn="ctr">
-              <a:spcBef>
-                <a:spcPts val="0"/>
-              </a:spcBef>
-              <a:spcAft>
-                <a:spcPts val="0"/>
-              </a:spcAft>
-              <a:buNone/>
-            </a:pPr>
-            <a:r>
-              <a:t/>
-            </a:r>
-            <a:endParaRPr b="1">
-              <a:solidFill>
-                <a:schemeClr val="dk2"/>
-              </a:solidFill>
-            </a:endParaRPr>
-          </a:p>
-          <a:p>
-            <a:pPr indent="0" lvl="0" marL="0" rtl="0" algn="ctr">
-              <a:spcBef>
-                <a:spcPts val="0"/>
-              </a:spcBef>
-              <a:spcAft>
-                <a:spcPts val="0"/>
-              </a:spcAft>
-              <a:buNone/>
-            </a:pPr>
-            <a:r>
-              <a:rPr b="1" lang="en">
-                <a:solidFill>
-                  <a:schemeClr val="dk2"/>
-                </a:solidFill>
-              </a:rPr>
-              <a:t>W</a:t>
-            </a:r>
-            <a:r>
-              <a:rPr b="1" baseline="30000" lang="en">
-                <a:solidFill>
-                  <a:schemeClr val="dk2"/>
-                </a:solidFill>
-              </a:rPr>
-              <a:t>(q)</a:t>
-            </a:r>
-            <a:endParaRPr b="1" baseline="30000">
-              <a:solidFill>
-                <a:schemeClr val="dk2"/>
-              </a:solidFill>
-            </a:endParaRPr>
-          </a:p>
-          <a:p>
-            <a:pPr indent="0" lvl="0" marL="0" rtl="0" algn="ctr">
-              <a:spcBef>
-                <a:spcPts val="0"/>
-              </a:spcBef>
-              <a:spcAft>
-                <a:spcPts val="0"/>
-              </a:spcAft>
-              <a:buNone/>
-            </a:pPr>
-            <a:r>
-              <a:rPr b="1" baseline="30000" lang="en" sz="2400">
-                <a:solidFill>
-                  <a:schemeClr val="dk2"/>
-                </a:solidFill>
-              </a:rPr>
-              <a:t>rxd</a:t>
-            </a:r>
-            <a:endParaRPr b="1" baseline="30000" sz="2400">
-              <a:solidFill>
-                <a:schemeClr val="dk2"/>
-              </a:solidFill>
-            </a:endParaRPr>
-          </a:p>
-          <a:p>
-            <a:pPr indent="0" lvl="0" marL="0" rtl="0" algn="l">
-              <a:spcBef>
-                <a:spcPts val="0"/>
-              </a:spcBef>
-              <a:spcAft>
-                <a:spcPts val="0"/>
-              </a:spcAft>
-              <a:buNone/>
-            </a:pPr>
-            <a:r>
-              <a:t/>
-            </a:r>
-            <a:endParaRPr b="1">
-              <a:solidFill>
-                <a:schemeClr val="dk2"/>
-              </a:solidFill>
-            </a:endParaRPr>
-          </a:p>
-        </p:txBody>
-      </p:sp>
-      <p:sp>
-        <p:nvSpPr>
-          <p:cNvPr id="151" name="Google Shape;151;p18"/>
-          <p:cNvSpPr txBox="1"/>
-          <p:nvPr/>
-        </p:nvSpPr>
-        <p:spPr>
-          <a:xfrm>
-            <a:off x="203348" y="1941859"/>
-            <a:ext cx="514200" cy="1004700"/>
-          </a:xfrm>
-          <a:prstGeom prst="rect">
-            <a:avLst/>
-          </a:prstGeom>
-          <a:noFill/>
-          <a:ln>
-            <a:noFill/>
-          </a:ln>
-        </p:spPr>
-        <p:txBody>
-          <a:bodyPr anchorCtr="0" anchor="t" bIns="91425" lIns="91425" spcFirstLastPara="1" rIns="91425" wrap="square" tIns="91425">
-            <a:noAutofit/>
-          </a:bodyPr>
-          <a:lstStyle/>
-          <a:p>
-            <a:pPr indent="0" lvl="0" marL="0" rtl="0" algn="ctr">
-              <a:spcBef>
-                <a:spcPts val="0"/>
-              </a:spcBef>
-              <a:spcAft>
-                <a:spcPts val="0"/>
-              </a:spcAft>
-              <a:buNone/>
-            </a:pPr>
-            <a:r>
-              <a:rPr b="1" lang="en" sz="1600">
-                <a:solidFill>
-                  <a:schemeClr val="dk2"/>
-                </a:solidFill>
-                <a:highlight>
-                  <a:srgbClr val="C9DAF8"/>
-                </a:highlight>
-              </a:rPr>
-              <a:t>z</a:t>
-            </a:r>
-            <a:r>
-              <a:rPr b="1" lang="en" sz="1600">
-                <a:solidFill>
-                  <a:schemeClr val="dk2"/>
-                </a:solidFill>
-                <a:highlight>
-                  <a:srgbClr val="C9DAF8"/>
-                </a:highlight>
-              </a:rPr>
-              <a:t> </a:t>
-            </a:r>
-            <a:endParaRPr b="1" sz="1600">
-              <a:solidFill>
-                <a:schemeClr val="dk2"/>
-              </a:solidFill>
-              <a:highlight>
-                <a:srgbClr val="C9DAF8"/>
-              </a:highlight>
-            </a:endParaRPr>
-          </a:p>
-          <a:p>
-            <a:pPr indent="0" lvl="0" marL="0" rtl="0" algn="ctr">
-              <a:spcBef>
-                <a:spcPts val="0"/>
-              </a:spcBef>
-              <a:spcAft>
-                <a:spcPts val="0"/>
-              </a:spcAft>
-              <a:buNone/>
-            </a:pPr>
-            <a:r>
-              <a:rPr b="1" lang="en">
-                <a:solidFill>
-                  <a:schemeClr val="dk2"/>
-                </a:solidFill>
-                <a:highlight>
-                  <a:srgbClr val="00FF00"/>
-                </a:highlight>
-              </a:rPr>
-              <a:t> </a:t>
-            </a:r>
-            <a:endParaRPr b="1">
-              <a:solidFill>
-                <a:schemeClr val="dk2"/>
-              </a:solidFill>
-              <a:highlight>
-                <a:srgbClr val="00FF00"/>
-              </a:highlight>
-            </a:endParaRPr>
-          </a:p>
-        </p:txBody>
-      </p:sp>
-      <p:sp>
-        <p:nvSpPr>
-          <p:cNvPr id="152" name="Google Shape;152;p18"/>
-          <p:cNvSpPr txBox="1"/>
-          <p:nvPr/>
-        </p:nvSpPr>
-        <p:spPr>
-          <a:xfrm>
-            <a:off x="584468" y="164550"/>
-            <a:ext cx="511500" cy="494400"/>
-          </a:xfrm>
-          <a:prstGeom prst="rect">
-            <a:avLst/>
-          </a:prstGeom>
-          <a:noFill/>
-          <a:ln>
-            <a:noFill/>
-          </a:ln>
-        </p:spPr>
-        <p:txBody>
-          <a:bodyPr anchorCtr="0" anchor="t" bIns="91425" lIns="91425" spcFirstLastPara="1" rIns="91425" wrap="square" tIns="91425">
-            <a:noAutofit/>
-          </a:bodyPr>
-          <a:lstStyle/>
-          <a:p>
-            <a:pPr indent="0" lvl="0" marL="0" rtl="0" algn="ctr">
-              <a:spcBef>
-                <a:spcPts val="0"/>
-              </a:spcBef>
-              <a:spcAft>
-                <a:spcPts val="0"/>
-              </a:spcAft>
-              <a:buNone/>
-            </a:pPr>
-            <a:r>
-              <a:rPr b="1" lang="en" sz="1600">
-                <a:solidFill>
-                  <a:schemeClr val="dk2"/>
-                </a:solidFill>
-              </a:rPr>
-              <a:t>x</a:t>
-            </a:r>
-            <a:endParaRPr b="1" baseline="30000" sz="1600">
-              <a:solidFill>
-                <a:schemeClr val="dk2"/>
-              </a:solidFill>
-            </a:endParaRPr>
-          </a:p>
-        </p:txBody>
-      </p:sp>
-      <p:sp>
-        <p:nvSpPr>
-          <p:cNvPr id="153" name="Google Shape;153;p18"/>
-          <p:cNvSpPr txBox="1"/>
-          <p:nvPr/>
-        </p:nvSpPr>
-        <p:spPr>
-          <a:xfrm>
-            <a:off x="1613803" y="2216364"/>
-            <a:ext cx="596700" cy="183900"/>
-          </a:xfrm>
-          <a:prstGeom prst="rect">
-            <a:avLst/>
-          </a:prstGeom>
-          <a:noFill/>
-          <a:ln>
-            <a:noFill/>
-          </a:ln>
-        </p:spPr>
-        <p:txBody>
-          <a:bodyPr anchorCtr="0" anchor="t" bIns="91425" lIns="91425" spcFirstLastPara="1" rIns="91425" wrap="square" tIns="91425">
-            <a:noAutofit/>
-          </a:bodyPr>
-          <a:lstStyle/>
-          <a:p>
-            <a:pPr indent="0" lvl="0" marL="0" rtl="0" algn="ctr">
-              <a:spcBef>
-                <a:spcPts val="0"/>
-              </a:spcBef>
-              <a:spcAft>
-                <a:spcPts val="0"/>
-              </a:spcAft>
-              <a:buNone/>
-            </a:pPr>
-            <a:r>
-              <a:rPr b="1" lang="en" sz="1200">
-                <a:solidFill>
-                  <a:schemeClr val="dk2"/>
-                </a:solidFill>
-              </a:rPr>
-              <a:t>Key</a:t>
-            </a:r>
-            <a:endParaRPr b="1" sz="1200">
-              <a:solidFill>
-                <a:schemeClr val="dk2"/>
-              </a:solidFill>
-            </a:endParaRPr>
-          </a:p>
-          <a:p>
-            <a:pPr indent="0" lvl="0" marL="0" rtl="0" algn="ctr">
-              <a:spcBef>
-                <a:spcPts val="0"/>
-              </a:spcBef>
-              <a:spcAft>
-                <a:spcPts val="0"/>
-              </a:spcAft>
-              <a:buNone/>
-            </a:pPr>
-            <a:r>
-              <a:t/>
-            </a:r>
-            <a:endParaRPr b="1">
-              <a:solidFill>
-                <a:schemeClr val="dk2"/>
-              </a:solidFill>
-            </a:endParaRPr>
-          </a:p>
-          <a:p>
-            <a:pPr indent="0" lvl="0" marL="0" rtl="0" algn="ctr">
-              <a:spcBef>
-                <a:spcPts val="0"/>
-              </a:spcBef>
-              <a:spcAft>
-                <a:spcPts val="0"/>
-              </a:spcAft>
-              <a:buNone/>
-            </a:pPr>
-            <a:r>
-              <a:rPr b="1" lang="en">
-                <a:solidFill>
-                  <a:schemeClr val="dk2"/>
-                </a:solidFill>
-              </a:rPr>
-              <a:t>W</a:t>
-            </a:r>
-            <a:r>
-              <a:rPr b="1" baseline="30000" lang="en">
-                <a:solidFill>
-                  <a:schemeClr val="dk2"/>
-                </a:solidFill>
-              </a:rPr>
-              <a:t>(k)</a:t>
-            </a:r>
-            <a:endParaRPr b="1" baseline="30000">
-              <a:solidFill>
-                <a:schemeClr val="dk2"/>
-              </a:solidFill>
-            </a:endParaRPr>
-          </a:p>
-          <a:p>
-            <a:pPr indent="0" lvl="0" marL="0" rtl="0" algn="ctr">
-              <a:spcBef>
-                <a:spcPts val="0"/>
-              </a:spcBef>
-              <a:spcAft>
-                <a:spcPts val="0"/>
-              </a:spcAft>
-              <a:buNone/>
-            </a:pPr>
-            <a:r>
-              <a:rPr b="1" baseline="30000" lang="en" sz="2400">
-                <a:solidFill>
-                  <a:schemeClr val="dk2"/>
-                </a:solidFill>
-              </a:rPr>
-              <a:t>rxd</a:t>
-            </a:r>
-            <a:endParaRPr b="1" baseline="30000" sz="2400">
-              <a:solidFill>
-                <a:schemeClr val="dk2"/>
-              </a:solidFill>
-            </a:endParaRPr>
-          </a:p>
-          <a:p>
-            <a:pPr indent="0" lvl="0" marL="0" rtl="0" algn="l">
-              <a:spcBef>
-                <a:spcPts val="0"/>
-              </a:spcBef>
-              <a:spcAft>
-                <a:spcPts val="0"/>
-              </a:spcAft>
-              <a:buNone/>
-            </a:pPr>
-            <a:r>
-              <a:t/>
-            </a:r>
-            <a:endParaRPr b="1">
-              <a:solidFill>
-                <a:schemeClr val="dk2"/>
-              </a:solidFill>
-            </a:endParaRPr>
-          </a:p>
-        </p:txBody>
-      </p:sp>
-      <p:sp>
-        <p:nvSpPr>
-          <p:cNvPr id="154" name="Google Shape;154;p18"/>
           <p:cNvSpPr/>
           <p:nvPr/>
         </p:nvSpPr>
         <p:spPr>
           <a:xfrm>
-            <a:off x="453680" y="497342"/>
-            <a:ext cx="793800" cy="714600"/>
-          </a:xfrm>
-          <a:prstGeom prst="bracketPair">
-            <a:avLst/>
-          </a:prstGeom>
-          <a:solidFill>
-            <a:schemeClr val="lt1"/>
-          </a:solidFill>
-          <a:ln cap="flat" cmpd="sng" w="19050">
-            <a:solidFill>
-              <a:schemeClr val="dk1"/>
-            </a:solidFill>
-            <a:prstDash val="solid"/>
-            <a:round/>
-            <a:headEnd len="sm" w="sm" type="none"/>
-            <a:tailEnd len="sm" w="sm" type="none"/>
-          </a:ln>
-        </p:spPr>
-        <p:txBody>
-          <a:bodyPr anchorCtr="0" anchor="ctr" bIns="91425" lIns="91425" spcFirstLastPara="1" rIns="91425" wrap="square" tIns="91425">
-            <a:noAutofit/>
-          </a:bodyPr>
-          <a:lstStyle/>
-          <a:p>
-            <a:pPr indent="0" lvl="0" marL="0" rtl="0" algn="ctr">
-              <a:spcBef>
-                <a:spcPts val="0"/>
-              </a:spcBef>
-              <a:spcAft>
-                <a:spcPts val="0"/>
-              </a:spcAft>
-              <a:buNone/>
-            </a:pPr>
-            <a:r>
-              <a:t/>
-            </a:r>
-            <a:endParaRPr/>
-          </a:p>
-        </p:txBody>
-      </p:sp>
-      <p:sp>
-        <p:nvSpPr>
-          <p:cNvPr id="155" name="Google Shape;155;p18"/>
-          <p:cNvSpPr txBox="1"/>
-          <p:nvPr/>
-        </p:nvSpPr>
-        <p:spPr>
-          <a:xfrm>
-            <a:off x="285801" y="1124624"/>
-            <a:ext cx="1129500" cy="415500"/>
-          </a:xfrm>
-          <a:prstGeom prst="rect">
-            <a:avLst/>
-          </a:prstGeom>
-          <a:noFill/>
-          <a:ln>
-            <a:noFill/>
-          </a:ln>
-        </p:spPr>
-        <p:txBody>
-          <a:bodyPr anchorCtr="0" anchor="t" bIns="91425" lIns="91425" spcFirstLastPara="1" rIns="91425" wrap="square" tIns="91425">
-            <a:spAutoFit/>
-          </a:bodyPr>
-          <a:lstStyle/>
-          <a:p>
-            <a:pPr indent="0" lvl="0" marL="0" rtl="0" algn="ctr">
-              <a:spcBef>
-                <a:spcPts val="0"/>
-              </a:spcBef>
-              <a:spcAft>
-                <a:spcPts val="0"/>
-              </a:spcAft>
-              <a:buNone/>
-            </a:pPr>
-            <a:r>
-              <a:rPr b="1" lang="en" sz="1500">
-                <a:solidFill>
-                  <a:schemeClr val="dk2"/>
-                </a:solidFill>
-              </a:rPr>
-              <a:t>nxd</a:t>
-            </a:r>
-            <a:endParaRPr b="1" sz="1500"/>
-          </a:p>
-        </p:txBody>
-      </p:sp>
-      <p:cxnSp>
-        <p:nvCxnSpPr>
-          <p:cNvPr id="156" name="Google Shape;156;p18"/>
-          <p:cNvCxnSpPr/>
-          <p:nvPr/>
-        </p:nvCxnSpPr>
-        <p:spPr>
-          <a:xfrm>
-            <a:off x="1446292" y="855726"/>
-            <a:ext cx="653400" cy="0"/>
-          </a:xfrm>
-          <a:prstGeom prst="straightConnector1">
-            <a:avLst/>
-          </a:prstGeom>
-          <a:noFill/>
-          <a:ln cap="flat" cmpd="sng" w="19050">
-            <a:solidFill>
-              <a:schemeClr val="dk2"/>
-            </a:solidFill>
-            <a:prstDash val="solid"/>
-            <a:round/>
-            <a:headEnd len="med" w="med" type="none"/>
-            <a:tailEnd len="med" w="med" type="triangle"/>
-          </a:ln>
-        </p:spPr>
-      </p:cxnSp>
-      <p:sp>
-        <p:nvSpPr>
-          <p:cNvPr id="157" name="Google Shape;157;p18"/>
-          <p:cNvSpPr/>
-          <p:nvPr/>
-        </p:nvSpPr>
-        <p:spPr>
-          <a:xfrm>
-            <a:off x="2337375" y="625826"/>
-            <a:ext cx="793800" cy="627300"/>
-          </a:xfrm>
-          <a:prstGeom prst="bracketPair">
-            <a:avLst/>
-          </a:prstGeom>
-          <a:solidFill>
-            <a:schemeClr val="lt1"/>
-          </a:solidFill>
-          <a:ln cap="flat" cmpd="sng" w="19050">
-            <a:solidFill>
-              <a:schemeClr val="dk1"/>
-            </a:solidFill>
-            <a:prstDash val="solid"/>
-            <a:round/>
-            <a:headEnd len="sm" w="sm" type="none"/>
-            <a:tailEnd len="sm" w="sm" type="none"/>
-          </a:ln>
-        </p:spPr>
-        <p:txBody>
-          <a:bodyPr anchorCtr="0" anchor="ctr" bIns="91425" lIns="91425" spcFirstLastPara="1" rIns="91425" wrap="square" tIns="91425">
-            <a:noAutofit/>
-          </a:bodyPr>
-          <a:lstStyle/>
-          <a:p>
-            <a:pPr indent="0" lvl="0" marL="0" rtl="0" algn="ctr">
-              <a:spcBef>
-                <a:spcPts val="0"/>
-              </a:spcBef>
-              <a:spcAft>
-                <a:spcPts val="0"/>
-              </a:spcAft>
-              <a:buNone/>
-            </a:pPr>
-            <a:r>
-              <a:t/>
-            </a:r>
-            <a:endParaRPr/>
-          </a:p>
-        </p:txBody>
-      </p:sp>
-      <p:sp>
-        <p:nvSpPr>
-          <p:cNvPr id="158" name="Google Shape;158;p18"/>
-          <p:cNvSpPr txBox="1"/>
-          <p:nvPr/>
-        </p:nvSpPr>
-        <p:spPr>
-          <a:xfrm>
-            <a:off x="2333740" y="293041"/>
-            <a:ext cx="835800" cy="494400"/>
-          </a:xfrm>
-          <a:prstGeom prst="rect">
-            <a:avLst/>
-          </a:prstGeom>
-          <a:noFill/>
-          <a:ln>
-            <a:noFill/>
-          </a:ln>
-        </p:spPr>
-        <p:txBody>
-          <a:bodyPr anchorCtr="0" anchor="t" bIns="91425" lIns="91425" spcFirstLastPara="1" rIns="91425" wrap="square" tIns="91425">
-            <a:noAutofit/>
-          </a:bodyPr>
-          <a:lstStyle/>
-          <a:p>
-            <a:pPr indent="0" lvl="0" marL="0" rtl="0" algn="ctr">
-              <a:spcBef>
-                <a:spcPts val="0"/>
-              </a:spcBef>
-              <a:spcAft>
-                <a:spcPts val="0"/>
-              </a:spcAft>
-              <a:buNone/>
-            </a:pPr>
-            <a:r>
-              <a:rPr b="1" lang="en" sz="1600">
-                <a:solidFill>
-                  <a:schemeClr val="dk2"/>
-                </a:solidFill>
-              </a:rPr>
-              <a:t>xW</a:t>
-            </a:r>
-            <a:r>
-              <a:rPr b="1" baseline="30000" lang="en" sz="1600">
-                <a:solidFill>
-                  <a:schemeClr val="dk2"/>
-                </a:solidFill>
-              </a:rPr>
-              <a:t>(q)T</a:t>
-            </a:r>
-            <a:endParaRPr b="1" baseline="30000" sz="1600">
-              <a:solidFill>
-                <a:schemeClr val="dk2"/>
-              </a:solidFill>
-            </a:endParaRPr>
-          </a:p>
-        </p:txBody>
-      </p:sp>
-      <p:sp>
-        <p:nvSpPr>
-          <p:cNvPr id="159" name="Google Shape;159;p18"/>
-          <p:cNvSpPr txBox="1"/>
-          <p:nvPr/>
-        </p:nvSpPr>
-        <p:spPr>
-          <a:xfrm>
-            <a:off x="2169491" y="1176914"/>
-            <a:ext cx="1129500" cy="415500"/>
-          </a:xfrm>
-          <a:prstGeom prst="rect">
-            <a:avLst/>
-          </a:prstGeom>
-          <a:noFill/>
-          <a:ln>
-            <a:noFill/>
-          </a:ln>
-        </p:spPr>
-        <p:txBody>
-          <a:bodyPr anchorCtr="0" anchor="t" bIns="91425" lIns="91425" spcFirstLastPara="1" rIns="91425" wrap="square" tIns="91425">
-            <a:spAutoFit/>
-          </a:bodyPr>
-          <a:lstStyle/>
-          <a:p>
-            <a:pPr indent="0" lvl="0" marL="0" rtl="0" algn="ctr">
-              <a:spcBef>
-                <a:spcPts val="0"/>
-              </a:spcBef>
-              <a:spcAft>
-                <a:spcPts val="0"/>
-              </a:spcAft>
-              <a:buNone/>
-            </a:pPr>
-            <a:r>
-              <a:rPr b="1" lang="en" sz="1500">
-                <a:solidFill>
-                  <a:schemeClr val="dk2"/>
-                </a:solidFill>
-              </a:rPr>
-              <a:t>nxr</a:t>
-            </a:r>
-            <a:endParaRPr b="1" sz="1500"/>
-          </a:p>
-        </p:txBody>
-      </p:sp>
-      <p:cxnSp>
-        <p:nvCxnSpPr>
-          <p:cNvPr id="160" name="Google Shape;160;p18"/>
-          <p:cNvCxnSpPr/>
-          <p:nvPr/>
-        </p:nvCxnSpPr>
-        <p:spPr>
-          <a:xfrm flipH="1">
-            <a:off x="897188" y="2568922"/>
-            <a:ext cx="5400" cy="1872300"/>
-          </a:xfrm>
-          <a:prstGeom prst="straightConnector1">
-            <a:avLst/>
-          </a:prstGeom>
-          <a:noFill/>
-          <a:ln cap="flat" cmpd="sng" w="19050">
-            <a:solidFill>
-              <a:schemeClr val="dk2"/>
-            </a:solidFill>
-            <a:prstDash val="solid"/>
-            <a:round/>
-            <a:headEnd len="med" w="med" type="none"/>
-            <a:tailEnd len="med" w="med" type="none"/>
-          </a:ln>
-        </p:spPr>
-      </p:cxnSp>
-      <p:cxnSp>
-        <p:nvCxnSpPr>
-          <p:cNvPr id="161" name="Google Shape;161;p18"/>
-          <p:cNvCxnSpPr/>
-          <p:nvPr/>
-        </p:nvCxnSpPr>
-        <p:spPr>
-          <a:xfrm flipH="1" rot="10800000">
-            <a:off x="793005" y="2568887"/>
-            <a:ext cx="1903500" cy="13800"/>
-          </a:xfrm>
-          <a:prstGeom prst="straightConnector1">
-            <a:avLst/>
-          </a:prstGeom>
-          <a:noFill/>
-          <a:ln cap="flat" cmpd="sng" w="19050">
-            <a:solidFill>
-              <a:schemeClr val="dk2"/>
-            </a:solidFill>
-            <a:prstDash val="solid"/>
-            <a:round/>
-            <a:headEnd len="med" w="med" type="none"/>
-            <a:tailEnd len="med" w="med" type="triangle"/>
-          </a:ln>
-        </p:spPr>
-      </p:cxnSp>
-      <p:cxnSp>
-        <p:nvCxnSpPr>
-          <p:cNvPr id="162" name="Google Shape;162;p18"/>
-          <p:cNvCxnSpPr/>
-          <p:nvPr/>
-        </p:nvCxnSpPr>
-        <p:spPr>
-          <a:xfrm flipH="1" rot="10800000">
-            <a:off x="901593" y="4430636"/>
-            <a:ext cx="1799400" cy="21600"/>
-          </a:xfrm>
-          <a:prstGeom prst="straightConnector1">
-            <a:avLst/>
-          </a:prstGeom>
-          <a:noFill/>
-          <a:ln cap="flat" cmpd="sng" w="19050">
-            <a:solidFill>
-              <a:schemeClr val="dk2"/>
-            </a:solidFill>
-            <a:prstDash val="solid"/>
-            <a:round/>
-            <a:headEnd len="med" w="med" type="none"/>
-            <a:tailEnd len="med" w="med" type="triangle"/>
-          </a:ln>
-        </p:spPr>
-      </p:cxnSp>
-      <p:sp>
-        <p:nvSpPr>
-          <p:cNvPr id="163" name="Google Shape;163;p18"/>
-          <p:cNvSpPr/>
-          <p:nvPr/>
-        </p:nvSpPr>
-        <p:spPr>
-          <a:xfrm>
-            <a:off x="2850950" y="2390747"/>
-            <a:ext cx="793800" cy="415500"/>
-          </a:xfrm>
-          <a:prstGeom prst="bracketPair">
-            <a:avLst/>
-          </a:prstGeom>
-          <a:solidFill>
-            <a:schemeClr val="lt1"/>
-          </a:solidFill>
-          <a:ln cap="flat" cmpd="sng" w="19050">
-            <a:solidFill>
-              <a:schemeClr val="dk1"/>
-            </a:solidFill>
-            <a:prstDash val="solid"/>
-            <a:round/>
-            <a:headEnd len="sm" w="sm" type="none"/>
-            <a:tailEnd len="sm" w="sm" type="none"/>
-          </a:ln>
-        </p:spPr>
-        <p:txBody>
-          <a:bodyPr anchorCtr="0" anchor="ctr" bIns="91425" lIns="91425" spcFirstLastPara="1" rIns="91425" wrap="square" tIns="91425">
-            <a:noAutofit/>
-          </a:bodyPr>
-          <a:lstStyle/>
-          <a:p>
-            <a:pPr indent="0" lvl="0" marL="0" rtl="0" algn="ctr">
-              <a:spcBef>
-                <a:spcPts val="0"/>
-              </a:spcBef>
-              <a:spcAft>
-                <a:spcPts val="0"/>
-              </a:spcAft>
-              <a:buNone/>
-            </a:pPr>
-            <a:r>
-              <a:t/>
-            </a:r>
-            <a:endParaRPr/>
-          </a:p>
-        </p:txBody>
-      </p:sp>
-      <p:sp>
-        <p:nvSpPr>
-          <p:cNvPr id="164" name="Google Shape;164;p18"/>
-          <p:cNvSpPr txBox="1"/>
-          <p:nvPr/>
-        </p:nvSpPr>
-        <p:spPr>
-          <a:xfrm>
-            <a:off x="2818746" y="1905552"/>
-            <a:ext cx="973200" cy="494400"/>
-          </a:xfrm>
-          <a:prstGeom prst="rect">
-            <a:avLst/>
-          </a:prstGeom>
-          <a:noFill/>
-          <a:ln>
-            <a:noFill/>
-          </a:ln>
-        </p:spPr>
-        <p:txBody>
-          <a:bodyPr anchorCtr="0" anchor="t" bIns="91425" lIns="91425" spcFirstLastPara="1" rIns="91425" wrap="square" tIns="91425">
-            <a:noAutofit/>
-          </a:bodyPr>
-          <a:lstStyle/>
-          <a:p>
-            <a:pPr indent="0" lvl="0" marL="0" rtl="0" algn="ctr">
-              <a:spcBef>
-                <a:spcPts val="0"/>
-              </a:spcBef>
-              <a:spcAft>
-                <a:spcPts val="0"/>
-              </a:spcAft>
-              <a:buNone/>
-            </a:pPr>
-            <a:r>
-              <a:rPr b="1" lang="en" sz="1600">
-                <a:solidFill>
-                  <a:schemeClr val="dk2"/>
-                </a:solidFill>
-              </a:rPr>
-              <a:t>W</a:t>
-            </a:r>
-            <a:r>
-              <a:rPr b="1" baseline="30000" lang="en" sz="1600">
-                <a:solidFill>
-                  <a:schemeClr val="dk2"/>
-                </a:solidFill>
-              </a:rPr>
-              <a:t>(*)</a:t>
-            </a:r>
-            <a:r>
-              <a:rPr b="1" lang="en" sz="1600">
-                <a:solidFill>
-                  <a:schemeClr val="dk2"/>
-                </a:solidFill>
-              </a:rPr>
-              <a:t>x</a:t>
-            </a:r>
-            <a:r>
-              <a:rPr b="1" baseline="30000" lang="en" sz="1600">
-                <a:solidFill>
-                  <a:schemeClr val="dk2"/>
-                </a:solidFill>
-              </a:rPr>
-              <a:t>T</a:t>
-            </a:r>
-            <a:endParaRPr b="1" baseline="30000" sz="1600">
-              <a:solidFill>
-                <a:schemeClr val="dk2"/>
-              </a:solidFill>
-            </a:endParaRPr>
-          </a:p>
-        </p:txBody>
-      </p:sp>
-      <p:sp>
-        <p:nvSpPr>
-          <p:cNvPr id="165" name="Google Shape;165;p18"/>
-          <p:cNvSpPr txBox="1"/>
-          <p:nvPr/>
-        </p:nvSpPr>
-        <p:spPr>
-          <a:xfrm>
-            <a:off x="2759268" y="2865625"/>
-            <a:ext cx="1129500" cy="415500"/>
-          </a:xfrm>
-          <a:prstGeom prst="rect">
-            <a:avLst/>
-          </a:prstGeom>
-          <a:noFill/>
-          <a:ln>
-            <a:noFill/>
-          </a:ln>
-        </p:spPr>
-        <p:txBody>
-          <a:bodyPr anchorCtr="0" anchor="t" bIns="91425" lIns="91425" spcFirstLastPara="1" rIns="91425" wrap="square" tIns="91425">
-            <a:spAutoFit/>
-          </a:bodyPr>
-          <a:lstStyle/>
-          <a:p>
-            <a:pPr indent="0" lvl="0" marL="0" rtl="0" algn="ctr">
-              <a:spcBef>
-                <a:spcPts val="0"/>
-              </a:spcBef>
-              <a:spcAft>
-                <a:spcPts val="0"/>
-              </a:spcAft>
-              <a:buNone/>
-            </a:pPr>
-            <a:r>
-              <a:rPr b="1" lang="en" sz="1500">
-                <a:solidFill>
-                  <a:schemeClr val="dk2"/>
-                </a:solidFill>
-                <a:highlight>
-                  <a:srgbClr val="C9DAF8"/>
-                </a:highlight>
-              </a:rPr>
-              <a:t>rxm</a:t>
-            </a:r>
-            <a:endParaRPr b="1" sz="1500">
-              <a:highlight>
-                <a:srgbClr val="C9DAF8"/>
-              </a:highlight>
-            </a:endParaRPr>
-          </a:p>
-        </p:txBody>
-      </p:sp>
-      <p:sp>
-        <p:nvSpPr>
-          <p:cNvPr id="166" name="Google Shape;166;p18"/>
-          <p:cNvSpPr/>
-          <p:nvPr/>
-        </p:nvSpPr>
-        <p:spPr>
-          <a:xfrm>
-            <a:off x="2987727" y="3918153"/>
-            <a:ext cx="793800" cy="714600"/>
-          </a:xfrm>
-          <a:prstGeom prst="bracketPair">
-            <a:avLst/>
-          </a:prstGeom>
-          <a:solidFill>
-            <a:schemeClr val="lt1"/>
-          </a:solidFill>
-          <a:ln cap="flat" cmpd="sng" w="19050">
-            <a:solidFill>
-              <a:schemeClr val="dk1"/>
-            </a:solidFill>
-            <a:prstDash val="solid"/>
-            <a:round/>
-            <a:headEnd len="sm" w="sm" type="none"/>
-            <a:tailEnd len="sm" w="sm" type="none"/>
-          </a:ln>
-        </p:spPr>
-        <p:txBody>
-          <a:bodyPr anchorCtr="0" anchor="ctr" bIns="91425" lIns="91425" spcFirstLastPara="1" rIns="91425" wrap="square" tIns="91425">
-            <a:noAutofit/>
-          </a:bodyPr>
-          <a:lstStyle/>
-          <a:p>
-            <a:pPr indent="0" lvl="0" marL="0" rtl="0" algn="ctr">
-              <a:spcBef>
-                <a:spcPts val="0"/>
-              </a:spcBef>
-              <a:spcAft>
-                <a:spcPts val="0"/>
-              </a:spcAft>
-              <a:buNone/>
-            </a:pPr>
-            <a:r>
-              <a:t/>
-            </a:r>
-            <a:endParaRPr/>
-          </a:p>
-        </p:txBody>
-      </p:sp>
-      <p:sp>
-        <p:nvSpPr>
-          <p:cNvPr id="167" name="Google Shape;167;p18"/>
-          <p:cNvSpPr txBox="1"/>
-          <p:nvPr/>
-        </p:nvSpPr>
-        <p:spPr>
-          <a:xfrm>
-            <a:off x="2819848" y="4545434"/>
-            <a:ext cx="1129500" cy="415500"/>
-          </a:xfrm>
-          <a:prstGeom prst="rect">
-            <a:avLst/>
-          </a:prstGeom>
-          <a:noFill/>
-          <a:ln>
-            <a:noFill/>
-          </a:ln>
-        </p:spPr>
-        <p:txBody>
-          <a:bodyPr anchorCtr="0" anchor="t" bIns="91425" lIns="91425" spcFirstLastPara="1" rIns="91425" wrap="square" tIns="91425">
-            <a:spAutoFit/>
-          </a:bodyPr>
-          <a:lstStyle/>
-          <a:p>
-            <a:pPr indent="0" lvl="0" marL="0" rtl="0" algn="ctr">
-              <a:spcBef>
-                <a:spcPts val="0"/>
-              </a:spcBef>
-              <a:spcAft>
-                <a:spcPts val="0"/>
-              </a:spcAft>
-              <a:buNone/>
-            </a:pPr>
-            <a:r>
-              <a:rPr b="1" lang="en" sz="1500">
-                <a:solidFill>
-                  <a:schemeClr val="dk2"/>
-                </a:solidFill>
-                <a:highlight>
-                  <a:srgbClr val="C9DAF8"/>
-                </a:highlight>
-              </a:rPr>
-              <a:t>m</a:t>
-            </a:r>
-            <a:r>
-              <a:rPr b="1" lang="en" sz="1500">
-                <a:solidFill>
-                  <a:schemeClr val="dk2"/>
-                </a:solidFill>
-                <a:highlight>
-                  <a:srgbClr val="C9DAF8"/>
-                </a:highlight>
-              </a:rPr>
-              <a:t>xd</a:t>
-            </a:r>
-            <a:endParaRPr b="1" sz="1500">
-              <a:highlight>
-                <a:srgbClr val="C9DAF8"/>
-              </a:highlight>
-            </a:endParaRPr>
-          </a:p>
-        </p:txBody>
-      </p:sp>
-      <p:sp>
-        <p:nvSpPr>
-          <p:cNvPr id="168" name="Google Shape;168;p18"/>
-          <p:cNvSpPr txBox="1"/>
-          <p:nvPr/>
-        </p:nvSpPr>
-        <p:spPr>
-          <a:xfrm>
-            <a:off x="1644103" y="4054981"/>
-            <a:ext cx="793800" cy="183900"/>
-          </a:xfrm>
-          <a:prstGeom prst="rect">
-            <a:avLst/>
-          </a:prstGeom>
-          <a:noFill/>
-          <a:ln>
-            <a:noFill/>
-          </a:ln>
-        </p:spPr>
-        <p:txBody>
-          <a:bodyPr anchorCtr="0" anchor="t" bIns="91425" lIns="91425" spcFirstLastPara="1" rIns="91425" wrap="square" tIns="91425">
-            <a:noAutofit/>
-          </a:bodyPr>
-          <a:lstStyle/>
-          <a:p>
-            <a:pPr indent="0" lvl="0" marL="0" rtl="0" algn="ctr">
-              <a:spcBef>
-                <a:spcPts val="0"/>
-              </a:spcBef>
-              <a:spcAft>
-                <a:spcPts val="0"/>
-              </a:spcAft>
-              <a:buNone/>
-            </a:pPr>
-            <a:r>
-              <a:rPr b="1" lang="en" sz="1200">
-                <a:solidFill>
-                  <a:schemeClr val="dk2"/>
-                </a:solidFill>
-              </a:rPr>
-              <a:t>Value</a:t>
-            </a:r>
-            <a:endParaRPr b="1" sz="1200">
-              <a:solidFill>
-                <a:schemeClr val="dk2"/>
-              </a:solidFill>
-            </a:endParaRPr>
-          </a:p>
-          <a:p>
-            <a:pPr indent="0" lvl="0" marL="0" rtl="0" algn="ctr">
-              <a:spcBef>
-                <a:spcPts val="0"/>
-              </a:spcBef>
-              <a:spcAft>
-                <a:spcPts val="0"/>
-              </a:spcAft>
-              <a:buNone/>
-            </a:pPr>
-            <a:r>
-              <a:t/>
-            </a:r>
-            <a:endParaRPr>
-              <a:solidFill>
-                <a:schemeClr val="dk2"/>
-              </a:solidFill>
-            </a:endParaRPr>
-          </a:p>
-          <a:p>
-            <a:pPr indent="0" lvl="0" marL="0" rtl="0" algn="ctr">
-              <a:spcBef>
-                <a:spcPts val="0"/>
-              </a:spcBef>
-              <a:spcAft>
-                <a:spcPts val="0"/>
-              </a:spcAft>
-              <a:buNone/>
-            </a:pPr>
-            <a:r>
-              <a:rPr b="1" lang="en">
-                <a:solidFill>
-                  <a:schemeClr val="dk2"/>
-                </a:solidFill>
-              </a:rPr>
-              <a:t>W</a:t>
-            </a:r>
-            <a:r>
-              <a:rPr b="1" baseline="30000" lang="en">
-                <a:solidFill>
-                  <a:schemeClr val="dk2"/>
-                </a:solidFill>
-              </a:rPr>
-              <a:t>(v)</a:t>
-            </a:r>
-            <a:endParaRPr b="1" baseline="30000">
-              <a:solidFill>
-                <a:schemeClr val="dk2"/>
-              </a:solidFill>
-            </a:endParaRPr>
-          </a:p>
-          <a:p>
-            <a:pPr indent="0" lvl="0" marL="0" rtl="0" algn="l">
-              <a:spcBef>
-                <a:spcPts val="0"/>
-              </a:spcBef>
-              <a:spcAft>
-                <a:spcPts val="0"/>
-              </a:spcAft>
-              <a:buNone/>
-            </a:pPr>
-            <a:r>
-              <a:t/>
-            </a:r>
-            <a:endParaRPr>
-              <a:solidFill>
-                <a:schemeClr val="dk2"/>
-              </a:solidFill>
-            </a:endParaRPr>
-          </a:p>
-        </p:txBody>
-      </p:sp>
-      <p:cxnSp>
-        <p:nvCxnSpPr>
-          <p:cNvPr id="169" name="Google Shape;169;p18"/>
-          <p:cNvCxnSpPr/>
-          <p:nvPr/>
-        </p:nvCxnSpPr>
-        <p:spPr>
-          <a:xfrm flipH="1" rot="10800000">
-            <a:off x="3368864" y="842792"/>
-            <a:ext cx="1469400" cy="10800"/>
-          </a:xfrm>
-          <a:prstGeom prst="straightConnector1">
-            <a:avLst/>
-          </a:prstGeom>
-          <a:noFill/>
-          <a:ln cap="flat" cmpd="sng" w="19050">
-            <a:solidFill>
-              <a:schemeClr val="dk2"/>
-            </a:solidFill>
-            <a:prstDash val="solid"/>
-            <a:round/>
-            <a:headEnd len="med" w="med" type="none"/>
-            <a:tailEnd len="med" w="med" type="none"/>
-          </a:ln>
-        </p:spPr>
-      </p:cxnSp>
-      <p:cxnSp>
-        <p:nvCxnSpPr>
-          <p:cNvPr id="170" name="Google Shape;170;p18"/>
-          <p:cNvCxnSpPr/>
-          <p:nvPr/>
-        </p:nvCxnSpPr>
-        <p:spPr>
-          <a:xfrm flipH="1" rot="10800000">
-            <a:off x="3805508" y="2579841"/>
-            <a:ext cx="891900" cy="3900"/>
-          </a:xfrm>
-          <a:prstGeom prst="straightConnector1">
-            <a:avLst/>
-          </a:prstGeom>
-          <a:noFill/>
-          <a:ln cap="flat" cmpd="sng" w="19050">
-            <a:solidFill>
-              <a:schemeClr val="dk2"/>
-            </a:solidFill>
-            <a:prstDash val="solid"/>
-            <a:round/>
-            <a:headEnd len="med" w="med" type="none"/>
-            <a:tailEnd len="med" w="med" type="triangle"/>
-          </a:ln>
-        </p:spPr>
-      </p:cxnSp>
-      <p:cxnSp>
-        <p:nvCxnSpPr>
-          <p:cNvPr id="171" name="Google Shape;171;p18"/>
-          <p:cNvCxnSpPr>
-            <a:endCxn id="172" idx="0"/>
-          </p:cNvCxnSpPr>
-          <p:nvPr/>
-        </p:nvCxnSpPr>
-        <p:spPr>
-          <a:xfrm flipH="1">
-            <a:off x="4828969" y="834187"/>
-            <a:ext cx="1500" cy="1518300"/>
-          </a:xfrm>
-          <a:prstGeom prst="straightConnector1">
-            <a:avLst/>
-          </a:prstGeom>
-          <a:noFill/>
-          <a:ln cap="flat" cmpd="sng" w="19050">
-            <a:solidFill>
-              <a:schemeClr val="dk2"/>
-            </a:solidFill>
-            <a:prstDash val="solid"/>
-            <a:round/>
-            <a:headEnd len="med" w="med" type="none"/>
-            <a:tailEnd len="med" w="med" type="triangle"/>
-          </a:ln>
-        </p:spPr>
-      </p:cxnSp>
-      <p:cxnSp>
-        <p:nvCxnSpPr>
-          <p:cNvPr id="173" name="Google Shape;173;p18"/>
-          <p:cNvCxnSpPr/>
-          <p:nvPr/>
-        </p:nvCxnSpPr>
-        <p:spPr>
-          <a:xfrm flipH="1" rot="10800000">
-            <a:off x="5026514" y="2586560"/>
-            <a:ext cx="806400" cy="2400"/>
-          </a:xfrm>
-          <a:prstGeom prst="straightConnector1">
-            <a:avLst/>
-          </a:prstGeom>
-          <a:noFill/>
-          <a:ln cap="flat" cmpd="sng" w="19050">
-            <a:solidFill>
-              <a:schemeClr val="dk2"/>
-            </a:solidFill>
-            <a:prstDash val="solid"/>
-            <a:round/>
-            <a:headEnd len="med" w="med" type="none"/>
-            <a:tailEnd len="med" w="med" type="triangle"/>
-          </a:ln>
-        </p:spPr>
-      </p:cxnSp>
-      <p:sp>
-        <p:nvSpPr>
-          <p:cNvPr id="174" name="Google Shape;174;p18"/>
-          <p:cNvSpPr txBox="1"/>
-          <p:nvPr/>
-        </p:nvSpPr>
-        <p:spPr>
-          <a:xfrm>
-            <a:off x="6065375" y="2885961"/>
-            <a:ext cx="1129500" cy="415500"/>
-          </a:xfrm>
-          <a:prstGeom prst="rect">
-            <a:avLst/>
-          </a:prstGeom>
-          <a:noFill/>
-          <a:ln>
-            <a:noFill/>
-          </a:ln>
-        </p:spPr>
-        <p:txBody>
-          <a:bodyPr anchorCtr="0" anchor="t" bIns="91425" lIns="91425" spcFirstLastPara="1" rIns="91425" wrap="square" tIns="91425">
-            <a:spAutoFit/>
-          </a:bodyPr>
-          <a:lstStyle/>
-          <a:p>
-            <a:pPr indent="0" lvl="0" marL="0" rtl="0" algn="ctr">
-              <a:spcBef>
-                <a:spcPts val="0"/>
-              </a:spcBef>
-              <a:spcAft>
-                <a:spcPts val="0"/>
-              </a:spcAft>
-              <a:buNone/>
-            </a:pPr>
-            <a:r>
-              <a:rPr b="1" lang="en" sz="1500">
-                <a:solidFill>
-                  <a:schemeClr val="dk2"/>
-                </a:solidFill>
-                <a:highlight>
-                  <a:srgbClr val="C9DAF8"/>
-                </a:highlight>
-              </a:rPr>
-              <a:t>nxm</a:t>
-            </a:r>
-            <a:endParaRPr b="1" sz="1500">
-              <a:highlight>
-                <a:srgbClr val="C9DAF8"/>
-              </a:highlight>
-            </a:endParaRPr>
-          </a:p>
-        </p:txBody>
-      </p:sp>
-      <p:cxnSp>
-        <p:nvCxnSpPr>
-          <p:cNvPr id="175" name="Google Shape;175;p18"/>
-          <p:cNvCxnSpPr/>
-          <p:nvPr/>
-        </p:nvCxnSpPr>
-        <p:spPr>
-          <a:xfrm flipH="1" rot="10800000">
-            <a:off x="4006917" y="4397390"/>
-            <a:ext cx="2349600" cy="2400"/>
-          </a:xfrm>
-          <a:prstGeom prst="straightConnector1">
-            <a:avLst/>
-          </a:prstGeom>
-          <a:noFill/>
-          <a:ln cap="flat" cmpd="sng" w="19050">
-            <a:solidFill>
-              <a:schemeClr val="dk2"/>
-            </a:solidFill>
-            <a:prstDash val="solid"/>
-            <a:round/>
-            <a:headEnd len="med" w="med" type="none"/>
-            <a:tailEnd len="med" w="med" type="triangle"/>
-          </a:ln>
-        </p:spPr>
-      </p:cxnSp>
-      <p:cxnSp>
-        <p:nvCxnSpPr>
-          <p:cNvPr id="176" name="Google Shape;176;p18"/>
-          <p:cNvCxnSpPr/>
-          <p:nvPr/>
-        </p:nvCxnSpPr>
-        <p:spPr>
-          <a:xfrm>
-            <a:off x="6602372" y="3248405"/>
-            <a:ext cx="0" cy="1004700"/>
-          </a:xfrm>
-          <a:prstGeom prst="straightConnector1">
-            <a:avLst/>
-          </a:prstGeom>
-          <a:noFill/>
-          <a:ln cap="flat" cmpd="sng" w="19050">
-            <a:solidFill>
-              <a:schemeClr val="dk2"/>
-            </a:solidFill>
-            <a:prstDash val="solid"/>
-            <a:round/>
-            <a:headEnd len="med" w="med" type="none"/>
-            <a:tailEnd len="med" w="med" type="triangle"/>
-          </a:ln>
-        </p:spPr>
-      </p:cxnSp>
-      <p:cxnSp>
-        <p:nvCxnSpPr>
-          <p:cNvPr id="177" name="Google Shape;177;p18"/>
-          <p:cNvCxnSpPr/>
-          <p:nvPr/>
-        </p:nvCxnSpPr>
-        <p:spPr>
-          <a:xfrm flipH="1" rot="10800000">
-            <a:off x="6934200" y="4385931"/>
-            <a:ext cx="945000" cy="12600"/>
-          </a:xfrm>
-          <a:prstGeom prst="straightConnector1">
-            <a:avLst/>
-          </a:prstGeom>
-          <a:noFill/>
-          <a:ln cap="flat" cmpd="sng" w="19050">
-            <a:solidFill>
-              <a:schemeClr val="dk2"/>
-            </a:solidFill>
-            <a:prstDash val="solid"/>
-            <a:round/>
-            <a:headEnd len="med" w="med" type="none"/>
-            <a:tailEnd len="med" w="med" type="triangle"/>
-          </a:ln>
-        </p:spPr>
-      </p:cxnSp>
-      <p:sp>
-        <p:nvSpPr>
-          <p:cNvPr id="178" name="Google Shape;178;p18"/>
-          <p:cNvSpPr/>
-          <p:nvPr/>
-        </p:nvSpPr>
-        <p:spPr>
-          <a:xfrm>
-            <a:off x="8081424" y="3956176"/>
-            <a:ext cx="793800" cy="714600"/>
-          </a:xfrm>
-          <a:prstGeom prst="bracketPair">
-            <a:avLst/>
-          </a:prstGeom>
-          <a:solidFill>
-            <a:schemeClr val="lt1"/>
-          </a:solidFill>
-          <a:ln cap="flat" cmpd="sng" w="19050">
-            <a:solidFill>
-              <a:schemeClr val="dk1"/>
-            </a:solidFill>
-            <a:prstDash val="solid"/>
-            <a:round/>
-            <a:headEnd len="sm" w="sm" type="none"/>
-            <a:tailEnd len="sm" w="sm" type="none"/>
-          </a:ln>
-        </p:spPr>
-        <p:txBody>
-          <a:bodyPr anchorCtr="0" anchor="ctr" bIns="91425" lIns="91425" spcFirstLastPara="1" rIns="91425" wrap="square" tIns="91425">
-            <a:noAutofit/>
-          </a:bodyPr>
-          <a:lstStyle/>
-          <a:p>
-            <a:pPr indent="0" lvl="0" marL="0" rtl="0" algn="ctr">
-              <a:spcBef>
-                <a:spcPts val="0"/>
-              </a:spcBef>
-              <a:spcAft>
-                <a:spcPts val="0"/>
-              </a:spcAft>
-              <a:buNone/>
-            </a:pPr>
-            <a:r>
-              <a:t/>
-            </a:r>
-            <a:endParaRPr b="1"/>
-          </a:p>
-        </p:txBody>
-      </p:sp>
-      <p:sp>
-        <p:nvSpPr>
-          <p:cNvPr id="179" name="Google Shape;179;p18"/>
-          <p:cNvSpPr txBox="1"/>
-          <p:nvPr/>
-        </p:nvSpPr>
-        <p:spPr>
-          <a:xfrm>
-            <a:off x="7913545" y="4583457"/>
-            <a:ext cx="1129500" cy="415500"/>
-          </a:xfrm>
-          <a:prstGeom prst="rect">
-            <a:avLst/>
-          </a:prstGeom>
-          <a:noFill/>
-          <a:ln>
-            <a:noFill/>
-          </a:ln>
-        </p:spPr>
-        <p:txBody>
-          <a:bodyPr anchorCtr="0" anchor="t" bIns="91425" lIns="91425" spcFirstLastPara="1" rIns="91425" wrap="square" tIns="91425">
-            <a:spAutoFit/>
-          </a:bodyPr>
-          <a:lstStyle/>
-          <a:p>
-            <a:pPr indent="0" lvl="0" marL="0" rtl="0" algn="ctr">
-              <a:spcBef>
-                <a:spcPts val="0"/>
-              </a:spcBef>
-              <a:spcAft>
-                <a:spcPts val="0"/>
-              </a:spcAft>
-              <a:buNone/>
-            </a:pPr>
-            <a:r>
-              <a:rPr b="1" lang="en" sz="1500">
-                <a:solidFill>
-                  <a:schemeClr val="dk2"/>
-                </a:solidFill>
-                <a:highlight>
-                  <a:srgbClr val="C9DAF8"/>
-                </a:highlight>
-              </a:rPr>
-              <a:t>nxd</a:t>
-            </a:r>
-            <a:endParaRPr b="1" sz="1500">
-              <a:highlight>
-                <a:srgbClr val="C9DAF8"/>
-              </a:highlight>
-            </a:endParaRPr>
-          </a:p>
-        </p:txBody>
-      </p:sp>
-      <p:sp>
-        <p:nvSpPr>
-          <p:cNvPr id="180" name="Google Shape;180;p18"/>
-          <p:cNvSpPr/>
-          <p:nvPr/>
-        </p:nvSpPr>
-        <p:spPr>
-          <a:xfrm>
-            <a:off x="260618" y="2274654"/>
-            <a:ext cx="419400" cy="714600"/>
-          </a:xfrm>
-          <a:prstGeom prst="bracketPair">
-            <a:avLst/>
-          </a:prstGeom>
-          <a:solidFill>
-            <a:schemeClr val="lt1"/>
-          </a:solidFill>
-          <a:ln cap="flat" cmpd="sng" w="19050">
-            <a:solidFill>
-              <a:schemeClr val="dk1"/>
-            </a:solidFill>
-            <a:prstDash val="solid"/>
-            <a:round/>
-            <a:headEnd len="sm" w="sm" type="none"/>
-            <a:tailEnd len="sm" w="sm" type="none"/>
-          </a:ln>
-        </p:spPr>
-        <p:txBody>
-          <a:bodyPr anchorCtr="0" anchor="ctr" bIns="91425" lIns="91425" spcFirstLastPara="1" rIns="91425" wrap="square" tIns="91425">
-            <a:noAutofit/>
-          </a:bodyPr>
-          <a:lstStyle/>
-          <a:p>
-            <a:pPr indent="0" lvl="0" marL="0" rtl="0" algn="ctr">
-              <a:spcBef>
-                <a:spcPts val="0"/>
-              </a:spcBef>
-              <a:spcAft>
-                <a:spcPts val="0"/>
-              </a:spcAft>
-              <a:buNone/>
-            </a:pPr>
-            <a:r>
-              <a:t/>
-            </a:r>
-            <a:endParaRPr/>
-          </a:p>
-        </p:txBody>
-      </p:sp>
-      <p:sp>
-        <p:nvSpPr>
-          <p:cNvPr id="181" name="Google Shape;181;p18"/>
-          <p:cNvSpPr txBox="1"/>
-          <p:nvPr/>
-        </p:nvSpPr>
-        <p:spPr>
-          <a:xfrm>
-            <a:off x="171925" y="2901942"/>
-            <a:ext cx="596700" cy="415500"/>
-          </a:xfrm>
-          <a:prstGeom prst="rect">
-            <a:avLst/>
-          </a:prstGeom>
-          <a:noFill/>
-          <a:ln>
-            <a:noFill/>
-          </a:ln>
-        </p:spPr>
-        <p:txBody>
-          <a:bodyPr anchorCtr="0" anchor="t" bIns="91425" lIns="91425" spcFirstLastPara="1" rIns="91425" wrap="square" tIns="91425">
-            <a:spAutoFit/>
-          </a:bodyPr>
-          <a:lstStyle/>
-          <a:p>
-            <a:pPr indent="0" lvl="0" marL="0" rtl="0" algn="ctr">
-              <a:spcBef>
-                <a:spcPts val="0"/>
-              </a:spcBef>
-              <a:spcAft>
-                <a:spcPts val="0"/>
-              </a:spcAft>
-              <a:buNone/>
-            </a:pPr>
-            <a:r>
-              <a:rPr b="1" lang="en" sz="1500">
-                <a:solidFill>
-                  <a:schemeClr val="dk2"/>
-                </a:solidFill>
-              </a:rPr>
-              <a:t>mxd</a:t>
-            </a:r>
-            <a:endParaRPr b="1" sz="1500"/>
-          </a:p>
-        </p:txBody>
-      </p:sp>
-      <p:sp>
-        <p:nvSpPr>
-          <p:cNvPr id="182" name="Google Shape;182;p18"/>
-          <p:cNvSpPr txBox="1"/>
-          <p:nvPr/>
-        </p:nvSpPr>
-        <p:spPr>
-          <a:xfrm>
-            <a:off x="2938566" y="3590906"/>
-            <a:ext cx="891900" cy="316800"/>
-          </a:xfrm>
-          <a:prstGeom prst="rect">
-            <a:avLst/>
-          </a:prstGeom>
-          <a:noFill/>
-          <a:ln>
-            <a:noFill/>
-          </a:ln>
-        </p:spPr>
-        <p:txBody>
-          <a:bodyPr anchorCtr="0" anchor="t" bIns="91425" lIns="91425" spcFirstLastPara="1" rIns="91425" wrap="square" tIns="91425">
-            <a:noAutofit/>
-          </a:bodyPr>
-          <a:lstStyle/>
-          <a:p>
-            <a:pPr indent="0" lvl="0" marL="0" rtl="0" algn="ctr">
-              <a:spcBef>
-                <a:spcPts val="0"/>
-              </a:spcBef>
-              <a:spcAft>
-                <a:spcPts val="0"/>
-              </a:spcAft>
-              <a:buClr>
-                <a:schemeClr val="dk1"/>
-              </a:buClr>
-              <a:buSzPts val="1100"/>
-              <a:buFont typeface="Arial"/>
-              <a:buNone/>
-            </a:pPr>
-            <a:r>
-              <a:rPr b="1" lang="en" sz="1600">
-                <a:solidFill>
-                  <a:schemeClr val="dk2"/>
-                </a:solidFill>
-              </a:rPr>
-              <a:t>z</a:t>
-            </a:r>
-            <a:r>
-              <a:rPr b="1" lang="en" sz="1600">
-                <a:solidFill>
-                  <a:schemeClr val="dk2"/>
-                </a:solidFill>
-              </a:rPr>
-              <a:t>W</a:t>
-            </a:r>
-            <a:r>
-              <a:rPr b="1" baseline="30000" lang="en" sz="1600">
-                <a:solidFill>
-                  <a:schemeClr val="dk2"/>
-                </a:solidFill>
-              </a:rPr>
-              <a:t>(*)</a:t>
-            </a:r>
-            <a:endParaRPr b="1" sz="1600">
-              <a:solidFill>
-                <a:schemeClr val="dk2"/>
-              </a:solidFill>
-            </a:endParaRPr>
-          </a:p>
-        </p:txBody>
-      </p:sp>
-      <p:sp>
-        <p:nvSpPr>
-          <p:cNvPr id="183" name="Google Shape;183;p18"/>
-          <p:cNvSpPr/>
-          <p:nvPr/>
-        </p:nvSpPr>
-        <p:spPr>
-          <a:xfrm>
-            <a:off x="4748517" y="2479661"/>
-            <a:ext cx="198900" cy="196500"/>
-          </a:xfrm>
-          <a:prstGeom prst="ellipse">
-            <a:avLst/>
+            <a:off x="1162500" y="690925"/>
+            <a:ext cx="625200" cy="614100"/>
+          </a:xfrm>
+          <a:prstGeom prst="cube">
+            <a:avLst>
+              <a:gd fmla="val 25000" name="adj"/>
+            </a:avLst>
           </a:prstGeom>
           <a:solidFill>
             <a:schemeClr val="lt2"/>
@@ -11410,67 +9911,19 @@
       </p:sp>
       <p:sp>
         <p:nvSpPr>
-          <p:cNvPr id="184" name="Google Shape;184;p18"/>
-          <p:cNvSpPr txBox="1"/>
-          <p:nvPr/>
-        </p:nvSpPr>
-        <p:spPr>
-          <a:xfrm>
-            <a:off x="4724400" y="2373900"/>
-            <a:ext cx="198900" cy="369300"/>
-          </a:xfrm>
-          <a:prstGeom prst="rect">
-            <a:avLst/>
-          </a:prstGeom>
-          <a:noFill/>
-          <a:ln>
-            <a:noFill/>
-          </a:ln>
-        </p:spPr>
-        <p:txBody>
-          <a:bodyPr anchorCtr="0" anchor="t" bIns="91425" lIns="91425" spcFirstLastPara="1" rIns="91425" wrap="square" tIns="91425">
-            <a:spAutoFit/>
-          </a:bodyPr>
-          <a:lstStyle/>
-          <a:p>
-            <a:pPr indent="0" lvl="0" marL="0" rtl="0" algn="l">
-              <a:spcBef>
-                <a:spcPts val="0"/>
-              </a:spcBef>
-              <a:spcAft>
-                <a:spcPts val="0"/>
-              </a:spcAft>
-              <a:buNone/>
-            </a:pPr>
-            <a:r>
-              <a:rPr b="1" lang="en" sz="1200">
-                <a:solidFill>
-                  <a:schemeClr val="dk2"/>
-                </a:solidFill>
-              </a:rPr>
-              <a:t>x</a:t>
-            </a:r>
-            <a:endParaRPr b="1" sz="1200">
-              <a:solidFill>
-                <a:schemeClr val="dk2"/>
-              </a:solidFill>
-            </a:endParaRPr>
-          </a:p>
-        </p:txBody>
-      </p:sp>
-      <p:sp>
-        <p:nvSpPr>
-          <p:cNvPr id="185" name="Google Shape;185;p18"/>
+          <p:cNvPr id="151" name="Google Shape;151;p18"/>
           <p:cNvSpPr/>
           <p:nvPr/>
         </p:nvSpPr>
         <p:spPr>
           <a:xfrm>
-            <a:off x="6506700" y="4296761"/>
-            <a:ext cx="198900" cy="196500"/>
-          </a:xfrm>
-          <a:prstGeom prst="ellipse">
-            <a:avLst/>
+            <a:off x="1314900" y="843325"/>
+            <a:ext cx="625200" cy="614100"/>
+          </a:xfrm>
+          <a:prstGeom prst="cube">
+            <a:avLst>
+              <a:gd fmla="val 25000" name="adj"/>
+            </a:avLst>
           </a:prstGeom>
           <a:solidFill>
             <a:schemeClr val="lt2"/>
@@ -11507,16 +9960,41 @@
           </a:p>
         </p:txBody>
       </p:sp>
-      <p:sp>
-        <p:nvSpPr>
-          <p:cNvPr id="186" name="Google Shape;186;p18"/>
+    </p:spTree>
+  </p:cSld>
+  <p:clrMapOvr>
+    <a:masterClrMapping/>
+  </p:clrMapOvr>
+</p:sld>
+</file>
+
+<file path=ppt/slides/slide7.xml><?xml version="1.0" encoding="utf-8"?>
+<p:sld xmlns:a="http://schemas.openxmlformats.org/drawingml/2006/main" xmlns:r="http://schemas.openxmlformats.org/officeDocument/2006/relationships" xmlns:mc="http://schemas.openxmlformats.org/markup-compatibility/2006" xmlns:mv="urn:schemas-microsoft-com:mac:vml" xmlns:p="http://schemas.openxmlformats.org/presentationml/2006/main" xmlns:c="http://schemas.openxmlformats.org/drawingml/2006/chart" xmlns:dgm="http://schemas.openxmlformats.org/drawingml/2006/diagram" xmlns:o="urn:schemas-microsoft-com:office:office" xmlns:v="urn:schemas-microsoft-com:vml" xmlns:pvml="urn:schemas-microsoft-com:office:powerpoint" xmlns:com="http://schemas.openxmlformats.org/drawingml/2006/compatibility" xmlns:p14="http://schemas.microsoft.com/office/powerpoint/2010/main" xmlns:p15="http://schemas.microsoft.com/office/powerpoint/2012/main" xmlns:ahyp="http://schemas.microsoft.com/office/drawing/2018/hyperlinkcolor">
+  <p:cSld>
+    <p:spTree>
+      <p:nvGrpSpPr>
+        <p:cNvPr id="155" name="Shape 155"/>
+        <p:cNvGrpSpPr/>
+        <p:nvPr/>
+      </p:nvGrpSpPr>
+      <p:grpSpPr>
+        <a:xfrm>
+          <a:off x="0" y="0"/>
+          <a:ext cx="0" cy="0"/>
+          <a:chOff x="0" y="0"/>
+          <a:chExt cx="0" cy="0"/>
+        </a:xfrm>
+      </p:grpSpPr>
+      <p:sp>
+        <p:nvSpPr>
+          <p:cNvPr id="156" name="Google Shape;156;p19"/>
           <p:cNvSpPr txBox="1"/>
           <p:nvPr/>
         </p:nvSpPr>
         <p:spPr>
           <a:xfrm>
-            <a:off x="6482583" y="4191000"/>
-            <a:ext cx="198900" cy="369300"/>
+            <a:off x="1371600" y="421733"/>
+            <a:ext cx="793800" cy="183900"/>
           </a:xfrm>
           <a:prstGeom prst="rect">
             <a:avLst/>
@@ -11528,11 +10006,11 @@
         </p:spPr>
         <p:txBody>
           <a:bodyPr anchorCtr="0" anchor="t" bIns="91425" lIns="91425" spcFirstLastPara="1" rIns="91425" wrap="square" tIns="91425">
-            <a:spAutoFit/>
+            <a:noAutofit/>
           </a:bodyPr>
           <a:lstStyle/>
           <a:p>
-            <a:pPr indent="0" lvl="0" marL="0" rtl="0" algn="l">
+            <a:pPr indent="0" lvl="0" marL="0" rtl="0" algn="ctr">
               <a:spcBef>
                 <a:spcPts val="0"/>
               </a:spcBef>
@@ -11547,7 +10025,7 @@
                   <a:schemeClr val="dk2"/>
                 </a:solidFill>
               </a:rPr>
-              <a:t>x</a:t>
+              <a:t>Query</a:t>
             </a:r>
             <a:endParaRPr b="1" sz="1200">
               <a:solidFill>
@@ -11555,24 +10033,409 @@
               </a:solidFill>
             </a:endParaRPr>
           </a:p>
-        </p:txBody>
-      </p:sp>
-      <p:sp>
-        <p:nvSpPr>
-          <p:cNvPr id="187" name="Google Shape;187;p18"/>
+          <a:p>
+            <a:pPr indent="0" lvl="0" marL="0" rtl="0" algn="ctr">
+              <a:spcBef>
+                <a:spcPts val="0"/>
+              </a:spcBef>
+              <a:spcAft>
+                <a:spcPts val="0"/>
+              </a:spcAft>
+              <a:buNone/>
+            </a:pPr>
+            <a:r>
+              <a:t/>
+            </a:r>
+            <a:endParaRPr b="1">
+              <a:solidFill>
+                <a:schemeClr val="dk2"/>
+              </a:solidFill>
+            </a:endParaRPr>
+          </a:p>
+          <a:p>
+            <a:pPr indent="0" lvl="0" marL="0" rtl="0" algn="ctr">
+              <a:spcBef>
+                <a:spcPts val="0"/>
+              </a:spcBef>
+              <a:spcAft>
+                <a:spcPts val="0"/>
+              </a:spcAft>
+              <a:buNone/>
+            </a:pPr>
+            <a:r>
+              <a:rPr b="1" lang="en">
+                <a:solidFill>
+                  <a:schemeClr val="dk2"/>
+                </a:solidFill>
+              </a:rPr>
+              <a:t>W</a:t>
+            </a:r>
+            <a:r>
+              <a:rPr b="1" baseline="30000" lang="en">
+                <a:solidFill>
+                  <a:schemeClr val="dk2"/>
+                </a:solidFill>
+              </a:rPr>
+              <a:t>(q)</a:t>
+            </a:r>
+            <a:endParaRPr b="1" baseline="30000">
+              <a:solidFill>
+                <a:schemeClr val="dk2"/>
+              </a:solidFill>
+            </a:endParaRPr>
+          </a:p>
+          <a:p>
+            <a:pPr indent="0" lvl="0" marL="0" rtl="0" algn="ctr">
+              <a:spcBef>
+                <a:spcPts val="0"/>
+              </a:spcBef>
+              <a:spcAft>
+                <a:spcPts val="0"/>
+              </a:spcAft>
+              <a:buNone/>
+            </a:pPr>
+            <a:r>
+              <a:rPr b="1" baseline="30000" lang="en" sz="2400">
+                <a:solidFill>
+                  <a:schemeClr val="dk2"/>
+                </a:solidFill>
+              </a:rPr>
+              <a:t>rxd</a:t>
+            </a:r>
+            <a:endParaRPr b="1" baseline="30000" sz="2400">
+              <a:solidFill>
+                <a:schemeClr val="dk2"/>
+              </a:solidFill>
+            </a:endParaRPr>
+          </a:p>
+          <a:p>
+            <a:pPr indent="0" lvl="0" marL="0" rtl="0" algn="l">
+              <a:spcBef>
+                <a:spcPts val="0"/>
+              </a:spcBef>
+              <a:spcAft>
+                <a:spcPts val="0"/>
+              </a:spcAft>
+              <a:buNone/>
+            </a:pPr>
+            <a:r>
+              <a:t/>
+            </a:r>
+            <a:endParaRPr b="1">
+              <a:solidFill>
+                <a:schemeClr val="dk2"/>
+              </a:solidFill>
+            </a:endParaRPr>
+          </a:p>
+        </p:txBody>
+      </p:sp>
+      <p:sp>
+        <p:nvSpPr>
+          <p:cNvPr id="157" name="Google Shape;157;p19"/>
+          <p:cNvSpPr txBox="1"/>
+          <p:nvPr/>
+        </p:nvSpPr>
+        <p:spPr>
+          <a:xfrm>
+            <a:off x="203348" y="1941859"/>
+            <a:ext cx="514200" cy="1004700"/>
+          </a:xfrm>
+          <a:prstGeom prst="rect">
+            <a:avLst/>
+          </a:prstGeom>
+          <a:noFill/>
+          <a:ln>
+            <a:noFill/>
+          </a:ln>
+        </p:spPr>
+        <p:txBody>
+          <a:bodyPr anchorCtr="0" anchor="t" bIns="91425" lIns="91425" spcFirstLastPara="1" rIns="91425" wrap="square" tIns="91425">
+            <a:noAutofit/>
+          </a:bodyPr>
+          <a:lstStyle/>
+          <a:p>
+            <a:pPr indent="0" lvl="0" marL="0" rtl="0" algn="ctr">
+              <a:spcBef>
+                <a:spcPts val="0"/>
+              </a:spcBef>
+              <a:spcAft>
+                <a:spcPts val="0"/>
+              </a:spcAft>
+              <a:buNone/>
+            </a:pPr>
+            <a:r>
+              <a:rPr b="1" lang="en" sz="1600">
+                <a:solidFill>
+                  <a:schemeClr val="dk2"/>
+                </a:solidFill>
+                <a:highlight>
+                  <a:srgbClr val="C9DAF8"/>
+                </a:highlight>
+              </a:rPr>
+              <a:t>z</a:t>
+            </a:r>
+            <a:r>
+              <a:rPr b="1" lang="en" sz="1600">
+                <a:solidFill>
+                  <a:schemeClr val="dk2"/>
+                </a:solidFill>
+                <a:highlight>
+                  <a:srgbClr val="C9DAF8"/>
+                </a:highlight>
+              </a:rPr>
+              <a:t> </a:t>
+            </a:r>
+            <a:endParaRPr b="1" sz="1600">
+              <a:solidFill>
+                <a:schemeClr val="dk2"/>
+              </a:solidFill>
+              <a:highlight>
+                <a:srgbClr val="C9DAF8"/>
+              </a:highlight>
+            </a:endParaRPr>
+          </a:p>
+          <a:p>
+            <a:pPr indent="0" lvl="0" marL="0" rtl="0" algn="ctr">
+              <a:spcBef>
+                <a:spcPts val="0"/>
+              </a:spcBef>
+              <a:spcAft>
+                <a:spcPts val="0"/>
+              </a:spcAft>
+              <a:buNone/>
+            </a:pPr>
+            <a:r>
+              <a:rPr b="1" lang="en">
+                <a:solidFill>
+                  <a:schemeClr val="dk2"/>
+                </a:solidFill>
+                <a:highlight>
+                  <a:srgbClr val="00FF00"/>
+                </a:highlight>
+              </a:rPr>
+              <a:t> </a:t>
+            </a:r>
+            <a:endParaRPr b="1">
+              <a:solidFill>
+                <a:schemeClr val="dk2"/>
+              </a:solidFill>
+              <a:highlight>
+                <a:srgbClr val="00FF00"/>
+              </a:highlight>
+            </a:endParaRPr>
+          </a:p>
+        </p:txBody>
+      </p:sp>
+      <p:sp>
+        <p:nvSpPr>
+          <p:cNvPr id="158" name="Google Shape;158;p19"/>
+          <p:cNvSpPr txBox="1"/>
+          <p:nvPr/>
+        </p:nvSpPr>
+        <p:spPr>
+          <a:xfrm>
+            <a:off x="584468" y="164550"/>
+            <a:ext cx="511500" cy="494400"/>
+          </a:xfrm>
+          <a:prstGeom prst="rect">
+            <a:avLst/>
+          </a:prstGeom>
+          <a:noFill/>
+          <a:ln>
+            <a:noFill/>
+          </a:ln>
+        </p:spPr>
+        <p:txBody>
+          <a:bodyPr anchorCtr="0" anchor="t" bIns="91425" lIns="91425" spcFirstLastPara="1" rIns="91425" wrap="square" tIns="91425">
+            <a:noAutofit/>
+          </a:bodyPr>
+          <a:lstStyle/>
+          <a:p>
+            <a:pPr indent="0" lvl="0" marL="0" rtl="0" algn="ctr">
+              <a:spcBef>
+                <a:spcPts val="0"/>
+              </a:spcBef>
+              <a:spcAft>
+                <a:spcPts val="0"/>
+              </a:spcAft>
+              <a:buNone/>
+            </a:pPr>
+            <a:r>
+              <a:rPr b="1" lang="en" sz="1600">
+                <a:solidFill>
+                  <a:schemeClr val="dk2"/>
+                </a:solidFill>
+              </a:rPr>
+              <a:t>x</a:t>
+            </a:r>
+            <a:endParaRPr b="1" baseline="30000" sz="1600">
+              <a:solidFill>
+                <a:schemeClr val="dk2"/>
+              </a:solidFill>
+            </a:endParaRPr>
+          </a:p>
+        </p:txBody>
+      </p:sp>
+      <p:sp>
+        <p:nvSpPr>
+          <p:cNvPr id="159" name="Google Shape;159;p19"/>
+          <p:cNvSpPr txBox="1"/>
+          <p:nvPr/>
+        </p:nvSpPr>
+        <p:spPr>
+          <a:xfrm>
+            <a:off x="1613803" y="2216364"/>
+            <a:ext cx="596700" cy="183900"/>
+          </a:xfrm>
+          <a:prstGeom prst="rect">
+            <a:avLst/>
+          </a:prstGeom>
+          <a:noFill/>
+          <a:ln>
+            <a:noFill/>
+          </a:ln>
+        </p:spPr>
+        <p:txBody>
+          <a:bodyPr anchorCtr="0" anchor="t" bIns="91425" lIns="91425" spcFirstLastPara="1" rIns="91425" wrap="square" tIns="91425">
+            <a:noAutofit/>
+          </a:bodyPr>
+          <a:lstStyle/>
+          <a:p>
+            <a:pPr indent="0" lvl="0" marL="0" rtl="0" algn="ctr">
+              <a:spcBef>
+                <a:spcPts val="0"/>
+              </a:spcBef>
+              <a:spcAft>
+                <a:spcPts val="0"/>
+              </a:spcAft>
+              <a:buNone/>
+            </a:pPr>
+            <a:r>
+              <a:rPr b="1" lang="en" sz="1200">
+                <a:solidFill>
+                  <a:schemeClr val="dk2"/>
+                </a:solidFill>
+              </a:rPr>
+              <a:t>Key</a:t>
+            </a:r>
+            <a:endParaRPr b="1" sz="1200">
+              <a:solidFill>
+                <a:schemeClr val="dk2"/>
+              </a:solidFill>
+            </a:endParaRPr>
+          </a:p>
+          <a:p>
+            <a:pPr indent="0" lvl="0" marL="0" rtl="0" algn="ctr">
+              <a:spcBef>
+                <a:spcPts val="0"/>
+              </a:spcBef>
+              <a:spcAft>
+                <a:spcPts val="0"/>
+              </a:spcAft>
+              <a:buNone/>
+            </a:pPr>
+            <a:r>
+              <a:t/>
+            </a:r>
+            <a:endParaRPr b="1">
+              <a:solidFill>
+                <a:schemeClr val="dk2"/>
+              </a:solidFill>
+            </a:endParaRPr>
+          </a:p>
+          <a:p>
+            <a:pPr indent="0" lvl="0" marL="0" rtl="0" algn="ctr">
+              <a:spcBef>
+                <a:spcPts val="0"/>
+              </a:spcBef>
+              <a:spcAft>
+                <a:spcPts val="0"/>
+              </a:spcAft>
+              <a:buNone/>
+            </a:pPr>
+            <a:r>
+              <a:rPr b="1" lang="en">
+                <a:solidFill>
+                  <a:schemeClr val="dk2"/>
+                </a:solidFill>
+              </a:rPr>
+              <a:t>W</a:t>
+            </a:r>
+            <a:r>
+              <a:rPr b="1" baseline="30000" lang="en">
+                <a:solidFill>
+                  <a:schemeClr val="dk2"/>
+                </a:solidFill>
+              </a:rPr>
+              <a:t>(k)</a:t>
+            </a:r>
+            <a:endParaRPr b="1" baseline="30000">
+              <a:solidFill>
+                <a:schemeClr val="dk2"/>
+              </a:solidFill>
+            </a:endParaRPr>
+          </a:p>
+          <a:p>
+            <a:pPr indent="0" lvl="0" marL="0" rtl="0" algn="ctr">
+              <a:spcBef>
+                <a:spcPts val="0"/>
+              </a:spcBef>
+              <a:spcAft>
+                <a:spcPts val="0"/>
+              </a:spcAft>
+              <a:buNone/>
+            </a:pPr>
+            <a:r>
+              <a:rPr b="1" baseline="30000" lang="en" sz="2400">
+                <a:solidFill>
+                  <a:schemeClr val="dk2"/>
+                </a:solidFill>
+              </a:rPr>
+              <a:t>rxd</a:t>
+            </a:r>
+            <a:endParaRPr b="1" baseline="30000" sz="2400">
+              <a:solidFill>
+                <a:schemeClr val="dk2"/>
+              </a:solidFill>
+            </a:endParaRPr>
+          </a:p>
+          <a:p>
+            <a:pPr indent="0" lvl="0" marL="0" rtl="0" algn="l">
+              <a:spcBef>
+                <a:spcPts val="0"/>
+              </a:spcBef>
+              <a:spcAft>
+                <a:spcPts val="0"/>
+              </a:spcAft>
+              <a:buNone/>
+            </a:pPr>
+            <a:r>
+              <a:t/>
+            </a:r>
+            <a:endParaRPr b="1">
+              <a:solidFill>
+                <a:schemeClr val="dk2"/>
+              </a:solidFill>
+            </a:endParaRPr>
+          </a:p>
+        </p:txBody>
+      </p:sp>
+      <p:sp>
+        <p:nvSpPr>
+          <p:cNvPr id="160" name="Google Shape;160;p19"/>
           <p:cNvSpPr/>
           <p:nvPr/>
         </p:nvSpPr>
         <p:spPr>
           <a:xfrm>
-            <a:off x="5984600" y="1879250"/>
-            <a:ext cx="1102800" cy="1050300"/>
+            <a:off x="453680" y="497342"/>
+            <a:ext cx="793800" cy="714600"/>
           </a:xfrm>
           <a:prstGeom prst="bracketPair">
             <a:avLst/>
           </a:prstGeom>
           <a:solidFill>
-            <a:schemeClr val="lt1"/>
+            <a:srgbClr val="CCCCCC"/>
           </a:solidFill>
           <a:ln cap="flat" cmpd="sng" w="19050">
             <a:solidFill>
@@ -11608,7 +10471,1471 @@
       </p:sp>
       <p:sp>
         <p:nvSpPr>
-          <p:cNvPr id="188" name="Google Shape;188;p18"/>
+          <p:cNvPr id="161" name="Google Shape;161;p19"/>
+          <p:cNvSpPr txBox="1"/>
+          <p:nvPr/>
+        </p:nvSpPr>
+        <p:spPr>
+          <a:xfrm>
+            <a:off x="285801" y="1124624"/>
+            <a:ext cx="1129500" cy="415500"/>
+          </a:xfrm>
+          <a:prstGeom prst="rect">
+            <a:avLst/>
+          </a:prstGeom>
+          <a:noFill/>
+          <a:ln>
+            <a:noFill/>
+          </a:ln>
+        </p:spPr>
+        <p:txBody>
+          <a:bodyPr anchorCtr="0" anchor="t" bIns="91425" lIns="91425" spcFirstLastPara="1" rIns="91425" wrap="square" tIns="91425">
+            <a:spAutoFit/>
+          </a:bodyPr>
+          <a:lstStyle/>
+          <a:p>
+            <a:pPr indent="0" lvl="0" marL="0" rtl="0" algn="ctr">
+              <a:spcBef>
+                <a:spcPts val="0"/>
+              </a:spcBef>
+              <a:spcAft>
+                <a:spcPts val="0"/>
+              </a:spcAft>
+              <a:buNone/>
+            </a:pPr>
+            <a:r>
+              <a:rPr b="1" lang="en" sz="1500">
+                <a:solidFill>
+                  <a:schemeClr val="dk2"/>
+                </a:solidFill>
+              </a:rPr>
+              <a:t>nxd</a:t>
+            </a:r>
+            <a:endParaRPr b="1" sz="1500"/>
+          </a:p>
+        </p:txBody>
+      </p:sp>
+      <p:cxnSp>
+        <p:nvCxnSpPr>
+          <p:cNvPr id="162" name="Google Shape;162;p19"/>
+          <p:cNvCxnSpPr/>
+          <p:nvPr/>
+        </p:nvCxnSpPr>
+        <p:spPr>
+          <a:xfrm>
+            <a:off x="1446292" y="855726"/>
+            <a:ext cx="653400" cy="0"/>
+          </a:xfrm>
+          <a:prstGeom prst="straightConnector1">
+            <a:avLst/>
+          </a:prstGeom>
+          <a:noFill/>
+          <a:ln cap="flat" cmpd="sng" w="19050">
+            <a:solidFill>
+              <a:schemeClr val="dk2"/>
+            </a:solidFill>
+            <a:prstDash val="solid"/>
+            <a:round/>
+            <a:headEnd len="med" w="med" type="none"/>
+            <a:tailEnd len="med" w="med" type="triangle"/>
+          </a:ln>
+        </p:spPr>
+      </p:cxnSp>
+      <p:sp>
+        <p:nvSpPr>
+          <p:cNvPr id="163" name="Google Shape;163;p19"/>
+          <p:cNvSpPr/>
+          <p:nvPr/>
+        </p:nvSpPr>
+        <p:spPr>
+          <a:xfrm>
+            <a:off x="2337375" y="625826"/>
+            <a:ext cx="793800" cy="627300"/>
+          </a:xfrm>
+          <a:prstGeom prst="bracketPair">
+            <a:avLst/>
+          </a:prstGeom>
+          <a:solidFill>
+            <a:srgbClr val="CCCCCC"/>
+          </a:solidFill>
+          <a:ln cap="flat" cmpd="sng" w="19050">
+            <a:solidFill>
+              <a:schemeClr val="dk1"/>
+            </a:solidFill>
+            <a:prstDash val="solid"/>
+            <a:round/>
+            <a:headEnd len="sm" w="sm" type="none"/>
+            <a:tailEnd len="sm" w="sm" type="none"/>
+          </a:ln>
+        </p:spPr>
+        <p:txBody>
+          <a:bodyPr anchorCtr="0" anchor="ctr" bIns="91425" lIns="91425" spcFirstLastPara="1" rIns="91425" wrap="square" tIns="91425">
+            <a:noAutofit/>
+          </a:bodyPr>
+          <a:lstStyle/>
+          <a:p>
+            <a:pPr indent="0" lvl="0" marL="0" rtl="0" algn="ctr">
+              <a:spcBef>
+                <a:spcPts val="0"/>
+              </a:spcBef>
+              <a:spcAft>
+                <a:spcPts val="0"/>
+              </a:spcAft>
+              <a:buNone/>
+            </a:pPr>
+            <a:r>
+              <a:t/>
+            </a:r>
+            <a:endParaRPr/>
+          </a:p>
+        </p:txBody>
+      </p:sp>
+      <p:sp>
+        <p:nvSpPr>
+          <p:cNvPr id="164" name="Google Shape;164;p19"/>
+          <p:cNvSpPr txBox="1"/>
+          <p:nvPr/>
+        </p:nvSpPr>
+        <p:spPr>
+          <a:xfrm>
+            <a:off x="2333740" y="293041"/>
+            <a:ext cx="835800" cy="494400"/>
+          </a:xfrm>
+          <a:prstGeom prst="rect">
+            <a:avLst/>
+          </a:prstGeom>
+          <a:noFill/>
+          <a:ln>
+            <a:noFill/>
+          </a:ln>
+        </p:spPr>
+        <p:txBody>
+          <a:bodyPr anchorCtr="0" anchor="t" bIns="91425" lIns="91425" spcFirstLastPara="1" rIns="91425" wrap="square" tIns="91425">
+            <a:noAutofit/>
+          </a:bodyPr>
+          <a:lstStyle/>
+          <a:p>
+            <a:pPr indent="0" lvl="0" marL="0" rtl="0" algn="ctr">
+              <a:spcBef>
+                <a:spcPts val="0"/>
+              </a:spcBef>
+              <a:spcAft>
+                <a:spcPts val="0"/>
+              </a:spcAft>
+              <a:buNone/>
+            </a:pPr>
+            <a:r>
+              <a:rPr b="1" lang="en" sz="1600">
+                <a:solidFill>
+                  <a:schemeClr val="dk2"/>
+                </a:solidFill>
+              </a:rPr>
+              <a:t>xW</a:t>
+            </a:r>
+            <a:r>
+              <a:rPr b="1" baseline="30000" lang="en" sz="1600">
+                <a:solidFill>
+                  <a:schemeClr val="dk2"/>
+                </a:solidFill>
+              </a:rPr>
+              <a:t>(q)T</a:t>
+            </a:r>
+            <a:endParaRPr b="1" baseline="30000" sz="1600">
+              <a:solidFill>
+                <a:schemeClr val="dk2"/>
+              </a:solidFill>
+            </a:endParaRPr>
+          </a:p>
+        </p:txBody>
+      </p:sp>
+      <p:sp>
+        <p:nvSpPr>
+          <p:cNvPr id="165" name="Google Shape;165;p19"/>
+          <p:cNvSpPr txBox="1"/>
+          <p:nvPr/>
+        </p:nvSpPr>
+        <p:spPr>
+          <a:xfrm>
+            <a:off x="2169491" y="1176914"/>
+            <a:ext cx="1129500" cy="415500"/>
+          </a:xfrm>
+          <a:prstGeom prst="rect">
+            <a:avLst/>
+          </a:prstGeom>
+          <a:noFill/>
+          <a:ln>
+            <a:noFill/>
+          </a:ln>
+        </p:spPr>
+        <p:txBody>
+          <a:bodyPr anchorCtr="0" anchor="t" bIns="91425" lIns="91425" spcFirstLastPara="1" rIns="91425" wrap="square" tIns="91425">
+            <a:spAutoFit/>
+          </a:bodyPr>
+          <a:lstStyle/>
+          <a:p>
+            <a:pPr indent="0" lvl="0" marL="0" rtl="0" algn="ctr">
+              <a:spcBef>
+                <a:spcPts val="0"/>
+              </a:spcBef>
+              <a:spcAft>
+                <a:spcPts val="0"/>
+              </a:spcAft>
+              <a:buNone/>
+            </a:pPr>
+            <a:r>
+              <a:rPr b="1" lang="en" sz="1500">
+                <a:solidFill>
+                  <a:schemeClr val="dk2"/>
+                </a:solidFill>
+              </a:rPr>
+              <a:t>nxr</a:t>
+            </a:r>
+            <a:endParaRPr b="1" sz="1500"/>
+          </a:p>
+        </p:txBody>
+      </p:sp>
+      <p:cxnSp>
+        <p:nvCxnSpPr>
+          <p:cNvPr id="166" name="Google Shape;166;p19"/>
+          <p:cNvCxnSpPr/>
+          <p:nvPr/>
+        </p:nvCxnSpPr>
+        <p:spPr>
+          <a:xfrm flipH="1">
+            <a:off x="897188" y="2568922"/>
+            <a:ext cx="5400" cy="1872300"/>
+          </a:xfrm>
+          <a:prstGeom prst="straightConnector1">
+            <a:avLst/>
+          </a:prstGeom>
+          <a:noFill/>
+          <a:ln cap="flat" cmpd="sng" w="19050">
+            <a:solidFill>
+              <a:schemeClr val="dk2"/>
+            </a:solidFill>
+            <a:prstDash val="solid"/>
+            <a:round/>
+            <a:headEnd len="med" w="med" type="none"/>
+            <a:tailEnd len="med" w="med" type="none"/>
+          </a:ln>
+        </p:spPr>
+      </p:cxnSp>
+      <p:cxnSp>
+        <p:nvCxnSpPr>
+          <p:cNvPr id="167" name="Google Shape;167;p19"/>
+          <p:cNvCxnSpPr/>
+          <p:nvPr/>
+        </p:nvCxnSpPr>
+        <p:spPr>
+          <a:xfrm flipH="1" rot="10800000">
+            <a:off x="793005" y="2568887"/>
+            <a:ext cx="1903500" cy="13800"/>
+          </a:xfrm>
+          <a:prstGeom prst="straightConnector1">
+            <a:avLst/>
+          </a:prstGeom>
+          <a:noFill/>
+          <a:ln cap="flat" cmpd="sng" w="19050">
+            <a:solidFill>
+              <a:schemeClr val="dk2"/>
+            </a:solidFill>
+            <a:prstDash val="solid"/>
+            <a:round/>
+            <a:headEnd len="med" w="med" type="none"/>
+            <a:tailEnd len="med" w="med" type="triangle"/>
+          </a:ln>
+        </p:spPr>
+      </p:cxnSp>
+      <p:cxnSp>
+        <p:nvCxnSpPr>
+          <p:cNvPr id="168" name="Google Shape;168;p19"/>
+          <p:cNvCxnSpPr/>
+          <p:nvPr/>
+        </p:nvCxnSpPr>
+        <p:spPr>
+          <a:xfrm flipH="1" rot="10800000">
+            <a:off x="901593" y="4430636"/>
+            <a:ext cx="1799400" cy="21600"/>
+          </a:xfrm>
+          <a:prstGeom prst="straightConnector1">
+            <a:avLst/>
+          </a:prstGeom>
+          <a:noFill/>
+          <a:ln cap="flat" cmpd="sng" w="19050">
+            <a:solidFill>
+              <a:schemeClr val="dk2"/>
+            </a:solidFill>
+            <a:prstDash val="solid"/>
+            <a:round/>
+            <a:headEnd len="med" w="med" type="none"/>
+            <a:tailEnd len="med" w="med" type="triangle"/>
+          </a:ln>
+        </p:spPr>
+      </p:cxnSp>
+      <p:sp>
+        <p:nvSpPr>
+          <p:cNvPr id="169" name="Google Shape;169;p19"/>
+          <p:cNvSpPr/>
+          <p:nvPr/>
+        </p:nvSpPr>
+        <p:spPr>
+          <a:xfrm>
+            <a:off x="2850950" y="2390747"/>
+            <a:ext cx="793800" cy="415500"/>
+          </a:xfrm>
+          <a:prstGeom prst="bracketPair">
+            <a:avLst/>
+          </a:prstGeom>
+          <a:solidFill>
+            <a:srgbClr val="CCCCCC"/>
+          </a:solidFill>
+          <a:ln cap="flat" cmpd="sng" w="19050">
+            <a:solidFill>
+              <a:schemeClr val="dk1"/>
+            </a:solidFill>
+            <a:prstDash val="solid"/>
+            <a:round/>
+            <a:headEnd len="sm" w="sm" type="none"/>
+            <a:tailEnd len="sm" w="sm" type="none"/>
+          </a:ln>
+        </p:spPr>
+        <p:txBody>
+          <a:bodyPr anchorCtr="0" anchor="ctr" bIns="91425" lIns="91425" spcFirstLastPara="1" rIns="91425" wrap="square" tIns="91425">
+            <a:noAutofit/>
+          </a:bodyPr>
+          <a:lstStyle/>
+          <a:p>
+            <a:pPr indent="0" lvl="0" marL="0" rtl="0" algn="ctr">
+              <a:spcBef>
+                <a:spcPts val="0"/>
+              </a:spcBef>
+              <a:spcAft>
+                <a:spcPts val="0"/>
+              </a:spcAft>
+              <a:buNone/>
+            </a:pPr>
+            <a:r>
+              <a:t/>
+            </a:r>
+            <a:endParaRPr/>
+          </a:p>
+        </p:txBody>
+      </p:sp>
+      <p:sp>
+        <p:nvSpPr>
+          <p:cNvPr id="170" name="Google Shape;170;p19"/>
+          <p:cNvSpPr txBox="1"/>
+          <p:nvPr/>
+        </p:nvSpPr>
+        <p:spPr>
+          <a:xfrm>
+            <a:off x="2818746" y="1905552"/>
+            <a:ext cx="973200" cy="494400"/>
+          </a:xfrm>
+          <a:prstGeom prst="rect">
+            <a:avLst/>
+          </a:prstGeom>
+          <a:noFill/>
+          <a:ln>
+            <a:noFill/>
+          </a:ln>
+        </p:spPr>
+        <p:txBody>
+          <a:bodyPr anchorCtr="0" anchor="t" bIns="91425" lIns="91425" spcFirstLastPara="1" rIns="91425" wrap="square" tIns="91425">
+            <a:noAutofit/>
+          </a:bodyPr>
+          <a:lstStyle/>
+          <a:p>
+            <a:pPr indent="0" lvl="0" marL="0" rtl="0" algn="ctr">
+              <a:spcBef>
+                <a:spcPts val="0"/>
+              </a:spcBef>
+              <a:spcAft>
+                <a:spcPts val="0"/>
+              </a:spcAft>
+              <a:buNone/>
+            </a:pPr>
+            <a:r>
+              <a:rPr b="1" lang="en" sz="1600">
+                <a:solidFill>
+                  <a:schemeClr val="dk2"/>
+                </a:solidFill>
+              </a:rPr>
+              <a:t>W</a:t>
+            </a:r>
+            <a:r>
+              <a:rPr b="1" baseline="30000" lang="en" sz="1600">
+                <a:solidFill>
+                  <a:schemeClr val="dk2"/>
+                </a:solidFill>
+              </a:rPr>
+              <a:t>(*)</a:t>
+            </a:r>
+            <a:r>
+              <a:rPr b="1" lang="en" sz="1600">
+                <a:solidFill>
+                  <a:schemeClr val="dk2"/>
+                </a:solidFill>
+              </a:rPr>
+              <a:t>x</a:t>
+            </a:r>
+            <a:r>
+              <a:rPr b="1" baseline="30000" lang="en" sz="1600">
+                <a:solidFill>
+                  <a:schemeClr val="dk2"/>
+                </a:solidFill>
+              </a:rPr>
+              <a:t>T</a:t>
+            </a:r>
+            <a:endParaRPr b="1" baseline="30000" sz="1600">
+              <a:solidFill>
+                <a:schemeClr val="dk2"/>
+              </a:solidFill>
+            </a:endParaRPr>
+          </a:p>
+        </p:txBody>
+      </p:sp>
+      <p:sp>
+        <p:nvSpPr>
+          <p:cNvPr id="171" name="Google Shape;171;p19"/>
+          <p:cNvSpPr txBox="1"/>
+          <p:nvPr/>
+        </p:nvSpPr>
+        <p:spPr>
+          <a:xfrm>
+            <a:off x="2759268" y="2865625"/>
+            <a:ext cx="1129500" cy="415500"/>
+          </a:xfrm>
+          <a:prstGeom prst="rect">
+            <a:avLst/>
+          </a:prstGeom>
+          <a:noFill/>
+          <a:ln>
+            <a:noFill/>
+          </a:ln>
+        </p:spPr>
+        <p:txBody>
+          <a:bodyPr anchorCtr="0" anchor="t" bIns="91425" lIns="91425" spcFirstLastPara="1" rIns="91425" wrap="square" tIns="91425">
+            <a:spAutoFit/>
+          </a:bodyPr>
+          <a:lstStyle/>
+          <a:p>
+            <a:pPr indent="0" lvl="0" marL="0" rtl="0" algn="ctr">
+              <a:spcBef>
+                <a:spcPts val="0"/>
+              </a:spcBef>
+              <a:spcAft>
+                <a:spcPts val="0"/>
+              </a:spcAft>
+              <a:buNone/>
+            </a:pPr>
+            <a:r>
+              <a:rPr b="1" lang="en" sz="1500">
+                <a:solidFill>
+                  <a:schemeClr val="dk2"/>
+                </a:solidFill>
+                <a:highlight>
+                  <a:srgbClr val="C9DAF8"/>
+                </a:highlight>
+              </a:rPr>
+              <a:t>rxm</a:t>
+            </a:r>
+            <a:endParaRPr b="1" sz="1500">
+              <a:highlight>
+                <a:srgbClr val="C9DAF8"/>
+              </a:highlight>
+            </a:endParaRPr>
+          </a:p>
+        </p:txBody>
+      </p:sp>
+      <p:sp>
+        <p:nvSpPr>
+          <p:cNvPr id="172" name="Google Shape;172;p19"/>
+          <p:cNvSpPr/>
+          <p:nvPr/>
+        </p:nvSpPr>
+        <p:spPr>
+          <a:xfrm>
+            <a:off x="2987727" y="3918153"/>
+            <a:ext cx="793800" cy="714600"/>
+          </a:xfrm>
+          <a:prstGeom prst="bracketPair">
+            <a:avLst/>
+          </a:prstGeom>
+          <a:solidFill>
+            <a:srgbClr val="CCCCCC"/>
+          </a:solidFill>
+          <a:ln cap="flat" cmpd="sng" w="19050">
+            <a:solidFill>
+              <a:schemeClr val="dk1"/>
+            </a:solidFill>
+            <a:prstDash val="solid"/>
+            <a:round/>
+            <a:headEnd len="sm" w="sm" type="none"/>
+            <a:tailEnd len="sm" w="sm" type="none"/>
+          </a:ln>
+        </p:spPr>
+        <p:txBody>
+          <a:bodyPr anchorCtr="0" anchor="ctr" bIns="91425" lIns="91425" spcFirstLastPara="1" rIns="91425" wrap="square" tIns="91425">
+            <a:noAutofit/>
+          </a:bodyPr>
+          <a:lstStyle/>
+          <a:p>
+            <a:pPr indent="0" lvl="0" marL="0" rtl="0" algn="ctr">
+              <a:spcBef>
+                <a:spcPts val="0"/>
+              </a:spcBef>
+              <a:spcAft>
+                <a:spcPts val="0"/>
+              </a:spcAft>
+              <a:buNone/>
+            </a:pPr>
+            <a:r>
+              <a:t/>
+            </a:r>
+            <a:endParaRPr/>
+          </a:p>
+        </p:txBody>
+      </p:sp>
+      <p:sp>
+        <p:nvSpPr>
+          <p:cNvPr id="173" name="Google Shape;173;p19"/>
+          <p:cNvSpPr txBox="1"/>
+          <p:nvPr/>
+        </p:nvSpPr>
+        <p:spPr>
+          <a:xfrm>
+            <a:off x="2819848" y="4545434"/>
+            <a:ext cx="1129500" cy="415500"/>
+          </a:xfrm>
+          <a:prstGeom prst="rect">
+            <a:avLst/>
+          </a:prstGeom>
+          <a:noFill/>
+          <a:ln>
+            <a:noFill/>
+          </a:ln>
+        </p:spPr>
+        <p:txBody>
+          <a:bodyPr anchorCtr="0" anchor="t" bIns="91425" lIns="91425" spcFirstLastPara="1" rIns="91425" wrap="square" tIns="91425">
+            <a:spAutoFit/>
+          </a:bodyPr>
+          <a:lstStyle/>
+          <a:p>
+            <a:pPr indent="0" lvl="0" marL="0" rtl="0" algn="ctr">
+              <a:spcBef>
+                <a:spcPts val="0"/>
+              </a:spcBef>
+              <a:spcAft>
+                <a:spcPts val="0"/>
+              </a:spcAft>
+              <a:buNone/>
+            </a:pPr>
+            <a:r>
+              <a:rPr b="1" lang="en" sz="1500">
+                <a:solidFill>
+                  <a:schemeClr val="dk2"/>
+                </a:solidFill>
+                <a:highlight>
+                  <a:srgbClr val="C9DAF8"/>
+                </a:highlight>
+              </a:rPr>
+              <a:t>m</a:t>
+            </a:r>
+            <a:r>
+              <a:rPr b="1" lang="en" sz="1500">
+                <a:solidFill>
+                  <a:schemeClr val="dk2"/>
+                </a:solidFill>
+                <a:highlight>
+                  <a:srgbClr val="C9DAF8"/>
+                </a:highlight>
+              </a:rPr>
+              <a:t>xd</a:t>
+            </a:r>
+            <a:endParaRPr b="1" sz="1500">
+              <a:highlight>
+                <a:srgbClr val="C9DAF8"/>
+              </a:highlight>
+            </a:endParaRPr>
+          </a:p>
+        </p:txBody>
+      </p:sp>
+      <p:sp>
+        <p:nvSpPr>
+          <p:cNvPr id="174" name="Google Shape;174;p19"/>
+          <p:cNvSpPr txBox="1"/>
+          <p:nvPr/>
+        </p:nvSpPr>
+        <p:spPr>
+          <a:xfrm>
+            <a:off x="1644103" y="4054981"/>
+            <a:ext cx="793800" cy="183900"/>
+          </a:xfrm>
+          <a:prstGeom prst="rect">
+            <a:avLst/>
+          </a:prstGeom>
+          <a:noFill/>
+          <a:ln>
+            <a:noFill/>
+          </a:ln>
+        </p:spPr>
+        <p:txBody>
+          <a:bodyPr anchorCtr="0" anchor="t" bIns="91425" lIns="91425" spcFirstLastPara="1" rIns="91425" wrap="square" tIns="91425">
+            <a:noAutofit/>
+          </a:bodyPr>
+          <a:lstStyle/>
+          <a:p>
+            <a:pPr indent="0" lvl="0" marL="0" rtl="0" algn="ctr">
+              <a:spcBef>
+                <a:spcPts val="0"/>
+              </a:spcBef>
+              <a:spcAft>
+                <a:spcPts val="0"/>
+              </a:spcAft>
+              <a:buNone/>
+            </a:pPr>
+            <a:r>
+              <a:rPr b="1" lang="en" sz="1200">
+                <a:solidFill>
+                  <a:schemeClr val="dk2"/>
+                </a:solidFill>
+              </a:rPr>
+              <a:t>Value</a:t>
+            </a:r>
+            <a:endParaRPr b="1" sz="1200">
+              <a:solidFill>
+                <a:schemeClr val="dk2"/>
+              </a:solidFill>
+            </a:endParaRPr>
+          </a:p>
+          <a:p>
+            <a:pPr indent="0" lvl="0" marL="0" rtl="0" algn="ctr">
+              <a:spcBef>
+                <a:spcPts val="0"/>
+              </a:spcBef>
+              <a:spcAft>
+                <a:spcPts val="0"/>
+              </a:spcAft>
+              <a:buNone/>
+            </a:pPr>
+            <a:r>
+              <a:t/>
+            </a:r>
+            <a:endParaRPr>
+              <a:solidFill>
+                <a:schemeClr val="dk2"/>
+              </a:solidFill>
+            </a:endParaRPr>
+          </a:p>
+          <a:p>
+            <a:pPr indent="0" lvl="0" marL="0" rtl="0" algn="ctr">
+              <a:spcBef>
+                <a:spcPts val="0"/>
+              </a:spcBef>
+              <a:spcAft>
+                <a:spcPts val="0"/>
+              </a:spcAft>
+              <a:buNone/>
+            </a:pPr>
+            <a:r>
+              <a:rPr b="1" lang="en">
+                <a:solidFill>
+                  <a:schemeClr val="dk2"/>
+                </a:solidFill>
+              </a:rPr>
+              <a:t>W</a:t>
+            </a:r>
+            <a:r>
+              <a:rPr b="1" baseline="30000" lang="en">
+                <a:solidFill>
+                  <a:schemeClr val="dk2"/>
+                </a:solidFill>
+              </a:rPr>
+              <a:t>(v)</a:t>
+            </a:r>
+            <a:endParaRPr b="1" baseline="30000">
+              <a:solidFill>
+                <a:schemeClr val="dk2"/>
+              </a:solidFill>
+            </a:endParaRPr>
+          </a:p>
+          <a:p>
+            <a:pPr indent="0" lvl="0" marL="0" rtl="0" algn="l">
+              <a:spcBef>
+                <a:spcPts val="0"/>
+              </a:spcBef>
+              <a:spcAft>
+                <a:spcPts val="0"/>
+              </a:spcAft>
+              <a:buNone/>
+            </a:pPr>
+            <a:r>
+              <a:t/>
+            </a:r>
+            <a:endParaRPr>
+              <a:solidFill>
+                <a:schemeClr val="dk2"/>
+              </a:solidFill>
+            </a:endParaRPr>
+          </a:p>
+        </p:txBody>
+      </p:sp>
+      <p:cxnSp>
+        <p:nvCxnSpPr>
+          <p:cNvPr id="175" name="Google Shape;175;p19"/>
+          <p:cNvCxnSpPr/>
+          <p:nvPr/>
+        </p:nvCxnSpPr>
+        <p:spPr>
+          <a:xfrm flipH="1" rot="10800000">
+            <a:off x="3368864" y="842792"/>
+            <a:ext cx="1469400" cy="10800"/>
+          </a:xfrm>
+          <a:prstGeom prst="straightConnector1">
+            <a:avLst/>
+          </a:prstGeom>
+          <a:noFill/>
+          <a:ln cap="flat" cmpd="sng" w="19050">
+            <a:solidFill>
+              <a:schemeClr val="dk2"/>
+            </a:solidFill>
+            <a:prstDash val="solid"/>
+            <a:round/>
+            <a:headEnd len="med" w="med" type="none"/>
+            <a:tailEnd len="med" w="med" type="none"/>
+          </a:ln>
+        </p:spPr>
+      </p:cxnSp>
+      <p:cxnSp>
+        <p:nvCxnSpPr>
+          <p:cNvPr id="176" name="Google Shape;176;p19"/>
+          <p:cNvCxnSpPr/>
+          <p:nvPr/>
+        </p:nvCxnSpPr>
+        <p:spPr>
+          <a:xfrm flipH="1" rot="10800000">
+            <a:off x="3805508" y="2579841"/>
+            <a:ext cx="891900" cy="3900"/>
+          </a:xfrm>
+          <a:prstGeom prst="straightConnector1">
+            <a:avLst/>
+          </a:prstGeom>
+          <a:noFill/>
+          <a:ln cap="flat" cmpd="sng" w="19050">
+            <a:solidFill>
+              <a:schemeClr val="dk2"/>
+            </a:solidFill>
+            <a:prstDash val="solid"/>
+            <a:round/>
+            <a:headEnd len="med" w="med" type="none"/>
+            <a:tailEnd len="med" w="med" type="triangle"/>
+          </a:ln>
+        </p:spPr>
+      </p:cxnSp>
+      <p:cxnSp>
+        <p:nvCxnSpPr>
+          <p:cNvPr id="177" name="Google Shape;177;p19"/>
+          <p:cNvCxnSpPr>
+            <a:endCxn id="178" idx="0"/>
+          </p:cNvCxnSpPr>
+          <p:nvPr/>
+        </p:nvCxnSpPr>
+        <p:spPr>
+          <a:xfrm flipH="1">
+            <a:off x="4828969" y="834187"/>
+            <a:ext cx="1500" cy="1518300"/>
+          </a:xfrm>
+          <a:prstGeom prst="straightConnector1">
+            <a:avLst/>
+          </a:prstGeom>
+          <a:noFill/>
+          <a:ln cap="flat" cmpd="sng" w="19050">
+            <a:solidFill>
+              <a:schemeClr val="dk2"/>
+            </a:solidFill>
+            <a:prstDash val="solid"/>
+            <a:round/>
+            <a:headEnd len="med" w="med" type="none"/>
+            <a:tailEnd len="med" w="med" type="triangle"/>
+          </a:ln>
+        </p:spPr>
+      </p:cxnSp>
+      <p:cxnSp>
+        <p:nvCxnSpPr>
+          <p:cNvPr id="179" name="Google Shape;179;p19"/>
+          <p:cNvCxnSpPr/>
+          <p:nvPr/>
+        </p:nvCxnSpPr>
+        <p:spPr>
+          <a:xfrm flipH="1" rot="10800000">
+            <a:off x="5026514" y="2586560"/>
+            <a:ext cx="806400" cy="2400"/>
+          </a:xfrm>
+          <a:prstGeom prst="straightConnector1">
+            <a:avLst/>
+          </a:prstGeom>
+          <a:noFill/>
+          <a:ln cap="flat" cmpd="sng" w="19050">
+            <a:solidFill>
+              <a:schemeClr val="dk2"/>
+            </a:solidFill>
+            <a:prstDash val="solid"/>
+            <a:round/>
+            <a:headEnd len="med" w="med" type="none"/>
+            <a:tailEnd len="med" w="med" type="triangle"/>
+          </a:ln>
+        </p:spPr>
+      </p:cxnSp>
+      <p:sp>
+        <p:nvSpPr>
+          <p:cNvPr id="180" name="Google Shape;180;p19"/>
+          <p:cNvSpPr txBox="1"/>
+          <p:nvPr/>
+        </p:nvSpPr>
+        <p:spPr>
+          <a:xfrm>
+            <a:off x="6065375" y="2885961"/>
+            <a:ext cx="1129500" cy="415500"/>
+          </a:xfrm>
+          <a:prstGeom prst="rect">
+            <a:avLst/>
+          </a:prstGeom>
+          <a:noFill/>
+          <a:ln>
+            <a:noFill/>
+          </a:ln>
+        </p:spPr>
+        <p:txBody>
+          <a:bodyPr anchorCtr="0" anchor="t" bIns="91425" lIns="91425" spcFirstLastPara="1" rIns="91425" wrap="square" tIns="91425">
+            <a:spAutoFit/>
+          </a:bodyPr>
+          <a:lstStyle/>
+          <a:p>
+            <a:pPr indent="0" lvl="0" marL="0" rtl="0" algn="ctr">
+              <a:spcBef>
+                <a:spcPts val="0"/>
+              </a:spcBef>
+              <a:spcAft>
+                <a:spcPts val="0"/>
+              </a:spcAft>
+              <a:buNone/>
+            </a:pPr>
+            <a:r>
+              <a:rPr b="1" lang="en" sz="1500">
+                <a:solidFill>
+                  <a:schemeClr val="dk2"/>
+                </a:solidFill>
+                <a:highlight>
+                  <a:srgbClr val="C9DAF8"/>
+                </a:highlight>
+              </a:rPr>
+              <a:t>nxm</a:t>
+            </a:r>
+            <a:endParaRPr b="1" sz="1500">
+              <a:highlight>
+                <a:srgbClr val="C9DAF8"/>
+              </a:highlight>
+            </a:endParaRPr>
+          </a:p>
+        </p:txBody>
+      </p:sp>
+      <p:cxnSp>
+        <p:nvCxnSpPr>
+          <p:cNvPr id="181" name="Google Shape;181;p19"/>
+          <p:cNvCxnSpPr/>
+          <p:nvPr/>
+        </p:nvCxnSpPr>
+        <p:spPr>
+          <a:xfrm flipH="1" rot="10800000">
+            <a:off x="4006917" y="4397390"/>
+            <a:ext cx="2349600" cy="2400"/>
+          </a:xfrm>
+          <a:prstGeom prst="straightConnector1">
+            <a:avLst/>
+          </a:prstGeom>
+          <a:noFill/>
+          <a:ln cap="flat" cmpd="sng" w="19050">
+            <a:solidFill>
+              <a:schemeClr val="dk2"/>
+            </a:solidFill>
+            <a:prstDash val="solid"/>
+            <a:round/>
+            <a:headEnd len="med" w="med" type="none"/>
+            <a:tailEnd len="med" w="med" type="triangle"/>
+          </a:ln>
+        </p:spPr>
+      </p:cxnSp>
+      <p:cxnSp>
+        <p:nvCxnSpPr>
+          <p:cNvPr id="182" name="Google Shape;182;p19"/>
+          <p:cNvCxnSpPr/>
+          <p:nvPr/>
+        </p:nvCxnSpPr>
+        <p:spPr>
+          <a:xfrm>
+            <a:off x="6602372" y="3248405"/>
+            <a:ext cx="0" cy="1004700"/>
+          </a:xfrm>
+          <a:prstGeom prst="straightConnector1">
+            <a:avLst/>
+          </a:prstGeom>
+          <a:noFill/>
+          <a:ln cap="flat" cmpd="sng" w="19050">
+            <a:solidFill>
+              <a:schemeClr val="dk2"/>
+            </a:solidFill>
+            <a:prstDash val="solid"/>
+            <a:round/>
+            <a:headEnd len="med" w="med" type="none"/>
+            <a:tailEnd len="med" w="med" type="triangle"/>
+          </a:ln>
+        </p:spPr>
+      </p:cxnSp>
+      <p:cxnSp>
+        <p:nvCxnSpPr>
+          <p:cNvPr id="183" name="Google Shape;183;p19"/>
+          <p:cNvCxnSpPr/>
+          <p:nvPr/>
+        </p:nvCxnSpPr>
+        <p:spPr>
+          <a:xfrm flipH="1" rot="10800000">
+            <a:off x="6934200" y="4385931"/>
+            <a:ext cx="945000" cy="12600"/>
+          </a:xfrm>
+          <a:prstGeom prst="straightConnector1">
+            <a:avLst/>
+          </a:prstGeom>
+          <a:noFill/>
+          <a:ln cap="flat" cmpd="sng" w="19050">
+            <a:solidFill>
+              <a:schemeClr val="dk2"/>
+            </a:solidFill>
+            <a:prstDash val="solid"/>
+            <a:round/>
+            <a:headEnd len="med" w="med" type="none"/>
+            <a:tailEnd len="med" w="med" type="triangle"/>
+          </a:ln>
+        </p:spPr>
+      </p:cxnSp>
+      <p:sp>
+        <p:nvSpPr>
+          <p:cNvPr id="184" name="Google Shape;184;p19"/>
+          <p:cNvSpPr/>
+          <p:nvPr/>
+        </p:nvSpPr>
+        <p:spPr>
+          <a:xfrm>
+            <a:off x="8081424" y="3956176"/>
+            <a:ext cx="793800" cy="714600"/>
+          </a:xfrm>
+          <a:prstGeom prst="bracketPair">
+            <a:avLst/>
+          </a:prstGeom>
+          <a:solidFill>
+            <a:srgbClr val="CCCCCC"/>
+          </a:solidFill>
+          <a:ln cap="flat" cmpd="sng" w="19050">
+            <a:solidFill>
+              <a:schemeClr val="dk1"/>
+            </a:solidFill>
+            <a:prstDash val="solid"/>
+            <a:round/>
+            <a:headEnd len="sm" w="sm" type="none"/>
+            <a:tailEnd len="sm" w="sm" type="none"/>
+          </a:ln>
+        </p:spPr>
+        <p:txBody>
+          <a:bodyPr anchorCtr="0" anchor="ctr" bIns="91425" lIns="91425" spcFirstLastPara="1" rIns="91425" wrap="square" tIns="91425">
+            <a:noAutofit/>
+          </a:bodyPr>
+          <a:lstStyle/>
+          <a:p>
+            <a:pPr indent="0" lvl="0" marL="0" rtl="0" algn="ctr">
+              <a:spcBef>
+                <a:spcPts val="0"/>
+              </a:spcBef>
+              <a:spcAft>
+                <a:spcPts val="0"/>
+              </a:spcAft>
+              <a:buNone/>
+            </a:pPr>
+            <a:r>
+              <a:t/>
+            </a:r>
+            <a:endParaRPr b="1"/>
+          </a:p>
+        </p:txBody>
+      </p:sp>
+      <p:sp>
+        <p:nvSpPr>
+          <p:cNvPr id="185" name="Google Shape;185;p19"/>
+          <p:cNvSpPr txBox="1"/>
+          <p:nvPr/>
+        </p:nvSpPr>
+        <p:spPr>
+          <a:xfrm>
+            <a:off x="7913545" y="4583457"/>
+            <a:ext cx="1129500" cy="415500"/>
+          </a:xfrm>
+          <a:prstGeom prst="rect">
+            <a:avLst/>
+          </a:prstGeom>
+          <a:noFill/>
+          <a:ln>
+            <a:noFill/>
+          </a:ln>
+        </p:spPr>
+        <p:txBody>
+          <a:bodyPr anchorCtr="0" anchor="t" bIns="91425" lIns="91425" spcFirstLastPara="1" rIns="91425" wrap="square" tIns="91425">
+            <a:spAutoFit/>
+          </a:bodyPr>
+          <a:lstStyle/>
+          <a:p>
+            <a:pPr indent="0" lvl="0" marL="0" rtl="0" algn="ctr">
+              <a:spcBef>
+                <a:spcPts val="0"/>
+              </a:spcBef>
+              <a:spcAft>
+                <a:spcPts val="0"/>
+              </a:spcAft>
+              <a:buNone/>
+            </a:pPr>
+            <a:r>
+              <a:rPr b="1" lang="en" sz="1500">
+                <a:solidFill>
+                  <a:schemeClr val="dk2"/>
+                </a:solidFill>
+                <a:highlight>
+                  <a:srgbClr val="C9DAF8"/>
+                </a:highlight>
+              </a:rPr>
+              <a:t>nxd</a:t>
+            </a:r>
+            <a:endParaRPr b="1" sz="1500">
+              <a:highlight>
+                <a:srgbClr val="C9DAF8"/>
+              </a:highlight>
+            </a:endParaRPr>
+          </a:p>
+        </p:txBody>
+      </p:sp>
+      <p:sp>
+        <p:nvSpPr>
+          <p:cNvPr id="186" name="Google Shape;186;p19"/>
+          <p:cNvSpPr/>
+          <p:nvPr/>
+        </p:nvSpPr>
+        <p:spPr>
+          <a:xfrm>
+            <a:off x="260618" y="2274654"/>
+            <a:ext cx="419400" cy="714600"/>
+          </a:xfrm>
+          <a:prstGeom prst="bracketPair">
+            <a:avLst/>
+          </a:prstGeom>
+          <a:solidFill>
+            <a:srgbClr val="CCCCCC"/>
+          </a:solidFill>
+          <a:ln cap="flat" cmpd="sng" w="19050">
+            <a:solidFill>
+              <a:schemeClr val="dk1"/>
+            </a:solidFill>
+            <a:prstDash val="solid"/>
+            <a:round/>
+            <a:headEnd len="sm" w="sm" type="none"/>
+            <a:tailEnd len="sm" w="sm" type="none"/>
+          </a:ln>
+        </p:spPr>
+        <p:txBody>
+          <a:bodyPr anchorCtr="0" anchor="ctr" bIns="91425" lIns="91425" spcFirstLastPara="1" rIns="91425" wrap="square" tIns="91425">
+            <a:noAutofit/>
+          </a:bodyPr>
+          <a:lstStyle/>
+          <a:p>
+            <a:pPr indent="0" lvl="0" marL="0" rtl="0" algn="ctr">
+              <a:spcBef>
+                <a:spcPts val="0"/>
+              </a:spcBef>
+              <a:spcAft>
+                <a:spcPts val="0"/>
+              </a:spcAft>
+              <a:buNone/>
+            </a:pPr>
+            <a:r>
+              <a:t/>
+            </a:r>
+            <a:endParaRPr/>
+          </a:p>
+        </p:txBody>
+      </p:sp>
+      <p:sp>
+        <p:nvSpPr>
+          <p:cNvPr id="187" name="Google Shape;187;p19"/>
+          <p:cNvSpPr txBox="1"/>
+          <p:nvPr/>
+        </p:nvSpPr>
+        <p:spPr>
+          <a:xfrm>
+            <a:off x="171925" y="2901942"/>
+            <a:ext cx="596700" cy="415500"/>
+          </a:xfrm>
+          <a:prstGeom prst="rect">
+            <a:avLst/>
+          </a:prstGeom>
+          <a:noFill/>
+          <a:ln>
+            <a:noFill/>
+          </a:ln>
+        </p:spPr>
+        <p:txBody>
+          <a:bodyPr anchorCtr="0" anchor="t" bIns="91425" lIns="91425" spcFirstLastPara="1" rIns="91425" wrap="square" tIns="91425">
+            <a:spAutoFit/>
+          </a:bodyPr>
+          <a:lstStyle/>
+          <a:p>
+            <a:pPr indent="0" lvl="0" marL="0" rtl="0" algn="ctr">
+              <a:spcBef>
+                <a:spcPts val="0"/>
+              </a:spcBef>
+              <a:spcAft>
+                <a:spcPts val="0"/>
+              </a:spcAft>
+              <a:buNone/>
+            </a:pPr>
+            <a:r>
+              <a:rPr b="1" lang="en" sz="1500">
+                <a:solidFill>
+                  <a:schemeClr val="dk2"/>
+                </a:solidFill>
+              </a:rPr>
+              <a:t>mxd</a:t>
+            </a:r>
+            <a:endParaRPr b="1" sz="1500"/>
+          </a:p>
+        </p:txBody>
+      </p:sp>
+      <p:sp>
+        <p:nvSpPr>
+          <p:cNvPr id="188" name="Google Shape;188;p19"/>
+          <p:cNvSpPr txBox="1"/>
+          <p:nvPr/>
+        </p:nvSpPr>
+        <p:spPr>
+          <a:xfrm>
+            <a:off x="2938566" y="3590906"/>
+            <a:ext cx="891900" cy="316800"/>
+          </a:xfrm>
+          <a:prstGeom prst="rect">
+            <a:avLst/>
+          </a:prstGeom>
+          <a:noFill/>
+          <a:ln>
+            <a:noFill/>
+          </a:ln>
+        </p:spPr>
+        <p:txBody>
+          <a:bodyPr anchorCtr="0" anchor="t" bIns="91425" lIns="91425" spcFirstLastPara="1" rIns="91425" wrap="square" tIns="91425">
+            <a:noAutofit/>
+          </a:bodyPr>
+          <a:lstStyle/>
+          <a:p>
+            <a:pPr indent="0" lvl="0" marL="0" rtl="0" algn="ctr">
+              <a:spcBef>
+                <a:spcPts val="0"/>
+              </a:spcBef>
+              <a:spcAft>
+                <a:spcPts val="0"/>
+              </a:spcAft>
+              <a:buClr>
+                <a:schemeClr val="dk1"/>
+              </a:buClr>
+              <a:buSzPts val="1100"/>
+              <a:buFont typeface="Arial"/>
+              <a:buNone/>
+            </a:pPr>
+            <a:r>
+              <a:rPr b="1" lang="en" sz="1600">
+                <a:solidFill>
+                  <a:schemeClr val="dk2"/>
+                </a:solidFill>
+              </a:rPr>
+              <a:t>z</a:t>
+            </a:r>
+            <a:r>
+              <a:rPr b="1" lang="en" sz="1600">
+                <a:solidFill>
+                  <a:schemeClr val="dk2"/>
+                </a:solidFill>
+              </a:rPr>
+              <a:t>W</a:t>
+            </a:r>
+            <a:r>
+              <a:rPr b="1" baseline="30000" lang="en" sz="1600">
+                <a:solidFill>
+                  <a:schemeClr val="dk2"/>
+                </a:solidFill>
+              </a:rPr>
+              <a:t>(*)</a:t>
+            </a:r>
+            <a:endParaRPr b="1" sz="1600">
+              <a:solidFill>
+                <a:schemeClr val="dk2"/>
+              </a:solidFill>
+            </a:endParaRPr>
+          </a:p>
+        </p:txBody>
+      </p:sp>
+      <p:sp>
+        <p:nvSpPr>
+          <p:cNvPr id="189" name="Google Shape;189;p19"/>
+          <p:cNvSpPr/>
+          <p:nvPr/>
+        </p:nvSpPr>
+        <p:spPr>
+          <a:xfrm>
+            <a:off x="4748517" y="2479661"/>
+            <a:ext cx="198900" cy="196500"/>
+          </a:xfrm>
+          <a:prstGeom prst="ellipse">
+            <a:avLst/>
+          </a:prstGeom>
+          <a:solidFill>
+            <a:schemeClr val="lt2"/>
+          </a:solidFill>
+          <a:ln cap="flat" cmpd="sng" w="9525">
+            <a:solidFill>
+              <a:schemeClr val="dk2"/>
+            </a:solidFill>
+            <a:prstDash val="solid"/>
+            <a:round/>
+            <a:headEnd len="sm" w="sm" type="none"/>
+            <a:tailEnd len="sm" w="sm" type="none"/>
+          </a:ln>
+        </p:spPr>
+        <p:txBody>
+          <a:bodyPr anchorCtr="0" anchor="ctr" bIns="91425" lIns="91425" spcFirstLastPara="1" rIns="91425" wrap="square" tIns="91425">
+            <a:noAutofit/>
+          </a:bodyPr>
+          <a:lstStyle/>
+          <a:p>
+            <a:pPr indent="0" lvl="0" marL="0" rtl="0" algn="ctr">
+              <a:spcBef>
+                <a:spcPts val="0"/>
+              </a:spcBef>
+              <a:spcAft>
+                <a:spcPts val="0"/>
+              </a:spcAft>
+              <a:buNone/>
+            </a:pPr>
+            <a:r>
+              <a:t/>
+            </a:r>
+            <a:endParaRPr/>
+          </a:p>
+        </p:txBody>
+      </p:sp>
+      <p:sp>
+        <p:nvSpPr>
+          <p:cNvPr id="190" name="Google Shape;190;p19"/>
+          <p:cNvSpPr txBox="1"/>
+          <p:nvPr/>
+        </p:nvSpPr>
+        <p:spPr>
+          <a:xfrm>
+            <a:off x="4724400" y="2373900"/>
+            <a:ext cx="198900" cy="369300"/>
+          </a:xfrm>
+          <a:prstGeom prst="rect">
+            <a:avLst/>
+          </a:prstGeom>
+          <a:noFill/>
+          <a:ln>
+            <a:noFill/>
+          </a:ln>
+        </p:spPr>
+        <p:txBody>
+          <a:bodyPr anchorCtr="0" anchor="t" bIns="91425" lIns="91425" spcFirstLastPara="1" rIns="91425" wrap="square" tIns="91425">
+            <a:spAutoFit/>
+          </a:bodyPr>
+          <a:lstStyle/>
+          <a:p>
+            <a:pPr indent="0" lvl="0" marL="0" rtl="0" algn="l">
+              <a:spcBef>
+                <a:spcPts val="0"/>
+              </a:spcBef>
+              <a:spcAft>
+                <a:spcPts val="0"/>
+              </a:spcAft>
+              <a:buNone/>
+            </a:pPr>
+            <a:r>
+              <a:rPr b="1" lang="en" sz="1200">
+                <a:solidFill>
+                  <a:schemeClr val="dk2"/>
+                </a:solidFill>
+              </a:rPr>
+              <a:t>x</a:t>
+            </a:r>
+            <a:endParaRPr b="1" sz="1200">
+              <a:solidFill>
+                <a:schemeClr val="dk2"/>
+              </a:solidFill>
+            </a:endParaRPr>
+          </a:p>
+        </p:txBody>
+      </p:sp>
+      <p:sp>
+        <p:nvSpPr>
+          <p:cNvPr id="191" name="Google Shape;191;p19"/>
+          <p:cNvSpPr/>
+          <p:nvPr/>
+        </p:nvSpPr>
+        <p:spPr>
+          <a:xfrm>
+            <a:off x="6506700" y="4296761"/>
+            <a:ext cx="198900" cy="196500"/>
+          </a:xfrm>
+          <a:prstGeom prst="ellipse">
+            <a:avLst/>
+          </a:prstGeom>
+          <a:solidFill>
+            <a:schemeClr val="lt2"/>
+          </a:solidFill>
+          <a:ln cap="flat" cmpd="sng" w="9525">
+            <a:solidFill>
+              <a:schemeClr val="dk2"/>
+            </a:solidFill>
+            <a:prstDash val="solid"/>
+            <a:round/>
+            <a:headEnd len="sm" w="sm" type="none"/>
+            <a:tailEnd len="sm" w="sm" type="none"/>
+          </a:ln>
+        </p:spPr>
+        <p:txBody>
+          <a:bodyPr anchorCtr="0" anchor="ctr" bIns="91425" lIns="91425" spcFirstLastPara="1" rIns="91425" wrap="square" tIns="91425">
+            <a:noAutofit/>
+          </a:bodyPr>
+          <a:lstStyle/>
+          <a:p>
+            <a:pPr indent="0" lvl="0" marL="0" rtl="0" algn="ctr">
+              <a:spcBef>
+                <a:spcPts val="0"/>
+              </a:spcBef>
+              <a:spcAft>
+                <a:spcPts val="0"/>
+              </a:spcAft>
+              <a:buNone/>
+            </a:pPr>
+            <a:r>
+              <a:t/>
+            </a:r>
+            <a:endParaRPr/>
+          </a:p>
+        </p:txBody>
+      </p:sp>
+      <p:sp>
+        <p:nvSpPr>
+          <p:cNvPr id="192" name="Google Shape;192;p19"/>
+          <p:cNvSpPr txBox="1"/>
+          <p:nvPr/>
+        </p:nvSpPr>
+        <p:spPr>
+          <a:xfrm>
+            <a:off x="6482583" y="4191000"/>
+            <a:ext cx="198900" cy="369300"/>
+          </a:xfrm>
+          <a:prstGeom prst="rect">
+            <a:avLst/>
+          </a:prstGeom>
+          <a:noFill/>
+          <a:ln>
+            <a:noFill/>
+          </a:ln>
+        </p:spPr>
+        <p:txBody>
+          <a:bodyPr anchorCtr="0" anchor="t" bIns="91425" lIns="91425" spcFirstLastPara="1" rIns="91425" wrap="square" tIns="91425">
+            <a:spAutoFit/>
+          </a:bodyPr>
+          <a:lstStyle/>
+          <a:p>
+            <a:pPr indent="0" lvl="0" marL="0" rtl="0" algn="l">
+              <a:spcBef>
+                <a:spcPts val="0"/>
+              </a:spcBef>
+              <a:spcAft>
+                <a:spcPts val="0"/>
+              </a:spcAft>
+              <a:buNone/>
+            </a:pPr>
+            <a:r>
+              <a:rPr b="1" lang="en" sz="1200">
+                <a:solidFill>
+                  <a:schemeClr val="dk2"/>
+                </a:solidFill>
+              </a:rPr>
+              <a:t>x</a:t>
+            </a:r>
+            <a:endParaRPr b="1" sz="1200">
+              <a:solidFill>
+                <a:schemeClr val="dk2"/>
+              </a:solidFill>
+            </a:endParaRPr>
+          </a:p>
+        </p:txBody>
+      </p:sp>
+      <p:sp>
+        <p:nvSpPr>
+          <p:cNvPr id="193" name="Google Shape;193;p19"/>
+          <p:cNvSpPr/>
+          <p:nvPr/>
+        </p:nvSpPr>
+        <p:spPr>
+          <a:xfrm>
+            <a:off x="5984600" y="1879250"/>
+            <a:ext cx="1102800" cy="1050300"/>
+          </a:xfrm>
+          <a:prstGeom prst="bracketPair">
+            <a:avLst/>
+          </a:prstGeom>
+          <a:solidFill>
+            <a:srgbClr val="CCCCCC"/>
+          </a:solidFill>
+          <a:ln cap="flat" cmpd="sng" w="19050">
+            <a:solidFill>
+              <a:schemeClr val="dk1"/>
+            </a:solidFill>
+            <a:prstDash val="solid"/>
+            <a:round/>
+            <a:headEnd len="sm" w="sm" type="none"/>
+            <a:tailEnd len="sm" w="sm" type="none"/>
+          </a:ln>
+        </p:spPr>
+        <p:txBody>
+          <a:bodyPr anchorCtr="0" anchor="ctr" bIns="91425" lIns="91425" spcFirstLastPara="1" rIns="91425" wrap="square" tIns="91425">
+            <a:noAutofit/>
+          </a:bodyPr>
+          <a:lstStyle/>
+          <a:p>
+            <a:pPr indent="0" lvl="0" marL="0" rtl="0" algn="ctr">
+              <a:spcBef>
+                <a:spcPts val="0"/>
+              </a:spcBef>
+              <a:spcAft>
+                <a:spcPts val="0"/>
+              </a:spcAft>
+              <a:buNone/>
+            </a:pPr>
+            <a:r>
+              <a:t/>
+            </a:r>
+            <a:endParaRPr/>
+          </a:p>
+        </p:txBody>
+      </p:sp>
+      <p:sp>
+        <p:nvSpPr>
+          <p:cNvPr id="194" name="Google Shape;194;p19"/>
           <p:cNvSpPr/>
           <p:nvPr/>
         </p:nvSpPr>
@@ -11657,7 +11984,7 @@
       </p:sp>
       <p:sp>
         <p:nvSpPr>
-          <p:cNvPr id="189" name="Google Shape;189;p18"/>
+          <p:cNvPr id="195" name="Google Shape;195;p19"/>
           <p:cNvSpPr txBox="1"/>
           <p:nvPr/>
         </p:nvSpPr>
@@ -11705,6 +12032,1732 @@
           </a:p>
         </p:txBody>
       </p:sp>
+    </p:spTree>
+  </p:cSld>
+  <p:clrMapOvr>
+    <a:masterClrMapping/>
+  </p:clrMapOvr>
+</p:sld>
+</file>
+
+<file path=ppt/slides/slide8.xml><?xml version="1.0" encoding="utf-8"?>
+<p:sld xmlns:a="http://schemas.openxmlformats.org/drawingml/2006/main" xmlns:r="http://schemas.openxmlformats.org/officeDocument/2006/relationships" xmlns:mc="http://schemas.openxmlformats.org/markup-compatibility/2006" xmlns:mv="urn:schemas-microsoft-com:mac:vml" xmlns:p="http://schemas.openxmlformats.org/presentationml/2006/main" xmlns:c="http://schemas.openxmlformats.org/drawingml/2006/chart" xmlns:dgm="http://schemas.openxmlformats.org/drawingml/2006/diagram" xmlns:o="urn:schemas-microsoft-com:office:office" xmlns:v="urn:schemas-microsoft-com:vml" xmlns:pvml="urn:schemas-microsoft-com:office:powerpoint" xmlns:com="http://schemas.openxmlformats.org/drawingml/2006/compatibility" xmlns:p14="http://schemas.microsoft.com/office/powerpoint/2010/main" xmlns:p15="http://schemas.microsoft.com/office/powerpoint/2012/main" xmlns:ahyp="http://schemas.microsoft.com/office/drawing/2018/hyperlinkcolor">
+  <p:cSld>
+    <p:spTree>
+      <p:nvGrpSpPr>
+        <p:cNvPr id="199" name="Shape 199"/>
+        <p:cNvGrpSpPr/>
+        <p:nvPr/>
+      </p:nvGrpSpPr>
+      <p:grpSpPr>
+        <a:xfrm>
+          <a:off x="0" y="0"/>
+          <a:ext cx="0" cy="0"/>
+          <a:chOff x="0" y="0"/>
+          <a:chExt cx="0" cy="0"/>
+        </a:xfrm>
+      </p:grpSpPr>
+      <p:sp>
+        <p:nvSpPr>
+          <p:cNvPr id="200" name="Google Shape;200;p20"/>
+          <p:cNvSpPr/>
+          <p:nvPr/>
+        </p:nvSpPr>
+        <p:spPr>
+          <a:xfrm>
+            <a:off x="238550" y="1552100"/>
+            <a:ext cx="1629900" cy="954300"/>
+          </a:xfrm>
+          <a:prstGeom prst="rect">
+            <a:avLst/>
+          </a:prstGeom>
+          <a:solidFill>
+            <a:srgbClr val="93C47D"/>
+          </a:solidFill>
+          <a:ln cap="flat" cmpd="sng" w="9525">
+            <a:solidFill>
+              <a:schemeClr val="dk2"/>
+            </a:solidFill>
+            <a:prstDash val="solid"/>
+            <a:round/>
+            <a:headEnd len="sm" w="sm" type="none"/>
+            <a:tailEnd len="sm" w="sm" type="none"/>
+          </a:ln>
+        </p:spPr>
+        <p:txBody>
+          <a:bodyPr anchorCtr="0" anchor="ctr" bIns="91425" lIns="91425" spcFirstLastPara="1" rIns="91425" wrap="square" tIns="91425">
+            <a:noAutofit/>
+          </a:bodyPr>
+          <a:lstStyle/>
+          <a:p>
+            <a:pPr indent="0" lvl="0" marL="0" rtl="0" algn="ctr">
+              <a:spcBef>
+                <a:spcPts val="0"/>
+              </a:spcBef>
+              <a:spcAft>
+                <a:spcPts val="0"/>
+              </a:spcAft>
+              <a:buNone/>
+            </a:pPr>
+            <a:r>
+              <a:t/>
+            </a:r>
+            <a:endParaRPr/>
+          </a:p>
+        </p:txBody>
+      </p:sp>
+      <p:sp>
+        <p:nvSpPr>
+          <p:cNvPr id="201" name="Google Shape;201;p20"/>
+          <p:cNvSpPr txBox="1"/>
+          <p:nvPr/>
+        </p:nvSpPr>
+        <p:spPr>
+          <a:xfrm>
+            <a:off x="238550" y="1803950"/>
+            <a:ext cx="1629900" cy="450600"/>
+          </a:xfrm>
+          <a:prstGeom prst="rect">
+            <a:avLst/>
+          </a:prstGeom>
+          <a:noFill/>
+          <a:ln>
+            <a:noFill/>
+          </a:ln>
+        </p:spPr>
+        <p:txBody>
+          <a:bodyPr anchorCtr="0" anchor="t" bIns="91425" lIns="91425" spcFirstLastPara="1" rIns="91425" wrap="square" tIns="91425">
+            <a:noAutofit/>
+          </a:bodyPr>
+          <a:lstStyle/>
+          <a:p>
+            <a:pPr indent="0" lvl="0" marL="0" rtl="0" algn="ctr">
+              <a:spcBef>
+                <a:spcPts val="0"/>
+              </a:spcBef>
+              <a:spcAft>
+                <a:spcPts val="0"/>
+              </a:spcAft>
+              <a:buNone/>
+            </a:pPr>
+            <a:r>
+              <a:rPr lang="en" sz="1800">
+                <a:solidFill>
+                  <a:schemeClr val="dk2"/>
+                </a:solidFill>
+              </a:rPr>
+              <a:t>Self-Attention</a:t>
+            </a:r>
+            <a:endParaRPr sz="1800">
+              <a:solidFill>
+                <a:schemeClr val="dk2"/>
+              </a:solidFill>
+            </a:endParaRPr>
+          </a:p>
+        </p:txBody>
+      </p:sp>
+      <p:sp>
+        <p:nvSpPr>
+          <p:cNvPr id="202" name="Google Shape;202;p20"/>
+          <p:cNvSpPr/>
+          <p:nvPr/>
+        </p:nvSpPr>
+        <p:spPr>
+          <a:xfrm>
+            <a:off x="2378850" y="1552100"/>
+            <a:ext cx="1629900" cy="954300"/>
+          </a:xfrm>
+          <a:prstGeom prst="rect">
+            <a:avLst/>
+          </a:prstGeom>
+          <a:solidFill>
+            <a:srgbClr val="93C47D"/>
+          </a:solidFill>
+          <a:ln cap="flat" cmpd="sng" w="9525">
+            <a:solidFill>
+              <a:schemeClr val="dk2"/>
+            </a:solidFill>
+            <a:prstDash val="solid"/>
+            <a:round/>
+            <a:headEnd len="sm" w="sm" type="none"/>
+            <a:tailEnd len="sm" w="sm" type="none"/>
+          </a:ln>
+        </p:spPr>
+        <p:txBody>
+          <a:bodyPr anchorCtr="0" anchor="ctr" bIns="91425" lIns="91425" spcFirstLastPara="1" rIns="91425" wrap="square" tIns="91425">
+            <a:noAutofit/>
+          </a:bodyPr>
+          <a:lstStyle/>
+          <a:p>
+            <a:pPr indent="0" lvl="0" marL="0" rtl="0" algn="ctr">
+              <a:spcBef>
+                <a:spcPts val="0"/>
+              </a:spcBef>
+              <a:spcAft>
+                <a:spcPts val="0"/>
+              </a:spcAft>
+              <a:buNone/>
+            </a:pPr>
+            <a:r>
+              <a:t/>
+            </a:r>
+            <a:endParaRPr/>
+          </a:p>
+        </p:txBody>
+      </p:sp>
+      <p:sp>
+        <p:nvSpPr>
+          <p:cNvPr id="203" name="Google Shape;203;p20"/>
+          <p:cNvSpPr txBox="1"/>
+          <p:nvPr/>
+        </p:nvSpPr>
+        <p:spPr>
+          <a:xfrm>
+            <a:off x="2378850" y="1803950"/>
+            <a:ext cx="1629900" cy="450600"/>
+          </a:xfrm>
+          <a:prstGeom prst="rect">
+            <a:avLst/>
+          </a:prstGeom>
+          <a:noFill/>
+          <a:ln>
+            <a:noFill/>
+          </a:ln>
+        </p:spPr>
+        <p:txBody>
+          <a:bodyPr anchorCtr="0" anchor="t" bIns="91425" lIns="91425" spcFirstLastPara="1" rIns="91425" wrap="square" tIns="91425">
+            <a:noAutofit/>
+          </a:bodyPr>
+          <a:lstStyle/>
+          <a:p>
+            <a:pPr indent="0" lvl="0" marL="0" rtl="0" algn="ctr">
+              <a:spcBef>
+                <a:spcPts val="0"/>
+              </a:spcBef>
+              <a:spcAft>
+                <a:spcPts val="0"/>
+              </a:spcAft>
+              <a:buNone/>
+            </a:pPr>
+            <a:r>
+              <a:rPr lang="en" sz="1800">
+                <a:solidFill>
+                  <a:schemeClr val="dk2"/>
+                </a:solidFill>
+              </a:rPr>
+              <a:t>Self-Attention</a:t>
+            </a:r>
+            <a:endParaRPr sz="1800">
+              <a:solidFill>
+                <a:schemeClr val="dk2"/>
+              </a:solidFill>
+            </a:endParaRPr>
+          </a:p>
+        </p:txBody>
+      </p:sp>
+      <p:sp>
+        <p:nvSpPr>
+          <p:cNvPr id="204" name="Google Shape;204;p20"/>
+          <p:cNvSpPr txBox="1"/>
+          <p:nvPr/>
+        </p:nvSpPr>
+        <p:spPr>
+          <a:xfrm>
+            <a:off x="1868439" y="1778161"/>
+            <a:ext cx="1380300" cy="502200"/>
+          </a:xfrm>
+          <a:prstGeom prst="rect">
+            <a:avLst/>
+          </a:prstGeom>
+          <a:noFill/>
+          <a:ln>
+            <a:noFill/>
+          </a:ln>
+        </p:spPr>
+        <p:txBody>
+          <a:bodyPr anchorCtr="0" anchor="t" bIns="91425" lIns="91425" spcFirstLastPara="1" rIns="91425" wrap="square" tIns="91425">
+            <a:noAutofit/>
+          </a:bodyPr>
+          <a:lstStyle/>
+          <a:p>
+            <a:pPr indent="0" lvl="0" marL="0" rtl="0" algn="l">
+              <a:spcBef>
+                <a:spcPts val="0"/>
+              </a:spcBef>
+              <a:spcAft>
+                <a:spcPts val="0"/>
+              </a:spcAft>
+              <a:buNone/>
+            </a:pPr>
+            <a:r>
+              <a:rPr lang="en" sz="1800">
+                <a:solidFill>
+                  <a:schemeClr val="dk2"/>
+                </a:solidFill>
+              </a:rPr>
+              <a:t>. . .</a:t>
+            </a:r>
+            <a:endParaRPr sz="1800">
+              <a:solidFill>
+                <a:schemeClr val="dk2"/>
+              </a:solidFill>
+            </a:endParaRPr>
+          </a:p>
+        </p:txBody>
+      </p:sp>
+      <p:sp>
+        <p:nvSpPr>
+          <p:cNvPr id="205" name="Google Shape;205;p20"/>
+          <p:cNvSpPr/>
+          <p:nvPr/>
+        </p:nvSpPr>
+        <p:spPr>
+          <a:xfrm>
+            <a:off x="5198350" y="1552100"/>
+            <a:ext cx="1629900" cy="954300"/>
+          </a:xfrm>
+          <a:prstGeom prst="rect">
+            <a:avLst/>
+          </a:prstGeom>
+          <a:solidFill>
+            <a:srgbClr val="76A5AF"/>
+          </a:solidFill>
+          <a:ln cap="flat" cmpd="sng" w="9525">
+            <a:solidFill>
+              <a:schemeClr val="dk2"/>
+            </a:solidFill>
+            <a:prstDash val="solid"/>
+            <a:round/>
+            <a:headEnd len="sm" w="sm" type="none"/>
+            <a:tailEnd len="sm" w="sm" type="none"/>
+          </a:ln>
+        </p:spPr>
+        <p:txBody>
+          <a:bodyPr anchorCtr="0" anchor="ctr" bIns="91425" lIns="91425" spcFirstLastPara="1" rIns="91425" wrap="square" tIns="91425">
+            <a:noAutofit/>
+          </a:bodyPr>
+          <a:lstStyle/>
+          <a:p>
+            <a:pPr indent="0" lvl="0" marL="0" rtl="0" algn="ctr">
+              <a:spcBef>
+                <a:spcPts val="0"/>
+              </a:spcBef>
+              <a:spcAft>
+                <a:spcPts val="0"/>
+              </a:spcAft>
+              <a:buNone/>
+            </a:pPr>
+            <a:r>
+              <a:t/>
+            </a:r>
+            <a:endParaRPr/>
+          </a:p>
+        </p:txBody>
+      </p:sp>
+      <p:sp>
+        <p:nvSpPr>
+          <p:cNvPr id="206" name="Google Shape;206;p20"/>
+          <p:cNvSpPr txBox="1"/>
+          <p:nvPr/>
+        </p:nvSpPr>
+        <p:spPr>
+          <a:xfrm>
+            <a:off x="5032650" y="1803950"/>
+            <a:ext cx="1954500" cy="450600"/>
+          </a:xfrm>
+          <a:prstGeom prst="rect">
+            <a:avLst/>
+          </a:prstGeom>
+          <a:noFill/>
+          <a:ln>
+            <a:noFill/>
+          </a:ln>
+        </p:spPr>
+        <p:txBody>
+          <a:bodyPr anchorCtr="0" anchor="t" bIns="91425" lIns="91425" spcFirstLastPara="1" rIns="91425" wrap="square" tIns="91425">
+            <a:noAutofit/>
+          </a:bodyPr>
+          <a:lstStyle/>
+          <a:p>
+            <a:pPr indent="0" lvl="0" marL="0" rtl="0" algn="ctr">
+              <a:spcBef>
+                <a:spcPts val="0"/>
+              </a:spcBef>
+              <a:spcAft>
+                <a:spcPts val="0"/>
+              </a:spcAft>
+              <a:buNone/>
+            </a:pPr>
+            <a:r>
+              <a:rPr lang="en" sz="1800">
+                <a:solidFill>
+                  <a:schemeClr val="dk2"/>
+                </a:solidFill>
+              </a:rPr>
+              <a:t>Cross-Attention</a:t>
+            </a:r>
+            <a:endParaRPr sz="1800">
+              <a:solidFill>
+                <a:schemeClr val="dk2"/>
+              </a:solidFill>
+            </a:endParaRPr>
+          </a:p>
+        </p:txBody>
+      </p:sp>
+      <p:sp>
+        <p:nvSpPr>
+          <p:cNvPr id="207" name="Google Shape;207;p20"/>
+          <p:cNvSpPr txBox="1"/>
+          <p:nvPr/>
+        </p:nvSpPr>
+        <p:spPr>
+          <a:xfrm>
+            <a:off x="6828239" y="1778161"/>
+            <a:ext cx="1380300" cy="502200"/>
+          </a:xfrm>
+          <a:prstGeom prst="rect">
+            <a:avLst/>
+          </a:prstGeom>
+          <a:noFill/>
+          <a:ln>
+            <a:noFill/>
+          </a:ln>
+        </p:spPr>
+        <p:txBody>
+          <a:bodyPr anchorCtr="0" anchor="t" bIns="91425" lIns="91425" spcFirstLastPara="1" rIns="91425" wrap="square" tIns="91425">
+            <a:noAutofit/>
+          </a:bodyPr>
+          <a:lstStyle/>
+          <a:p>
+            <a:pPr indent="0" lvl="0" marL="0" rtl="0" algn="l">
+              <a:spcBef>
+                <a:spcPts val="0"/>
+              </a:spcBef>
+              <a:spcAft>
+                <a:spcPts val="0"/>
+              </a:spcAft>
+              <a:buNone/>
+            </a:pPr>
+            <a:r>
+              <a:rPr lang="en" sz="1800">
+                <a:solidFill>
+                  <a:schemeClr val="dk2"/>
+                </a:solidFill>
+              </a:rPr>
+              <a:t>. . .</a:t>
+            </a:r>
+            <a:endParaRPr sz="1800">
+              <a:solidFill>
+                <a:schemeClr val="dk2"/>
+              </a:solidFill>
+            </a:endParaRPr>
+          </a:p>
+        </p:txBody>
+      </p:sp>
+      <p:sp>
+        <p:nvSpPr>
+          <p:cNvPr id="208" name="Google Shape;208;p20"/>
+          <p:cNvSpPr/>
+          <p:nvPr/>
+        </p:nvSpPr>
+        <p:spPr>
+          <a:xfrm>
+            <a:off x="7351800" y="1552100"/>
+            <a:ext cx="1629900" cy="954300"/>
+          </a:xfrm>
+          <a:prstGeom prst="rect">
+            <a:avLst/>
+          </a:prstGeom>
+          <a:solidFill>
+            <a:srgbClr val="76A5AF"/>
+          </a:solidFill>
+          <a:ln cap="flat" cmpd="sng" w="9525">
+            <a:solidFill>
+              <a:schemeClr val="dk2"/>
+            </a:solidFill>
+            <a:prstDash val="solid"/>
+            <a:round/>
+            <a:headEnd len="sm" w="sm" type="none"/>
+            <a:tailEnd len="sm" w="sm" type="none"/>
+          </a:ln>
+        </p:spPr>
+        <p:txBody>
+          <a:bodyPr anchorCtr="0" anchor="ctr" bIns="91425" lIns="91425" spcFirstLastPara="1" rIns="91425" wrap="square" tIns="91425">
+            <a:noAutofit/>
+          </a:bodyPr>
+          <a:lstStyle/>
+          <a:p>
+            <a:pPr indent="0" lvl="0" marL="0" rtl="0" algn="ctr">
+              <a:spcBef>
+                <a:spcPts val="0"/>
+              </a:spcBef>
+              <a:spcAft>
+                <a:spcPts val="0"/>
+              </a:spcAft>
+              <a:buNone/>
+            </a:pPr>
+            <a:r>
+              <a:t/>
+            </a:r>
+            <a:endParaRPr/>
+          </a:p>
+        </p:txBody>
+      </p:sp>
+      <p:sp>
+        <p:nvSpPr>
+          <p:cNvPr id="209" name="Google Shape;209;p20"/>
+          <p:cNvSpPr txBox="1"/>
+          <p:nvPr/>
+        </p:nvSpPr>
+        <p:spPr>
+          <a:xfrm>
+            <a:off x="7189500" y="1803950"/>
+            <a:ext cx="1954500" cy="450600"/>
+          </a:xfrm>
+          <a:prstGeom prst="rect">
+            <a:avLst/>
+          </a:prstGeom>
+          <a:noFill/>
+          <a:ln>
+            <a:noFill/>
+          </a:ln>
+        </p:spPr>
+        <p:txBody>
+          <a:bodyPr anchorCtr="0" anchor="t" bIns="91425" lIns="91425" spcFirstLastPara="1" rIns="91425" wrap="square" tIns="91425">
+            <a:noAutofit/>
+          </a:bodyPr>
+          <a:lstStyle/>
+          <a:p>
+            <a:pPr indent="0" lvl="0" marL="0" rtl="0" algn="ctr">
+              <a:spcBef>
+                <a:spcPts val="0"/>
+              </a:spcBef>
+              <a:spcAft>
+                <a:spcPts val="0"/>
+              </a:spcAft>
+              <a:buNone/>
+            </a:pPr>
+            <a:r>
+              <a:rPr lang="en" sz="1800">
+                <a:solidFill>
+                  <a:schemeClr val="dk2"/>
+                </a:solidFill>
+              </a:rPr>
+              <a:t>Cross-Attention</a:t>
+            </a:r>
+            <a:endParaRPr sz="1800">
+              <a:solidFill>
+                <a:schemeClr val="dk2"/>
+              </a:solidFill>
+            </a:endParaRPr>
+          </a:p>
+        </p:txBody>
+      </p:sp>
+      <p:sp>
+        <p:nvSpPr>
+          <p:cNvPr id="210" name="Google Shape;210;p20"/>
+          <p:cNvSpPr/>
+          <p:nvPr/>
+        </p:nvSpPr>
+        <p:spPr>
+          <a:xfrm>
+            <a:off x="238550" y="2897200"/>
+            <a:ext cx="1629900" cy="954300"/>
+          </a:xfrm>
+          <a:prstGeom prst="rect">
+            <a:avLst/>
+          </a:prstGeom>
+          <a:solidFill>
+            <a:srgbClr val="93C47D"/>
+          </a:solidFill>
+          <a:ln cap="flat" cmpd="sng" w="9525">
+            <a:solidFill>
+              <a:schemeClr val="dk2"/>
+            </a:solidFill>
+            <a:prstDash val="solid"/>
+            <a:round/>
+            <a:headEnd len="sm" w="sm" type="none"/>
+            <a:tailEnd len="sm" w="sm" type="none"/>
+          </a:ln>
+        </p:spPr>
+        <p:txBody>
+          <a:bodyPr anchorCtr="0" anchor="ctr" bIns="91425" lIns="91425" spcFirstLastPara="1" rIns="91425" wrap="square" tIns="91425">
+            <a:noAutofit/>
+          </a:bodyPr>
+          <a:lstStyle/>
+          <a:p>
+            <a:pPr indent="0" lvl="0" marL="0" rtl="0" algn="ctr">
+              <a:spcBef>
+                <a:spcPts val="0"/>
+              </a:spcBef>
+              <a:spcAft>
+                <a:spcPts val="0"/>
+              </a:spcAft>
+              <a:buNone/>
+            </a:pPr>
+            <a:r>
+              <a:t/>
+            </a:r>
+            <a:endParaRPr/>
+          </a:p>
+        </p:txBody>
+      </p:sp>
+      <p:sp>
+        <p:nvSpPr>
+          <p:cNvPr id="211" name="Google Shape;211;p20"/>
+          <p:cNvSpPr txBox="1"/>
+          <p:nvPr/>
+        </p:nvSpPr>
+        <p:spPr>
+          <a:xfrm>
+            <a:off x="238550" y="3149050"/>
+            <a:ext cx="1629900" cy="450600"/>
+          </a:xfrm>
+          <a:prstGeom prst="rect">
+            <a:avLst/>
+          </a:prstGeom>
+          <a:noFill/>
+          <a:ln>
+            <a:noFill/>
+          </a:ln>
+        </p:spPr>
+        <p:txBody>
+          <a:bodyPr anchorCtr="0" anchor="t" bIns="91425" lIns="91425" spcFirstLastPara="1" rIns="91425" wrap="square" tIns="91425">
+            <a:noAutofit/>
+          </a:bodyPr>
+          <a:lstStyle/>
+          <a:p>
+            <a:pPr indent="0" lvl="0" marL="0" rtl="0" algn="ctr">
+              <a:spcBef>
+                <a:spcPts val="0"/>
+              </a:spcBef>
+              <a:spcAft>
+                <a:spcPts val="0"/>
+              </a:spcAft>
+              <a:buNone/>
+            </a:pPr>
+            <a:r>
+              <a:rPr lang="en" sz="1800">
+                <a:solidFill>
+                  <a:schemeClr val="dk2"/>
+                </a:solidFill>
+              </a:rPr>
+              <a:t>Self-Attention</a:t>
+            </a:r>
+            <a:endParaRPr sz="1800">
+              <a:solidFill>
+                <a:schemeClr val="dk2"/>
+              </a:solidFill>
+            </a:endParaRPr>
+          </a:p>
+        </p:txBody>
+      </p:sp>
+      <p:sp>
+        <p:nvSpPr>
+          <p:cNvPr id="212" name="Google Shape;212;p20"/>
+          <p:cNvSpPr/>
+          <p:nvPr/>
+        </p:nvSpPr>
+        <p:spPr>
+          <a:xfrm>
+            <a:off x="2378850" y="2897200"/>
+            <a:ext cx="1629900" cy="954300"/>
+          </a:xfrm>
+          <a:prstGeom prst="rect">
+            <a:avLst/>
+          </a:prstGeom>
+          <a:solidFill>
+            <a:srgbClr val="93C47D"/>
+          </a:solidFill>
+          <a:ln cap="flat" cmpd="sng" w="9525">
+            <a:solidFill>
+              <a:schemeClr val="dk2"/>
+            </a:solidFill>
+            <a:prstDash val="solid"/>
+            <a:round/>
+            <a:headEnd len="sm" w="sm" type="none"/>
+            <a:tailEnd len="sm" w="sm" type="none"/>
+          </a:ln>
+        </p:spPr>
+        <p:txBody>
+          <a:bodyPr anchorCtr="0" anchor="ctr" bIns="91425" lIns="91425" spcFirstLastPara="1" rIns="91425" wrap="square" tIns="91425">
+            <a:noAutofit/>
+          </a:bodyPr>
+          <a:lstStyle/>
+          <a:p>
+            <a:pPr indent="0" lvl="0" marL="0" rtl="0" algn="ctr">
+              <a:spcBef>
+                <a:spcPts val="0"/>
+              </a:spcBef>
+              <a:spcAft>
+                <a:spcPts val="0"/>
+              </a:spcAft>
+              <a:buNone/>
+            </a:pPr>
+            <a:r>
+              <a:t/>
+            </a:r>
+            <a:endParaRPr/>
+          </a:p>
+        </p:txBody>
+      </p:sp>
+      <p:sp>
+        <p:nvSpPr>
+          <p:cNvPr id="213" name="Google Shape;213;p20"/>
+          <p:cNvSpPr txBox="1"/>
+          <p:nvPr/>
+        </p:nvSpPr>
+        <p:spPr>
+          <a:xfrm>
+            <a:off x="2378850" y="3149050"/>
+            <a:ext cx="1629900" cy="450600"/>
+          </a:xfrm>
+          <a:prstGeom prst="rect">
+            <a:avLst/>
+          </a:prstGeom>
+          <a:noFill/>
+          <a:ln>
+            <a:noFill/>
+          </a:ln>
+        </p:spPr>
+        <p:txBody>
+          <a:bodyPr anchorCtr="0" anchor="t" bIns="91425" lIns="91425" spcFirstLastPara="1" rIns="91425" wrap="square" tIns="91425">
+            <a:noAutofit/>
+          </a:bodyPr>
+          <a:lstStyle/>
+          <a:p>
+            <a:pPr indent="0" lvl="0" marL="0" rtl="0" algn="ctr">
+              <a:spcBef>
+                <a:spcPts val="0"/>
+              </a:spcBef>
+              <a:spcAft>
+                <a:spcPts val="0"/>
+              </a:spcAft>
+              <a:buNone/>
+            </a:pPr>
+            <a:r>
+              <a:rPr lang="en" sz="1800">
+                <a:solidFill>
+                  <a:schemeClr val="dk2"/>
+                </a:solidFill>
+              </a:rPr>
+              <a:t>Self-Attention</a:t>
+            </a:r>
+            <a:endParaRPr sz="1800">
+              <a:solidFill>
+                <a:schemeClr val="dk2"/>
+              </a:solidFill>
+            </a:endParaRPr>
+          </a:p>
+        </p:txBody>
+      </p:sp>
+      <p:sp>
+        <p:nvSpPr>
+          <p:cNvPr id="214" name="Google Shape;214;p20"/>
+          <p:cNvSpPr txBox="1"/>
+          <p:nvPr/>
+        </p:nvSpPr>
+        <p:spPr>
+          <a:xfrm>
+            <a:off x="1868439" y="3123261"/>
+            <a:ext cx="1380300" cy="502200"/>
+          </a:xfrm>
+          <a:prstGeom prst="rect">
+            <a:avLst/>
+          </a:prstGeom>
+          <a:noFill/>
+          <a:ln>
+            <a:noFill/>
+          </a:ln>
+        </p:spPr>
+        <p:txBody>
+          <a:bodyPr anchorCtr="0" anchor="t" bIns="91425" lIns="91425" spcFirstLastPara="1" rIns="91425" wrap="square" tIns="91425">
+            <a:noAutofit/>
+          </a:bodyPr>
+          <a:lstStyle/>
+          <a:p>
+            <a:pPr indent="0" lvl="0" marL="0" rtl="0" algn="l">
+              <a:spcBef>
+                <a:spcPts val="0"/>
+              </a:spcBef>
+              <a:spcAft>
+                <a:spcPts val="0"/>
+              </a:spcAft>
+              <a:buNone/>
+            </a:pPr>
+            <a:r>
+              <a:rPr lang="en" sz="1800">
+                <a:solidFill>
+                  <a:schemeClr val="dk2"/>
+                </a:solidFill>
+              </a:rPr>
+              <a:t>. . .</a:t>
+            </a:r>
+            <a:endParaRPr sz="1800">
+              <a:solidFill>
+                <a:schemeClr val="dk2"/>
+              </a:solidFill>
+            </a:endParaRPr>
+          </a:p>
+        </p:txBody>
+      </p:sp>
+      <p:sp>
+        <p:nvSpPr>
+          <p:cNvPr id="215" name="Google Shape;215;p20"/>
+          <p:cNvSpPr/>
+          <p:nvPr/>
+        </p:nvSpPr>
+        <p:spPr>
+          <a:xfrm>
+            <a:off x="5198350" y="2897200"/>
+            <a:ext cx="1629900" cy="954300"/>
+          </a:xfrm>
+          <a:prstGeom prst="rect">
+            <a:avLst/>
+          </a:prstGeom>
+          <a:solidFill>
+            <a:srgbClr val="76A5AF"/>
+          </a:solidFill>
+          <a:ln cap="flat" cmpd="sng" w="9525">
+            <a:solidFill>
+              <a:schemeClr val="dk2"/>
+            </a:solidFill>
+            <a:prstDash val="solid"/>
+            <a:round/>
+            <a:headEnd len="sm" w="sm" type="none"/>
+            <a:tailEnd len="sm" w="sm" type="none"/>
+          </a:ln>
+        </p:spPr>
+        <p:txBody>
+          <a:bodyPr anchorCtr="0" anchor="ctr" bIns="91425" lIns="91425" spcFirstLastPara="1" rIns="91425" wrap="square" tIns="91425">
+            <a:noAutofit/>
+          </a:bodyPr>
+          <a:lstStyle/>
+          <a:p>
+            <a:pPr indent="0" lvl="0" marL="0" rtl="0" algn="ctr">
+              <a:spcBef>
+                <a:spcPts val="0"/>
+              </a:spcBef>
+              <a:spcAft>
+                <a:spcPts val="0"/>
+              </a:spcAft>
+              <a:buNone/>
+            </a:pPr>
+            <a:r>
+              <a:t/>
+            </a:r>
+            <a:endParaRPr/>
+          </a:p>
+        </p:txBody>
+      </p:sp>
+      <p:sp>
+        <p:nvSpPr>
+          <p:cNvPr id="216" name="Google Shape;216;p20"/>
+          <p:cNvSpPr txBox="1"/>
+          <p:nvPr/>
+        </p:nvSpPr>
+        <p:spPr>
+          <a:xfrm>
+            <a:off x="5032650" y="3149050"/>
+            <a:ext cx="1954500" cy="450600"/>
+          </a:xfrm>
+          <a:prstGeom prst="rect">
+            <a:avLst/>
+          </a:prstGeom>
+          <a:noFill/>
+          <a:ln>
+            <a:noFill/>
+          </a:ln>
+        </p:spPr>
+        <p:txBody>
+          <a:bodyPr anchorCtr="0" anchor="t" bIns="91425" lIns="91425" spcFirstLastPara="1" rIns="91425" wrap="square" tIns="91425">
+            <a:noAutofit/>
+          </a:bodyPr>
+          <a:lstStyle/>
+          <a:p>
+            <a:pPr indent="0" lvl="0" marL="0" rtl="0" algn="ctr">
+              <a:spcBef>
+                <a:spcPts val="0"/>
+              </a:spcBef>
+              <a:spcAft>
+                <a:spcPts val="0"/>
+              </a:spcAft>
+              <a:buNone/>
+            </a:pPr>
+            <a:r>
+              <a:rPr lang="en" sz="1800">
+                <a:solidFill>
+                  <a:schemeClr val="dk2"/>
+                </a:solidFill>
+              </a:rPr>
+              <a:t>Cross-Attention</a:t>
+            </a:r>
+            <a:endParaRPr sz="1800">
+              <a:solidFill>
+                <a:schemeClr val="dk2"/>
+              </a:solidFill>
+            </a:endParaRPr>
+          </a:p>
+        </p:txBody>
+      </p:sp>
+      <p:sp>
+        <p:nvSpPr>
+          <p:cNvPr id="217" name="Google Shape;217;p20"/>
+          <p:cNvSpPr txBox="1"/>
+          <p:nvPr/>
+        </p:nvSpPr>
+        <p:spPr>
+          <a:xfrm>
+            <a:off x="6828239" y="3123261"/>
+            <a:ext cx="1380300" cy="502200"/>
+          </a:xfrm>
+          <a:prstGeom prst="rect">
+            <a:avLst/>
+          </a:prstGeom>
+          <a:noFill/>
+          <a:ln>
+            <a:noFill/>
+          </a:ln>
+        </p:spPr>
+        <p:txBody>
+          <a:bodyPr anchorCtr="0" anchor="t" bIns="91425" lIns="91425" spcFirstLastPara="1" rIns="91425" wrap="square" tIns="91425">
+            <a:noAutofit/>
+          </a:bodyPr>
+          <a:lstStyle/>
+          <a:p>
+            <a:pPr indent="0" lvl="0" marL="0" rtl="0" algn="l">
+              <a:spcBef>
+                <a:spcPts val="0"/>
+              </a:spcBef>
+              <a:spcAft>
+                <a:spcPts val="0"/>
+              </a:spcAft>
+              <a:buNone/>
+            </a:pPr>
+            <a:r>
+              <a:rPr lang="en" sz="1800">
+                <a:solidFill>
+                  <a:schemeClr val="dk2"/>
+                </a:solidFill>
+              </a:rPr>
+              <a:t>. . .</a:t>
+            </a:r>
+            <a:endParaRPr sz="1800">
+              <a:solidFill>
+                <a:schemeClr val="dk2"/>
+              </a:solidFill>
+            </a:endParaRPr>
+          </a:p>
+        </p:txBody>
+      </p:sp>
+      <p:sp>
+        <p:nvSpPr>
+          <p:cNvPr id="218" name="Google Shape;218;p20"/>
+          <p:cNvSpPr/>
+          <p:nvPr/>
+        </p:nvSpPr>
+        <p:spPr>
+          <a:xfrm>
+            <a:off x="7351800" y="2897200"/>
+            <a:ext cx="1629900" cy="954300"/>
+          </a:xfrm>
+          <a:prstGeom prst="rect">
+            <a:avLst/>
+          </a:prstGeom>
+          <a:solidFill>
+            <a:srgbClr val="76A5AF"/>
+          </a:solidFill>
+          <a:ln cap="flat" cmpd="sng" w="9525">
+            <a:solidFill>
+              <a:schemeClr val="dk2"/>
+            </a:solidFill>
+            <a:prstDash val="solid"/>
+            <a:round/>
+            <a:headEnd len="sm" w="sm" type="none"/>
+            <a:tailEnd len="sm" w="sm" type="none"/>
+          </a:ln>
+        </p:spPr>
+        <p:txBody>
+          <a:bodyPr anchorCtr="0" anchor="ctr" bIns="91425" lIns="91425" spcFirstLastPara="1" rIns="91425" wrap="square" tIns="91425">
+            <a:noAutofit/>
+          </a:bodyPr>
+          <a:lstStyle/>
+          <a:p>
+            <a:pPr indent="0" lvl="0" marL="0" rtl="0" algn="ctr">
+              <a:spcBef>
+                <a:spcPts val="0"/>
+              </a:spcBef>
+              <a:spcAft>
+                <a:spcPts val="0"/>
+              </a:spcAft>
+              <a:buNone/>
+            </a:pPr>
+            <a:r>
+              <a:t/>
+            </a:r>
+            <a:endParaRPr/>
+          </a:p>
+        </p:txBody>
+      </p:sp>
+      <p:sp>
+        <p:nvSpPr>
+          <p:cNvPr id="219" name="Google Shape;219;p20"/>
+          <p:cNvSpPr txBox="1"/>
+          <p:nvPr/>
+        </p:nvSpPr>
+        <p:spPr>
+          <a:xfrm>
+            <a:off x="7189500" y="3149050"/>
+            <a:ext cx="1954500" cy="450600"/>
+          </a:xfrm>
+          <a:prstGeom prst="rect">
+            <a:avLst/>
+          </a:prstGeom>
+          <a:noFill/>
+          <a:ln>
+            <a:noFill/>
+          </a:ln>
+        </p:spPr>
+        <p:txBody>
+          <a:bodyPr anchorCtr="0" anchor="t" bIns="91425" lIns="91425" spcFirstLastPara="1" rIns="91425" wrap="square" tIns="91425">
+            <a:noAutofit/>
+          </a:bodyPr>
+          <a:lstStyle/>
+          <a:p>
+            <a:pPr indent="0" lvl="0" marL="0" rtl="0" algn="ctr">
+              <a:spcBef>
+                <a:spcPts val="0"/>
+              </a:spcBef>
+              <a:spcAft>
+                <a:spcPts val="0"/>
+              </a:spcAft>
+              <a:buNone/>
+            </a:pPr>
+            <a:r>
+              <a:rPr lang="en" sz="1800">
+                <a:solidFill>
+                  <a:schemeClr val="dk2"/>
+                </a:solidFill>
+              </a:rPr>
+              <a:t>Cross-Attention</a:t>
+            </a:r>
+            <a:endParaRPr sz="1800">
+              <a:solidFill>
+                <a:schemeClr val="dk2"/>
+              </a:solidFill>
+            </a:endParaRPr>
+          </a:p>
+        </p:txBody>
+      </p:sp>
+      <p:sp>
+        <p:nvSpPr>
+          <p:cNvPr id="220" name="Google Shape;220;p20"/>
+          <p:cNvSpPr txBox="1"/>
+          <p:nvPr/>
+        </p:nvSpPr>
+        <p:spPr>
+          <a:xfrm rot="5400000">
+            <a:off x="1437589" y="2945461"/>
+            <a:ext cx="1380300" cy="502200"/>
+          </a:xfrm>
+          <a:prstGeom prst="rect">
+            <a:avLst/>
+          </a:prstGeom>
+          <a:noFill/>
+          <a:ln>
+            <a:noFill/>
+          </a:ln>
+        </p:spPr>
+        <p:txBody>
+          <a:bodyPr anchorCtr="0" anchor="t" bIns="91425" lIns="91425" spcFirstLastPara="1" rIns="91425" wrap="square" tIns="91425">
+            <a:noAutofit/>
+          </a:bodyPr>
+          <a:lstStyle/>
+          <a:p>
+            <a:pPr indent="0" lvl="0" marL="0" rtl="0" algn="l">
+              <a:spcBef>
+                <a:spcPts val="0"/>
+              </a:spcBef>
+              <a:spcAft>
+                <a:spcPts val="0"/>
+              </a:spcAft>
+              <a:buNone/>
+            </a:pPr>
+            <a:r>
+              <a:rPr lang="en" sz="1800">
+                <a:solidFill>
+                  <a:schemeClr val="dk2"/>
+                </a:solidFill>
+              </a:rPr>
+              <a:t>. . .</a:t>
+            </a:r>
+            <a:endParaRPr sz="1800">
+              <a:solidFill>
+                <a:schemeClr val="dk2"/>
+              </a:solidFill>
+            </a:endParaRPr>
+          </a:p>
+        </p:txBody>
+      </p:sp>
+      <p:sp>
+        <p:nvSpPr>
+          <p:cNvPr id="221" name="Google Shape;221;p20"/>
+          <p:cNvSpPr txBox="1"/>
+          <p:nvPr/>
+        </p:nvSpPr>
+        <p:spPr>
+          <a:xfrm rot="-5400000">
+            <a:off x="6389189" y="1991161"/>
+            <a:ext cx="1380300" cy="502200"/>
+          </a:xfrm>
+          <a:prstGeom prst="rect">
+            <a:avLst/>
+          </a:prstGeom>
+          <a:noFill/>
+          <a:ln>
+            <a:noFill/>
+          </a:ln>
+        </p:spPr>
+        <p:txBody>
+          <a:bodyPr anchorCtr="0" anchor="t" bIns="91425" lIns="91425" spcFirstLastPara="1" rIns="91425" wrap="square" tIns="91425">
+            <a:noAutofit/>
+          </a:bodyPr>
+          <a:lstStyle/>
+          <a:p>
+            <a:pPr indent="0" lvl="0" marL="0" rtl="0" algn="l">
+              <a:spcBef>
+                <a:spcPts val="0"/>
+              </a:spcBef>
+              <a:spcAft>
+                <a:spcPts val="0"/>
+              </a:spcAft>
+              <a:buNone/>
+            </a:pPr>
+            <a:r>
+              <a:rPr lang="en" sz="1800">
+                <a:solidFill>
+                  <a:schemeClr val="dk2"/>
+                </a:solidFill>
+              </a:rPr>
+              <a:t>. . .</a:t>
+            </a:r>
+            <a:endParaRPr sz="1800">
+              <a:solidFill>
+                <a:schemeClr val="dk2"/>
+              </a:solidFill>
+            </a:endParaRPr>
+          </a:p>
+        </p:txBody>
+      </p:sp>
+      <p:sp>
+        <p:nvSpPr>
+          <p:cNvPr id="222" name="Google Shape;222;p20"/>
+          <p:cNvSpPr txBox="1"/>
+          <p:nvPr/>
+        </p:nvSpPr>
+        <p:spPr>
+          <a:xfrm>
+            <a:off x="4234014" y="1778161"/>
+            <a:ext cx="1380300" cy="502200"/>
+          </a:xfrm>
+          <a:prstGeom prst="rect">
+            <a:avLst/>
+          </a:prstGeom>
+          <a:noFill/>
+          <a:ln>
+            <a:noFill/>
+          </a:ln>
+        </p:spPr>
+        <p:txBody>
+          <a:bodyPr anchorCtr="0" anchor="t" bIns="91425" lIns="91425" spcFirstLastPara="1" rIns="91425" wrap="square" tIns="91425">
+            <a:noAutofit/>
+          </a:bodyPr>
+          <a:lstStyle/>
+          <a:p>
+            <a:pPr indent="0" lvl="0" marL="0" rtl="0" algn="l">
+              <a:spcBef>
+                <a:spcPts val="0"/>
+              </a:spcBef>
+              <a:spcAft>
+                <a:spcPts val="0"/>
+              </a:spcAft>
+              <a:buNone/>
+            </a:pPr>
+            <a:r>
+              <a:rPr lang="en" sz="1800">
+                <a:solidFill>
+                  <a:schemeClr val="dk2"/>
+                </a:solidFill>
+              </a:rPr>
+              <a:t>. . .</a:t>
+            </a:r>
+            <a:endParaRPr sz="1800">
+              <a:solidFill>
+                <a:schemeClr val="dk2"/>
+              </a:solidFill>
+            </a:endParaRPr>
+          </a:p>
+        </p:txBody>
+      </p:sp>
+      <p:sp>
+        <p:nvSpPr>
+          <p:cNvPr id="223" name="Google Shape;223;p20"/>
+          <p:cNvSpPr txBox="1"/>
+          <p:nvPr/>
+        </p:nvSpPr>
+        <p:spPr>
+          <a:xfrm>
+            <a:off x="4234014" y="3123261"/>
+            <a:ext cx="1380300" cy="502200"/>
+          </a:xfrm>
+          <a:prstGeom prst="rect">
+            <a:avLst/>
+          </a:prstGeom>
+          <a:noFill/>
+          <a:ln>
+            <a:noFill/>
+          </a:ln>
+        </p:spPr>
+        <p:txBody>
+          <a:bodyPr anchorCtr="0" anchor="t" bIns="91425" lIns="91425" spcFirstLastPara="1" rIns="91425" wrap="square" tIns="91425">
+            <a:noAutofit/>
+          </a:bodyPr>
+          <a:lstStyle/>
+          <a:p>
+            <a:pPr indent="0" lvl="0" marL="0" rtl="0" algn="l">
+              <a:spcBef>
+                <a:spcPts val="0"/>
+              </a:spcBef>
+              <a:spcAft>
+                <a:spcPts val="0"/>
+              </a:spcAft>
+              <a:buNone/>
+            </a:pPr>
+            <a:r>
+              <a:rPr lang="en" sz="1800">
+                <a:solidFill>
+                  <a:schemeClr val="dk2"/>
+                </a:solidFill>
+              </a:rPr>
+              <a:t>. . .</a:t>
+            </a:r>
+            <a:endParaRPr sz="1800">
+              <a:solidFill>
+                <a:schemeClr val="dk2"/>
+              </a:solidFill>
+            </a:endParaRPr>
+          </a:p>
+        </p:txBody>
+      </p:sp>
+      <p:sp>
+        <p:nvSpPr>
+          <p:cNvPr id="224" name="Google Shape;224;p20"/>
+          <p:cNvSpPr/>
+          <p:nvPr/>
+        </p:nvSpPr>
+        <p:spPr>
+          <a:xfrm>
+            <a:off x="3883950" y="4242300"/>
+            <a:ext cx="1473600" cy="901200"/>
+          </a:xfrm>
+          <a:prstGeom prst="trapezoid">
+            <a:avLst>
+              <a:gd fmla="val 25000" name="adj"/>
+            </a:avLst>
+          </a:prstGeom>
+          <a:solidFill>
+            <a:schemeClr val="lt2"/>
+          </a:solidFill>
+          <a:ln cap="flat" cmpd="sng" w="9525">
+            <a:solidFill>
+              <a:schemeClr val="dk2"/>
+            </a:solidFill>
+            <a:prstDash val="solid"/>
+            <a:round/>
+            <a:headEnd len="sm" w="sm" type="none"/>
+            <a:tailEnd len="sm" w="sm" type="none"/>
+          </a:ln>
+        </p:spPr>
+        <p:txBody>
+          <a:bodyPr anchorCtr="0" anchor="ctr" bIns="91425" lIns="91425" spcFirstLastPara="1" rIns="91425" wrap="square" tIns="91425">
+            <a:noAutofit/>
+          </a:bodyPr>
+          <a:lstStyle/>
+          <a:p>
+            <a:pPr indent="0" lvl="0" marL="0" rtl="0" algn="ctr">
+              <a:spcBef>
+                <a:spcPts val="0"/>
+              </a:spcBef>
+              <a:spcAft>
+                <a:spcPts val="0"/>
+              </a:spcAft>
+              <a:buNone/>
+            </a:pPr>
+            <a:r>
+              <a:rPr lang="en"/>
+              <a:t>Probability </a:t>
+            </a:r>
+            <a:r>
+              <a:rPr lang="en"/>
+              <a:t>Distribution</a:t>
+            </a:r>
+            <a:r>
+              <a:rPr lang="en"/>
+              <a:t> of Next Word</a:t>
+            </a:r>
+            <a:endParaRPr/>
+          </a:p>
+        </p:txBody>
+      </p:sp>
+      <p:cxnSp>
+        <p:nvCxnSpPr>
+          <p:cNvPr id="225" name="Google Shape;225;p20"/>
+          <p:cNvCxnSpPr>
+            <a:stCxn id="210" idx="2"/>
+            <a:endCxn id="224" idx="0"/>
+          </p:cNvCxnSpPr>
+          <p:nvPr/>
+        </p:nvCxnSpPr>
+        <p:spPr>
+          <a:xfrm>
+            <a:off x="1053500" y="3851500"/>
+            <a:ext cx="3567300" cy="390900"/>
+          </a:xfrm>
+          <a:prstGeom prst="straightConnector1">
+            <a:avLst/>
+          </a:prstGeom>
+          <a:noFill/>
+          <a:ln cap="flat" cmpd="sng" w="9525">
+            <a:solidFill>
+              <a:schemeClr val="dk2"/>
+            </a:solidFill>
+            <a:prstDash val="solid"/>
+            <a:round/>
+            <a:headEnd len="med" w="med" type="none"/>
+            <a:tailEnd len="med" w="med" type="none"/>
+          </a:ln>
+        </p:spPr>
+      </p:cxnSp>
+      <p:cxnSp>
+        <p:nvCxnSpPr>
+          <p:cNvPr id="226" name="Google Shape;226;p20"/>
+          <p:cNvCxnSpPr>
+            <a:stCxn id="212" idx="2"/>
+            <a:endCxn id="224" idx="0"/>
+          </p:cNvCxnSpPr>
+          <p:nvPr/>
+        </p:nvCxnSpPr>
+        <p:spPr>
+          <a:xfrm>
+            <a:off x="3193800" y="3851500"/>
+            <a:ext cx="1427100" cy="390900"/>
+          </a:xfrm>
+          <a:prstGeom prst="straightConnector1">
+            <a:avLst/>
+          </a:prstGeom>
+          <a:noFill/>
+          <a:ln cap="flat" cmpd="sng" w="9525">
+            <a:solidFill>
+              <a:schemeClr val="dk2"/>
+            </a:solidFill>
+            <a:prstDash val="solid"/>
+            <a:round/>
+            <a:headEnd len="med" w="med" type="none"/>
+            <a:tailEnd len="med" w="med" type="none"/>
+          </a:ln>
+        </p:spPr>
+      </p:cxnSp>
+      <p:cxnSp>
+        <p:nvCxnSpPr>
+          <p:cNvPr id="227" name="Google Shape;227;p20"/>
+          <p:cNvCxnSpPr>
+            <a:stCxn id="215" idx="2"/>
+            <a:endCxn id="224" idx="0"/>
+          </p:cNvCxnSpPr>
+          <p:nvPr/>
+        </p:nvCxnSpPr>
+        <p:spPr>
+          <a:xfrm flipH="1">
+            <a:off x="4620700" y="3851500"/>
+            <a:ext cx="1392600" cy="390900"/>
+          </a:xfrm>
+          <a:prstGeom prst="straightConnector1">
+            <a:avLst/>
+          </a:prstGeom>
+          <a:noFill/>
+          <a:ln cap="flat" cmpd="sng" w="9525">
+            <a:solidFill>
+              <a:schemeClr val="dk2"/>
+            </a:solidFill>
+            <a:prstDash val="solid"/>
+            <a:round/>
+            <a:headEnd len="med" w="med" type="none"/>
+            <a:tailEnd len="med" w="med" type="none"/>
+          </a:ln>
+        </p:spPr>
+      </p:cxnSp>
+      <p:cxnSp>
+        <p:nvCxnSpPr>
+          <p:cNvPr id="228" name="Google Shape;228;p20"/>
+          <p:cNvCxnSpPr>
+            <a:stCxn id="218" idx="2"/>
+            <a:endCxn id="224" idx="0"/>
+          </p:cNvCxnSpPr>
+          <p:nvPr/>
+        </p:nvCxnSpPr>
+        <p:spPr>
+          <a:xfrm flipH="1">
+            <a:off x="4620750" y="3851500"/>
+            <a:ext cx="3546000" cy="390900"/>
+          </a:xfrm>
+          <a:prstGeom prst="straightConnector1">
+            <a:avLst/>
+          </a:prstGeom>
+          <a:noFill/>
+          <a:ln cap="flat" cmpd="sng" w="9525">
+            <a:solidFill>
+              <a:schemeClr val="dk2"/>
+            </a:solidFill>
+            <a:prstDash val="solid"/>
+            <a:round/>
+            <a:headEnd len="med" w="med" type="none"/>
+            <a:tailEnd len="med" w="med" type="none"/>
+          </a:ln>
+        </p:spPr>
+      </p:cxnSp>
+      <p:sp>
+        <p:nvSpPr>
+          <p:cNvPr id="229" name="Google Shape;229;p20"/>
+          <p:cNvSpPr/>
+          <p:nvPr/>
+        </p:nvSpPr>
+        <p:spPr>
+          <a:xfrm rot="10800000">
+            <a:off x="3883950" y="477000"/>
+            <a:ext cx="1473600" cy="836700"/>
+          </a:xfrm>
+          <a:prstGeom prst="trapezoid">
+            <a:avLst>
+              <a:gd fmla="val 25000" name="adj"/>
+            </a:avLst>
+          </a:prstGeom>
+          <a:solidFill>
+            <a:schemeClr val="lt2"/>
+          </a:solidFill>
+          <a:ln cap="flat" cmpd="sng" w="9525">
+            <a:solidFill>
+              <a:schemeClr val="dk2"/>
+            </a:solidFill>
+            <a:prstDash val="solid"/>
+            <a:round/>
+            <a:headEnd len="sm" w="sm" type="none"/>
+            <a:tailEnd len="sm" w="sm" type="none"/>
+          </a:ln>
+        </p:spPr>
+        <p:txBody>
+          <a:bodyPr anchorCtr="0" anchor="ctr" bIns="91425" lIns="91425" spcFirstLastPara="1" rIns="91425" wrap="square" tIns="91425">
+            <a:noAutofit/>
+          </a:bodyPr>
+          <a:lstStyle/>
+          <a:p>
+            <a:pPr indent="0" lvl="0" marL="0" rtl="0" algn="l">
+              <a:spcBef>
+                <a:spcPts val="0"/>
+              </a:spcBef>
+              <a:spcAft>
+                <a:spcPts val="0"/>
+              </a:spcAft>
+              <a:buNone/>
+            </a:pPr>
+            <a:r>
+              <a:t/>
+            </a:r>
+            <a:endParaRPr/>
+          </a:p>
+        </p:txBody>
+      </p:sp>
+      <p:sp>
+        <p:nvSpPr>
+          <p:cNvPr id="230" name="Google Shape;230;p20"/>
+          <p:cNvSpPr txBox="1"/>
+          <p:nvPr/>
+        </p:nvSpPr>
+        <p:spPr>
+          <a:xfrm>
+            <a:off x="3883950" y="407250"/>
+            <a:ext cx="1473600" cy="502200"/>
+          </a:xfrm>
+          <a:prstGeom prst="rect">
+            <a:avLst/>
+          </a:prstGeom>
+          <a:noFill/>
+          <a:ln>
+            <a:noFill/>
+          </a:ln>
+        </p:spPr>
+        <p:txBody>
+          <a:bodyPr anchorCtr="0" anchor="t" bIns="91425" lIns="91425" spcFirstLastPara="1" rIns="91425" wrap="square" tIns="91425">
+            <a:noAutofit/>
+          </a:bodyPr>
+          <a:lstStyle/>
+          <a:p>
+            <a:pPr indent="0" lvl="0" marL="0" rtl="0" algn="ctr">
+              <a:spcBef>
+                <a:spcPts val="0"/>
+              </a:spcBef>
+              <a:spcAft>
+                <a:spcPts val="0"/>
+              </a:spcAft>
+              <a:buNone/>
+            </a:pPr>
+            <a:r>
+              <a:rPr lang="en" sz="1800">
+                <a:solidFill>
+                  <a:schemeClr val="dk2"/>
+                </a:solidFill>
+              </a:rPr>
+              <a:t>Input Text Vector Encoding</a:t>
+            </a:r>
+            <a:endParaRPr sz="1800">
+              <a:solidFill>
+                <a:schemeClr val="dk2"/>
+              </a:solidFill>
+            </a:endParaRPr>
+          </a:p>
+        </p:txBody>
+      </p:sp>
+      <p:cxnSp>
+        <p:nvCxnSpPr>
+          <p:cNvPr id="231" name="Google Shape;231;p20"/>
+          <p:cNvCxnSpPr>
+            <a:stCxn id="229" idx="0"/>
+            <a:endCxn id="200" idx="0"/>
+          </p:cNvCxnSpPr>
+          <p:nvPr/>
+        </p:nvCxnSpPr>
+        <p:spPr>
+          <a:xfrm flipH="1">
+            <a:off x="1053450" y="1313700"/>
+            <a:ext cx="3567300" cy="238500"/>
+          </a:xfrm>
+          <a:prstGeom prst="straightConnector1">
+            <a:avLst/>
+          </a:prstGeom>
+          <a:noFill/>
+          <a:ln cap="flat" cmpd="sng" w="9525">
+            <a:solidFill>
+              <a:schemeClr val="dk2"/>
+            </a:solidFill>
+            <a:prstDash val="solid"/>
+            <a:round/>
+            <a:headEnd len="med" w="med" type="none"/>
+            <a:tailEnd len="med" w="med" type="none"/>
+          </a:ln>
+        </p:spPr>
+      </p:cxnSp>
+      <p:cxnSp>
+        <p:nvCxnSpPr>
+          <p:cNvPr id="232" name="Google Shape;232;p20"/>
+          <p:cNvCxnSpPr>
+            <a:stCxn id="229" idx="0"/>
+            <a:endCxn id="202" idx="0"/>
+          </p:cNvCxnSpPr>
+          <p:nvPr/>
+        </p:nvCxnSpPr>
+        <p:spPr>
+          <a:xfrm flipH="1">
+            <a:off x="3193950" y="1313700"/>
+            <a:ext cx="1426800" cy="238500"/>
+          </a:xfrm>
+          <a:prstGeom prst="straightConnector1">
+            <a:avLst/>
+          </a:prstGeom>
+          <a:noFill/>
+          <a:ln cap="flat" cmpd="sng" w="9525">
+            <a:solidFill>
+              <a:schemeClr val="dk2"/>
+            </a:solidFill>
+            <a:prstDash val="solid"/>
+            <a:round/>
+            <a:headEnd len="med" w="med" type="none"/>
+            <a:tailEnd len="med" w="med" type="none"/>
+          </a:ln>
+        </p:spPr>
+      </p:cxnSp>
+      <p:cxnSp>
+        <p:nvCxnSpPr>
+          <p:cNvPr id="233" name="Google Shape;233;p20"/>
+          <p:cNvCxnSpPr>
+            <a:stCxn id="205" idx="0"/>
+            <a:endCxn id="229" idx="0"/>
+          </p:cNvCxnSpPr>
+          <p:nvPr/>
+        </p:nvCxnSpPr>
+        <p:spPr>
+          <a:xfrm rot="10800000">
+            <a:off x="4620700" y="1313600"/>
+            <a:ext cx="1392600" cy="238500"/>
+          </a:xfrm>
+          <a:prstGeom prst="straightConnector1">
+            <a:avLst/>
+          </a:prstGeom>
+          <a:noFill/>
+          <a:ln cap="flat" cmpd="sng" w="9525">
+            <a:solidFill>
+              <a:schemeClr val="dk2"/>
+            </a:solidFill>
+            <a:prstDash val="solid"/>
+            <a:round/>
+            <a:headEnd len="med" w="med" type="none"/>
+            <a:tailEnd len="med" w="med" type="none"/>
+          </a:ln>
+        </p:spPr>
+      </p:cxnSp>
+      <p:cxnSp>
+        <p:nvCxnSpPr>
+          <p:cNvPr id="234" name="Google Shape;234;p20"/>
+          <p:cNvCxnSpPr>
+            <a:stCxn id="208" idx="0"/>
+            <a:endCxn id="229" idx="0"/>
+          </p:cNvCxnSpPr>
+          <p:nvPr/>
+        </p:nvCxnSpPr>
+        <p:spPr>
+          <a:xfrm rot="10800000">
+            <a:off x="4620750" y="1313600"/>
+            <a:ext cx="3546000" cy="238500"/>
+          </a:xfrm>
+          <a:prstGeom prst="straightConnector1">
+            <a:avLst/>
+          </a:prstGeom>
+          <a:noFill/>
+          <a:ln cap="flat" cmpd="sng" w="9525">
+            <a:solidFill>
+              <a:schemeClr val="dk2"/>
+            </a:solidFill>
+            <a:prstDash val="solid"/>
+            <a:round/>
+            <a:headEnd len="med" w="med" type="none"/>
+            <a:tailEnd len="med" w="med" type="none"/>
+          </a:ln>
+        </p:spPr>
+      </p:cxnSp>
+      <p:cxnSp>
+        <p:nvCxnSpPr>
+          <p:cNvPr id="235" name="Google Shape;235;p20"/>
+          <p:cNvCxnSpPr>
+            <a:stCxn id="200" idx="2"/>
+            <a:endCxn id="210" idx="0"/>
+          </p:cNvCxnSpPr>
+          <p:nvPr/>
+        </p:nvCxnSpPr>
+        <p:spPr>
+          <a:xfrm>
+            <a:off x="1053500" y="2506400"/>
+            <a:ext cx="0" cy="390900"/>
+          </a:xfrm>
+          <a:prstGeom prst="straightConnector1">
+            <a:avLst/>
+          </a:prstGeom>
+          <a:noFill/>
+          <a:ln cap="flat" cmpd="sng" w="9525">
+            <a:solidFill>
+              <a:schemeClr val="dk2"/>
+            </a:solidFill>
+            <a:prstDash val="solid"/>
+            <a:round/>
+            <a:headEnd len="med" w="med" type="none"/>
+            <a:tailEnd len="med" w="med" type="none"/>
+          </a:ln>
+        </p:spPr>
+      </p:cxnSp>
+      <p:cxnSp>
+        <p:nvCxnSpPr>
+          <p:cNvPr id="236" name="Google Shape;236;p20"/>
+          <p:cNvCxnSpPr>
+            <a:stCxn id="202" idx="2"/>
+            <a:endCxn id="212" idx="0"/>
+          </p:cNvCxnSpPr>
+          <p:nvPr/>
+        </p:nvCxnSpPr>
+        <p:spPr>
+          <a:xfrm>
+            <a:off x="3193800" y="2506400"/>
+            <a:ext cx="0" cy="390900"/>
+          </a:xfrm>
+          <a:prstGeom prst="straightConnector1">
+            <a:avLst/>
+          </a:prstGeom>
+          <a:noFill/>
+          <a:ln cap="flat" cmpd="sng" w="9525">
+            <a:solidFill>
+              <a:schemeClr val="dk2"/>
+            </a:solidFill>
+            <a:prstDash val="solid"/>
+            <a:round/>
+            <a:headEnd len="med" w="med" type="none"/>
+            <a:tailEnd len="med" w="med" type="none"/>
+          </a:ln>
+        </p:spPr>
+      </p:cxnSp>
+      <p:cxnSp>
+        <p:nvCxnSpPr>
+          <p:cNvPr id="237" name="Google Shape;237;p20"/>
+          <p:cNvCxnSpPr>
+            <a:stCxn id="205" idx="2"/>
+            <a:endCxn id="215" idx="0"/>
+          </p:cNvCxnSpPr>
+          <p:nvPr/>
+        </p:nvCxnSpPr>
+        <p:spPr>
+          <a:xfrm>
+            <a:off x="6013300" y="2506400"/>
+            <a:ext cx="0" cy="390900"/>
+          </a:xfrm>
+          <a:prstGeom prst="straightConnector1">
+            <a:avLst/>
+          </a:prstGeom>
+          <a:noFill/>
+          <a:ln cap="flat" cmpd="sng" w="9525">
+            <a:solidFill>
+              <a:schemeClr val="dk2"/>
+            </a:solidFill>
+            <a:prstDash val="solid"/>
+            <a:round/>
+            <a:headEnd len="med" w="med" type="none"/>
+            <a:tailEnd len="med" w="med" type="none"/>
+          </a:ln>
+        </p:spPr>
+      </p:cxnSp>
+      <p:cxnSp>
+        <p:nvCxnSpPr>
+          <p:cNvPr id="238" name="Google Shape;238;p20"/>
+          <p:cNvCxnSpPr>
+            <a:stCxn id="208" idx="2"/>
+            <a:endCxn id="218" idx="0"/>
+          </p:cNvCxnSpPr>
+          <p:nvPr/>
+        </p:nvCxnSpPr>
+        <p:spPr>
+          <a:xfrm>
+            <a:off x="8166750" y="2506400"/>
+            <a:ext cx="0" cy="390900"/>
+          </a:xfrm>
+          <a:prstGeom prst="straightConnector1">
+            <a:avLst/>
+          </a:prstGeom>
+          <a:noFill/>
+          <a:ln cap="flat" cmpd="sng" w="9525">
+            <a:solidFill>
+              <a:schemeClr val="dk2"/>
+            </a:solidFill>
+            <a:prstDash val="solid"/>
+            <a:round/>
+            <a:headEnd len="med" w="med" type="none"/>
+            <a:tailEnd len="med" w="med" type="none"/>
+          </a:ln>
+        </p:spPr>
+      </p:cxnSp>
     </p:spTree>
   </p:cSld>
   <p:clrMapOvr>
@@ -11714,6 +13767,285 @@
 </file>
 
 <file path=ppt/theme/theme1.xml><?xml version="1.0" encoding="utf-8"?>
+<a:theme xmlns:a="http://schemas.openxmlformats.org/drawingml/2006/main" xmlns:r="http://schemas.openxmlformats.org/officeDocument/2006/relationships" name="Simple Light">
+  <a:themeElements>
+    <a:clrScheme name="Simple Light">
+      <a:dk1>
+        <a:srgbClr val="000000"/>
+      </a:dk1>
+      <a:lt1>
+        <a:srgbClr val="FFFFFF"/>
+      </a:lt1>
+      <a:dk2>
+        <a:srgbClr val="595959"/>
+      </a:dk2>
+      <a:lt2>
+        <a:srgbClr val="EEEEEE"/>
+      </a:lt2>
+      <a:accent1>
+        <a:srgbClr val="4285F4"/>
+      </a:accent1>
+      <a:accent2>
+        <a:srgbClr val="212121"/>
+      </a:accent2>
+      <a:accent3>
+        <a:srgbClr val="78909C"/>
+      </a:accent3>
+      <a:accent4>
+        <a:srgbClr val="FFAB40"/>
+      </a:accent4>
+      <a:accent5>
+        <a:srgbClr val="0097A7"/>
+      </a:accent5>
+      <a:accent6>
+        <a:srgbClr val="EEFF41"/>
+      </a:accent6>
+      <a:hlink>
+        <a:srgbClr val="0097A7"/>
+      </a:hlink>
+      <a:folHlink>
+        <a:srgbClr val="0097A7"/>
+      </a:folHlink>
+    </a:clrScheme>
+    <a:fontScheme name="Office">
+      <a:majorFont>
+        <a:latin typeface="Arial"/>
+        <a:ea typeface=""/>
+        <a:cs typeface=""/>
+        <a:font script="Jpan" typeface="ＭＳ Ｐゴシック"/>
+        <a:font script="Hang" typeface="맑은 고딕"/>
+        <a:font script="Hans" typeface="宋体"/>
+        <a:font script="Hant" typeface="新細明體"/>
+        <a:font script="Arab" typeface="Times New Roman"/>
+        <a:font script="Hebr" typeface="Times New Roman"/>
+        <a:font script="Thai" typeface="Angsana New"/>
+        <a:font script="Ethi" typeface="Nyala"/>
+        <a:font script="Beng" typeface="Vrinda"/>
+        <a:font script="Gujr" typeface="Shruti"/>
+        <a:font script="Khmr" typeface="MoolBoran"/>
+        <a:font script="Knda" typeface="Tunga"/>
+        <a:font script="Guru" typeface="Raavi"/>
+        <a:font script="Cans" typeface="Euphemia"/>
+        <a:font script="Cher" typeface="Plantagenet Cherokee"/>
+        <a:font script="Yiii" typeface="Microsoft Yi Baiti"/>
+        <a:font script="Tibt" typeface="Microsoft Himalaya"/>
+        <a:font script="Thaa" typeface="MV Boli"/>
+        <a:font script="Deva" typeface="Mangal"/>
+        <a:font script="Telu" typeface="Gautami"/>
+        <a:font script="Taml" typeface="Latha"/>
+        <a:font script="Syrc" typeface="Estrangelo Edessa"/>
+        <a:font script="Orya" typeface="Kalinga"/>
+        <a:font script="Mlym" typeface="Kartika"/>
+        <a:font script="Laoo" typeface="DokChampa"/>
+        <a:font script="Sinh" typeface="Iskoola Pota"/>
+        <a:font script="Mong" typeface="Mongolian Baiti"/>
+        <a:font script="Viet" typeface="Times New Roman"/>
+        <a:font script="Uigh" typeface="Microsoft Uighur"/>
+        <a:font script="Geor" typeface="Sylfaen"/>
+      </a:majorFont>
+      <a:minorFont>
+        <a:latin typeface="Arial"/>
+        <a:ea typeface=""/>
+        <a:cs typeface=""/>
+        <a:font script="Jpan" typeface="ＭＳ Ｐゴシック"/>
+        <a:font script="Hang" typeface="맑은 고딕"/>
+        <a:font script="Hans" typeface="宋体"/>
+        <a:font script="Hant" typeface="新細明體"/>
+        <a:font script="Arab" typeface="Arial"/>
+        <a:font script="Hebr" typeface="Arial"/>
+        <a:font script="Thai" typeface="Cordia New"/>
+        <a:font script="Ethi" typeface="Nyala"/>
+        <a:font script="Beng" typeface="Vrinda"/>
+        <a:font script="Gujr" typeface="Shruti"/>
+        <a:font script="Khmr" typeface="DaunPenh"/>
+        <a:font script="Knda" typeface="Tunga"/>
+        <a:font script="Guru" typeface="Raavi"/>
+        <a:font script="Cans" typeface="Euphemia"/>
+        <a:font script="Cher" typeface="Plantagenet Cherokee"/>
+        <a:font script="Yiii" typeface="Microsoft Yi Baiti"/>
+        <a:font script="Tibt" typeface="Microsoft Himalaya"/>
+        <a:font script="Thaa" typeface="MV Boli"/>
+        <a:font script="Deva" typeface="Mangal"/>
+        <a:font script="Telu" typeface="Gautami"/>
+        <a:font script="Taml" typeface="Latha"/>
+        <a:font script="Syrc" typeface="Estrangelo Edessa"/>
+        <a:font script="Orya" typeface="Kalinga"/>
+        <a:font script="Mlym" typeface="Kartika"/>
+        <a:font script="Laoo" typeface="DokChampa"/>
+        <a:font script="Sinh" typeface="Iskoola Pota"/>
+        <a:font script="Mong" typeface="Mongolian Baiti"/>
+        <a:font script="Viet" typeface="Arial"/>
+        <a:font script="Uigh" typeface="Microsoft Uighur"/>
+        <a:font script="Geor" typeface="Sylfaen"/>
+      </a:minorFont>
+    </a:fontScheme>
+    <a:fmtScheme name="Office">
+      <a:fillStyleLst>
+        <a:solidFill>
+          <a:schemeClr val="phClr"/>
+        </a:solidFill>
+        <a:gradFill rotWithShape="1">
+          <a:gsLst>
+            <a:gs pos="0">
+              <a:schemeClr val="phClr">
+                <a:tint val="50000"/>
+                <a:satMod val="300000"/>
+              </a:schemeClr>
+            </a:gs>
+            <a:gs pos="35000">
+              <a:schemeClr val="phClr">
+                <a:tint val="37000"/>
+                <a:satMod val="300000"/>
+              </a:schemeClr>
+            </a:gs>
+            <a:gs pos="100000">
+              <a:schemeClr val="phClr">
+                <a:tint val="15000"/>
+                <a:satMod val="350000"/>
+              </a:schemeClr>
+            </a:gs>
+          </a:gsLst>
+          <a:lin ang="16200000" scaled="1"/>
+        </a:gradFill>
+        <a:gradFill rotWithShape="1">
+          <a:gsLst>
+            <a:gs pos="0">
+              <a:schemeClr val="phClr">
+                <a:tint val="100000"/>
+                <a:shade val="100000"/>
+                <a:satMod val="130000"/>
+              </a:schemeClr>
+            </a:gs>
+            <a:gs pos="100000">
+              <a:schemeClr val="phClr">
+                <a:tint val="50000"/>
+                <a:shade val="100000"/>
+                <a:satMod val="350000"/>
+              </a:schemeClr>
+            </a:gs>
+          </a:gsLst>
+          <a:lin ang="16200000" scaled="0"/>
+        </a:gradFill>
+      </a:fillStyleLst>
+      <a:lnStyleLst>
+        <a:ln w="9525" cap="flat" cmpd="sng" algn="ctr">
+          <a:solidFill>
+            <a:schemeClr val="phClr">
+              <a:shade val="95000"/>
+              <a:satMod val="105000"/>
+            </a:schemeClr>
+          </a:solidFill>
+          <a:prstDash val="solid"/>
+        </a:ln>
+        <a:ln w="25400" cap="flat" cmpd="sng" algn="ctr">
+          <a:solidFill>
+            <a:schemeClr val="phClr"/>
+          </a:solidFill>
+          <a:prstDash val="solid"/>
+        </a:ln>
+        <a:ln w="38100" cap="flat" cmpd="sng" algn="ctr">
+          <a:solidFill>
+            <a:schemeClr val="phClr"/>
+          </a:solidFill>
+          <a:prstDash val="solid"/>
+        </a:ln>
+      </a:lnStyleLst>
+      <a:effectStyleLst>
+        <a:effectStyle>
+          <a:effectLst>
+            <a:outerShdw blurRad="40000" dist="20000" dir="5400000" rotWithShape="0">
+              <a:srgbClr val="000000">
+                <a:alpha val="38000"/>
+              </a:srgbClr>
+            </a:outerShdw>
+          </a:effectLst>
+        </a:effectStyle>
+        <a:effectStyle>
+          <a:effectLst>
+            <a:outerShdw blurRad="40000" dist="23000" dir="5400000" rotWithShape="0">
+              <a:srgbClr val="000000">
+                <a:alpha val="35000"/>
+              </a:srgbClr>
+            </a:outerShdw>
+          </a:effectLst>
+        </a:effectStyle>
+        <a:effectStyle>
+          <a:effectLst>
+            <a:outerShdw blurRad="40000" dist="23000" dir="5400000" rotWithShape="0">
+              <a:srgbClr val="000000">
+                <a:alpha val="35000"/>
+              </a:srgbClr>
+            </a:outerShdw>
+          </a:effectLst>
+          <a:scene3d>
+            <a:camera prst="orthographicFront">
+              <a:rot lat="0" lon="0" rev="0"/>
+            </a:camera>
+            <a:lightRig rig="threePt" dir="t">
+              <a:rot lat="0" lon="0" rev="1200000"/>
+            </a:lightRig>
+          </a:scene3d>
+          <a:sp3d>
+            <a:bevelT w="63500" h="25400"/>
+          </a:sp3d>
+        </a:effectStyle>
+      </a:effectStyleLst>
+      <a:bgFillStyleLst>
+        <a:solidFill>
+          <a:schemeClr val="phClr"/>
+        </a:solidFill>
+        <a:gradFill rotWithShape="1">
+          <a:gsLst>
+            <a:gs pos="0">
+              <a:schemeClr val="phClr">
+                <a:tint val="40000"/>
+                <a:satMod val="350000"/>
+              </a:schemeClr>
+            </a:gs>
+            <a:gs pos="40000">
+              <a:schemeClr val="phClr">
+                <a:tint val="45000"/>
+                <a:shade val="99000"/>
+                <a:satMod val="350000"/>
+              </a:schemeClr>
+            </a:gs>
+            <a:gs pos="100000">
+              <a:schemeClr val="phClr">
+                <a:shade val="20000"/>
+                <a:satMod val="255000"/>
+              </a:schemeClr>
+            </a:gs>
+          </a:gsLst>
+          <a:path path="circle">
+            <a:fillToRect l="50000" t="-80000" r="50000" b="180000"/>
+          </a:path>
+        </a:gradFill>
+        <a:gradFill rotWithShape="1">
+          <a:gsLst>
+            <a:gs pos="0">
+              <a:schemeClr val="phClr">
+                <a:tint val="80000"/>
+                <a:satMod val="300000"/>
+              </a:schemeClr>
+            </a:gs>
+            <a:gs pos="100000">
+              <a:schemeClr val="phClr">
+                <a:shade val="30000"/>
+                <a:satMod val="200000"/>
+              </a:schemeClr>
+            </a:gs>
+          </a:gsLst>
+          <a:path path="circle">
+            <a:fillToRect l="50000" t="50000" r="50000" b="50000"/>
+          </a:path>
+        </a:gradFill>
+      </a:bgFillStyleLst>
+    </a:fmtScheme>
+  </a:themeElements>
+</a:theme>
+</file>
+
+<file path=ppt/theme/theme2.xml><?xml version="1.0" encoding="utf-8"?>
 <a:theme xmlns:a="http://schemas.openxmlformats.org/drawingml/2006/main" xmlns:r="http://schemas.openxmlformats.org/officeDocument/2006/relationships">
   <a:themeElements>
     <a:clrScheme name="Default">
@@ -11990,283 +14322,4 @@
     </a:fmtScheme>
   </a:themeElements>
 </a:theme>
-</file>
-
-<file path=ppt/theme/theme2.xml><?xml version="1.0" encoding="utf-8"?>
-<a:theme xmlns:a="http://schemas.openxmlformats.org/drawingml/2006/main" xmlns:r="http://schemas.openxmlformats.org/officeDocument/2006/relationships" name="Simple Light">
-  <a:themeElements>
-    <a:clrScheme name="Simple Light">
-      <a:dk1>
-        <a:srgbClr val="000000"/>
-      </a:dk1>
-      <a:lt1>
-        <a:srgbClr val="FFFFFF"/>
-      </a:lt1>
-      <a:dk2>
-        <a:srgbClr val="595959"/>
-      </a:dk2>
-      <a:lt2>
-        <a:srgbClr val="EEEEEE"/>
-      </a:lt2>
-      <a:accent1>
-        <a:srgbClr val="4285F4"/>
-      </a:accent1>
-      <a:accent2>
-        <a:srgbClr val="212121"/>
-      </a:accent2>
-      <a:accent3>
-        <a:srgbClr val="78909C"/>
-      </a:accent3>
-      <a:accent4>
-        <a:srgbClr val="FFAB40"/>
-      </a:accent4>
-      <a:accent5>
-        <a:srgbClr val="0097A7"/>
-      </a:accent5>
-      <a:accent6>
-        <a:srgbClr val="EEFF41"/>
-      </a:accent6>
-      <a:hlink>
-        <a:srgbClr val="0097A7"/>
-      </a:hlink>
-      <a:folHlink>
-        <a:srgbClr val="0097A7"/>
-      </a:folHlink>
-    </a:clrScheme>
-    <a:fontScheme name="Office">
-      <a:majorFont>
-        <a:latin typeface="Arial"/>
-        <a:ea typeface=""/>
-        <a:cs typeface=""/>
-        <a:font script="Jpan" typeface="ＭＳ Ｐゴシック"/>
-        <a:font script="Hang" typeface="맑은 고딕"/>
-        <a:font script="Hans" typeface="宋体"/>
-        <a:font script="Hant" typeface="新細明體"/>
-        <a:font script="Arab" typeface="Times New Roman"/>
-        <a:font script="Hebr" typeface="Times New Roman"/>
-        <a:font script="Thai" typeface="Angsana New"/>
-        <a:font script="Ethi" typeface="Nyala"/>
-        <a:font script="Beng" typeface="Vrinda"/>
-        <a:font script="Gujr" typeface="Shruti"/>
-        <a:font script="Khmr" typeface="MoolBoran"/>
-        <a:font script="Knda" typeface="Tunga"/>
-        <a:font script="Guru" typeface="Raavi"/>
-        <a:font script="Cans" typeface="Euphemia"/>
-        <a:font script="Cher" typeface="Plantagenet Cherokee"/>
-        <a:font script="Yiii" typeface="Microsoft Yi Baiti"/>
-        <a:font script="Tibt" typeface="Microsoft Himalaya"/>
-        <a:font script="Thaa" typeface="MV Boli"/>
-        <a:font script="Deva" typeface="Mangal"/>
-        <a:font script="Telu" typeface="Gautami"/>
-        <a:font script="Taml" typeface="Latha"/>
-        <a:font script="Syrc" typeface="Estrangelo Edessa"/>
-        <a:font script="Orya" typeface="Kalinga"/>
-        <a:font script="Mlym" typeface="Kartika"/>
-        <a:font script="Laoo" typeface="DokChampa"/>
-        <a:font script="Sinh" typeface="Iskoola Pota"/>
-        <a:font script="Mong" typeface="Mongolian Baiti"/>
-        <a:font script="Viet" typeface="Times New Roman"/>
-        <a:font script="Uigh" typeface="Microsoft Uighur"/>
-        <a:font script="Geor" typeface="Sylfaen"/>
-      </a:majorFont>
-      <a:minorFont>
-        <a:latin typeface="Arial"/>
-        <a:ea typeface=""/>
-        <a:cs typeface=""/>
-        <a:font script="Jpan" typeface="ＭＳ Ｐゴシック"/>
-        <a:font script="Hang" typeface="맑은 고딕"/>
-        <a:font script="Hans" typeface="宋体"/>
-        <a:font script="Hant" typeface="新細明體"/>
-        <a:font script="Arab" typeface="Arial"/>
-        <a:font script="Hebr" typeface="Arial"/>
-        <a:font script="Thai" typeface="Cordia New"/>
-        <a:font script="Ethi" typeface="Nyala"/>
-        <a:font script="Beng" typeface="Vrinda"/>
-        <a:font script="Gujr" typeface="Shruti"/>
-        <a:font script="Khmr" typeface="DaunPenh"/>
-        <a:font script="Knda" typeface="Tunga"/>
-        <a:font script="Guru" typeface="Raavi"/>
-        <a:font script="Cans" typeface="Euphemia"/>
-        <a:font script="Cher" typeface="Plantagenet Cherokee"/>
-        <a:font script="Yiii" typeface="Microsoft Yi Baiti"/>
-        <a:font script="Tibt" typeface="Microsoft Himalaya"/>
-        <a:font script="Thaa" typeface="MV Boli"/>
-        <a:font script="Deva" typeface="Mangal"/>
-        <a:font script="Telu" typeface="Gautami"/>
-        <a:font script="Taml" typeface="Latha"/>
-        <a:font script="Syrc" typeface="Estrangelo Edessa"/>
-        <a:font script="Orya" typeface="Kalinga"/>
-        <a:font script="Mlym" typeface="Kartika"/>
-        <a:font script="Laoo" typeface="DokChampa"/>
-        <a:font script="Sinh" typeface="Iskoola Pota"/>
-        <a:font script="Mong" typeface="Mongolian Baiti"/>
-        <a:font script="Viet" typeface="Arial"/>
-        <a:font script="Uigh" typeface="Microsoft Uighur"/>
-        <a:font script="Geor" typeface="Sylfaen"/>
-      </a:minorFont>
-    </a:fontScheme>
-    <a:fmtScheme name="Office">
-      <a:fillStyleLst>
-        <a:solidFill>
-          <a:schemeClr val="phClr"/>
-        </a:solidFill>
-        <a:gradFill rotWithShape="1">
-          <a:gsLst>
-            <a:gs pos="0">
-              <a:schemeClr val="phClr">
-                <a:tint val="50000"/>
-                <a:satMod val="300000"/>
-              </a:schemeClr>
-            </a:gs>
-            <a:gs pos="35000">
-              <a:schemeClr val="phClr">
-                <a:tint val="37000"/>
-                <a:satMod val="300000"/>
-              </a:schemeClr>
-            </a:gs>
-            <a:gs pos="100000">
-              <a:schemeClr val="phClr">
-                <a:tint val="15000"/>
-                <a:satMod val="350000"/>
-              </a:schemeClr>
-            </a:gs>
-          </a:gsLst>
-          <a:lin ang="16200000" scaled="1"/>
-        </a:gradFill>
-        <a:gradFill rotWithShape="1">
-          <a:gsLst>
-            <a:gs pos="0">
-              <a:schemeClr val="phClr">
-                <a:tint val="100000"/>
-                <a:shade val="100000"/>
-                <a:satMod val="130000"/>
-              </a:schemeClr>
-            </a:gs>
-            <a:gs pos="100000">
-              <a:schemeClr val="phClr">
-                <a:tint val="50000"/>
-                <a:shade val="100000"/>
-                <a:satMod val="350000"/>
-              </a:schemeClr>
-            </a:gs>
-          </a:gsLst>
-          <a:lin ang="16200000" scaled="0"/>
-        </a:gradFill>
-      </a:fillStyleLst>
-      <a:lnStyleLst>
-        <a:ln w="9525" cap="flat" cmpd="sng" algn="ctr">
-          <a:solidFill>
-            <a:schemeClr val="phClr">
-              <a:shade val="95000"/>
-              <a:satMod val="105000"/>
-            </a:schemeClr>
-          </a:solidFill>
-          <a:prstDash val="solid"/>
-        </a:ln>
-        <a:ln w="25400" cap="flat" cmpd="sng" algn="ctr">
-          <a:solidFill>
-            <a:schemeClr val="phClr"/>
-          </a:solidFill>
-          <a:prstDash val="solid"/>
-        </a:ln>
-        <a:ln w="38100" cap="flat" cmpd="sng" algn="ctr">
-          <a:solidFill>
-            <a:schemeClr val="phClr"/>
-          </a:solidFill>
-          <a:prstDash val="solid"/>
-        </a:ln>
-      </a:lnStyleLst>
-      <a:effectStyleLst>
-        <a:effectStyle>
-          <a:effectLst>
-            <a:outerShdw blurRad="40000" dist="20000" dir="5400000" rotWithShape="0">
-              <a:srgbClr val="000000">
-                <a:alpha val="38000"/>
-              </a:srgbClr>
-            </a:outerShdw>
-          </a:effectLst>
-        </a:effectStyle>
-        <a:effectStyle>
-          <a:effectLst>
-            <a:outerShdw blurRad="40000" dist="23000" dir="5400000" rotWithShape="0">
-              <a:srgbClr val="000000">
-                <a:alpha val="35000"/>
-              </a:srgbClr>
-            </a:outerShdw>
-          </a:effectLst>
-        </a:effectStyle>
-        <a:effectStyle>
-          <a:effectLst>
-            <a:outerShdw blurRad="40000" dist="23000" dir="5400000" rotWithShape="0">
-              <a:srgbClr val="000000">
-                <a:alpha val="35000"/>
-              </a:srgbClr>
-            </a:outerShdw>
-          </a:effectLst>
-          <a:scene3d>
-            <a:camera prst="orthographicFront">
-              <a:rot lat="0" lon="0" rev="0"/>
-            </a:camera>
-            <a:lightRig rig="threePt" dir="t">
-              <a:rot lat="0" lon="0" rev="1200000"/>
-            </a:lightRig>
-          </a:scene3d>
-          <a:sp3d>
-            <a:bevelT w="63500" h="25400"/>
-          </a:sp3d>
-        </a:effectStyle>
-      </a:effectStyleLst>
-      <a:bgFillStyleLst>
-        <a:solidFill>
-          <a:schemeClr val="phClr"/>
-        </a:solidFill>
-        <a:gradFill rotWithShape="1">
-          <a:gsLst>
-            <a:gs pos="0">
-              <a:schemeClr val="phClr">
-                <a:tint val="40000"/>
-                <a:satMod val="350000"/>
-              </a:schemeClr>
-            </a:gs>
-            <a:gs pos="40000">
-              <a:schemeClr val="phClr">
-                <a:tint val="45000"/>
-                <a:shade val="99000"/>
-                <a:satMod val="350000"/>
-              </a:schemeClr>
-            </a:gs>
-            <a:gs pos="100000">
-              <a:schemeClr val="phClr">
-                <a:shade val="20000"/>
-                <a:satMod val="255000"/>
-              </a:schemeClr>
-            </a:gs>
-          </a:gsLst>
-          <a:path path="circle">
-            <a:fillToRect l="50000" t="-80000" r="50000" b="180000"/>
-          </a:path>
-        </a:gradFill>
-        <a:gradFill rotWithShape="1">
-          <a:gsLst>
-            <a:gs pos="0">
-              <a:schemeClr val="phClr">
-                <a:tint val="80000"/>
-                <a:satMod val="300000"/>
-              </a:schemeClr>
-            </a:gs>
-            <a:gs pos="100000">
-              <a:schemeClr val="phClr">
-                <a:shade val="30000"/>
-                <a:satMod val="200000"/>
-              </a:schemeClr>
-            </a:gs>
-          </a:gsLst>
-          <a:path path="circle">
-            <a:fillToRect l="50000" t="50000" r="50000" b="50000"/>
-          </a:path>
-        </a:gradFill>
-      </a:bgFillStyleLst>
-    </a:fmtScheme>
-  </a:themeElements>
-</a:theme>
 </file>